--- a/java-logic/Slide-Java-Logic-01.pptx
+++ b/java-logic/Slide-Java-Logic-01.pptx
@@ -5,66 +5,75 @@
     <p:sldMasterId id="2147483657" r:id="rId1"/>
   </p:sldMasterIdLst>
   <p:notesMasterIdLst>
-    <p:notesMasterId r:id="rId35"/>
+    <p:notesMasterId r:id="rId44"/>
   </p:notesMasterIdLst>
   <p:sldIdLst>
     <p:sldId id="256" r:id="rId2"/>
     <p:sldId id="285" r:id="rId3"/>
-    <p:sldId id="286" r:id="rId4"/>
-    <p:sldId id="287" r:id="rId5"/>
-    <p:sldId id="288" r:id="rId6"/>
-    <p:sldId id="289" r:id="rId7"/>
-    <p:sldId id="290" r:id="rId8"/>
-    <p:sldId id="291" r:id="rId9"/>
-    <p:sldId id="292" r:id="rId10"/>
-    <p:sldId id="293" r:id="rId11"/>
-    <p:sldId id="294" r:id="rId12"/>
-    <p:sldId id="295" r:id="rId13"/>
-    <p:sldId id="296" r:id="rId14"/>
-    <p:sldId id="299" r:id="rId15"/>
-    <p:sldId id="300" r:id="rId16"/>
-    <p:sldId id="301" r:id="rId17"/>
-    <p:sldId id="312" r:id="rId18"/>
-    <p:sldId id="311" r:id="rId19"/>
-    <p:sldId id="313" r:id="rId20"/>
-    <p:sldId id="314" r:id="rId21"/>
-    <p:sldId id="298" r:id="rId22"/>
-    <p:sldId id="302" r:id="rId23"/>
-    <p:sldId id="304" r:id="rId24"/>
-    <p:sldId id="305" r:id="rId25"/>
-    <p:sldId id="306" r:id="rId26"/>
-    <p:sldId id="308" r:id="rId27"/>
-    <p:sldId id="307" r:id="rId28"/>
-    <p:sldId id="310" r:id="rId29"/>
-    <p:sldId id="309" r:id="rId30"/>
-    <p:sldId id="315" r:id="rId31"/>
-    <p:sldId id="303" r:id="rId32"/>
-    <p:sldId id="316" r:id="rId33"/>
-    <p:sldId id="317" r:id="rId34"/>
+    <p:sldId id="318" r:id="rId4"/>
+    <p:sldId id="319" r:id="rId5"/>
+    <p:sldId id="320" r:id="rId6"/>
+    <p:sldId id="321" r:id="rId7"/>
+    <p:sldId id="322" r:id="rId8"/>
+    <p:sldId id="286" r:id="rId9"/>
+    <p:sldId id="325" r:id="rId10"/>
+    <p:sldId id="287" r:id="rId11"/>
+    <p:sldId id="326" r:id="rId12"/>
+    <p:sldId id="289" r:id="rId13"/>
+    <p:sldId id="290" r:id="rId14"/>
+    <p:sldId id="291" r:id="rId15"/>
+    <p:sldId id="292" r:id="rId16"/>
+    <p:sldId id="293" r:id="rId17"/>
+    <p:sldId id="324" r:id="rId18"/>
+    <p:sldId id="294" r:id="rId19"/>
+    <p:sldId id="295" r:id="rId20"/>
+    <p:sldId id="296" r:id="rId21"/>
+    <p:sldId id="323" r:id="rId22"/>
+    <p:sldId id="300" r:id="rId23"/>
+    <p:sldId id="301" r:id="rId24"/>
+    <p:sldId id="312" r:id="rId25"/>
+    <p:sldId id="311" r:id="rId26"/>
+    <p:sldId id="313" r:id="rId27"/>
+    <p:sldId id="314" r:id="rId28"/>
+    <p:sldId id="309" r:id="rId29"/>
+    <p:sldId id="315" r:id="rId30"/>
+    <p:sldId id="298" r:id="rId31"/>
+    <p:sldId id="302" r:id="rId32"/>
+    <p:sldId id="304" r:id="rId33"/>
+    <p:sldId id="305" r:id="rId34"/>
+    <p:sldId id="306" r:id="rId35"/>
+    <p:sldId id="308" r:id="rId36"/>
+    <p:sldId id="307" r:id="rId37"/>
+    <p:sldId id="310" r:id="rId38"/>
+    <p:sldId id="303" r:id="rId39"/>
+    <p:sldId id="316" r:id="rId40"/>
+    <p:sldId id="317" r:id="rId41"/>
+    <p:sldId id="337" r:id="rId42"/>
+    <p:sldId id="336" r:id="rId43"/>
   </p:sldIdLst>
   <p:sldSz cx="9144000" cy="5143500" type="screen16x9"/>
   <p:notesSz cx="6858000" cy="9144000"/>
   <p:embeddedFontLst>
     <p:embeddedFont>
       <p:font typeface="Arvo" panose="020B0604020202020204" charset="0"/>
-      <p:regular r:id="rId36"/>
-      <p:bold r:id="rId37"/>
-      <p:italic r:id="rId38"/>
-      <p:boldItalic r:id="rId39"/>
+      <p:regular r:id="rId45"/>
+      <p:bold r:id="rId46"/>
+      <p:italic r:id="rId47"/>
+      <p:boldItalic r:id="rId48"/>
     </p:embeddedFont>
     <p:embeddedFont>
       <p:font typeface="Roboto Condensed" panose="020B0604020202020204" charset="0"/>
-      <p:regular r:id="rId40"/>
-      <p:bold r:id="rId41"/>
-      <p:italic r:id="rId42"/>
-      <p:boldItalic r:id="rId43"/>
+      <p:regular r:id="rId49"/>
+      <p:bold r:id="rId50"/>
+      <p:italic r:id="rId51"/>
+      <p:boldItalic r:id="rId52"/>
     </p:embeddedFont>
     <p:embeddedFont>
       <p:font typeface="Roboto Condensed Light" panose="020B0604020202020204" charset="0"/>
-      <p:regular r:id="rId44"/>
-      <p:bold r:id="rId45"/>
-      <p:italic r:id="rId46"/>
-      <p:boldItalic r:id="rId47"/>
+      <p:regular r:id="rId53"/>
+      <p:bold r:id="rId54"/>
+      <p:italic r:id="rId55"/>
+      <p:boldItalic r:id="rId56"/>
     </p:embeddedFont>
   </p:embeddedFontLst>
   <p:defaultTextStyle>
@@ -4061,7 +4070,7 @@
 
 <file path=ppt/slideLayouts/slideLayout5.xml><?xml version="1.0" encoding="utf-8"?>
 <p:sldLayout xmlns:a="http://schemas.openxmlformats.org/drawingml/2006/main" xmlns:r="http://schemas.openxmlformats.org/officeDocument/2006/relationships" xmlns:p="http://schemas.openxmlformats.org/presentationml/2006/main" matchingName="Title + 2 columns" type="twoColTx">
-  <p:cSld name="TITLE_AND_TWO_COLUMNS">
+  <p:cSld name="Title + 2 columns">
     <p:spTree>
       <p:nvGrpSpPr>
         <p:cNvPr id="1" name="Shape 81"/>
@@ -5056,6 +5065,614 @@
         </p:txBody>
       </p:sp>
     </p:spTree>
+    <p:extLst>
+      <p:ext uri="{BB962C8B-B14F-4D97-AF65-F5344CB8AC3E}">
+        <p14:creationId xmlns:p14="http://schemas.microsoft.com/office/powerpoint/2010/main" val="4210532810"/>
+      </p:ext>
+    </p:extLst>
+  </p:cSld>
+  <p:clrMapOvr>
+    <a:masterClrMapping/>
+  </p:clrMapOvr>
+</p:sldLayout>
+</file>
+
+<file path=ppt/slideLayouts/slideLayout6.xml><?xml version="1.0" encoding="utf-8"?>
+<p:sldLayout xmlns:a="http://schemas.openxmlformats.org/drawingml/2006/main" xmlns:r="http://schemas.openxmlformats.org/officeDocument/2006/relationships" xmlns:p="http://schemas.openxmlformats.org/presentationml/2006/main" matchingName="Blank" type="blank">
+  <p:cSld name="Blank">
+    <p:spTree>
+      <p:nvGrpSpPr>
+        <p:cNvPr id="1" name="Shape 162"/>
+        <p:cNvGrpSpPr/>
+        <p:nvPr/>
+      </p:nvGrpSpPr>
+      <p:grpSpPr>
+        <a:xfrm>
+          <a:off x="0" y="0"/>
+          <a:ext cx="0" cy="0"/>
+          <a:chOff x="0" y="0"/>
+          <a:chExt cx="0" cy="0"/>
+        </a:xfrm>
+      </p:grpSpPr>
+      <p:sp>
+        <p:nvSpPr>
+          <p:cNvPr id="163" name="Google Shape;163;p10"/>
+          <p:cNvSpPr txBox="1">
+            <a:spLocks noGrp="1"/>
+          </p:cNvSpPr>
+          <p:nvPr>
+            <p:ph type="sldNum" idx="12"/>
+          </p:nvPr>
+        </p:nvSpPr>
+        <p:spPr>
+          <a:xfrm>
+            <a:off x="7618000" y="4636500"/>
+            <a:ext cx="1487400" cy="315600"/>
+          </a:xfrm>
+          <a:prstGeom prst="rect">
+            <a:avLst/>
+          </a:prstGeom>
+        </p:spPr>
+        <p:txBody>
+          <a:bodyPr spcFirstLastPara="1" wrap="square" lIns="91425" tIns="91425" rIns="91425" bIns="91425" anchor="ctr" anchorCtr="0">
+            <a:noAutofit/>
+          </a:bodyPr>
+          <a:lstStyle>
+            <a:lvl1pPr lvl="0">
+              <a:buNone/>
+              <a:defRPr/>
+            </a:lvl1pPr>
+            <a:lvl2pPr lvl="1">
+              <a:buNone/>
+              <a:defRPr/>
+            </a:lvl2pPr>
+            <a:lvl3pPr lvl="2">
+              <a:buNone/>
+              <a:defRPr/>
+            </a:lvl3pPr>
+            <a:lvl4pPr lvl="3">
+              <a:buNone/>
+              <a:defRPr/>
+            </a:lvl4pPr>
+            <a:lvl5pPr lvl="4">
+              <a:buNone/>
+              <a:defRPr/>
+            </a:lvl5pPr>
+            <a:lvl6pPr lvl="5">
+              <a:buNone/>
+              <a:defRPr/>
+            </a:lvl6pPr>
+            <a:lvl7pPr lvl="6">
+              <a:buNone/>
+              <a:defRPr/>
+            </a:lvl7pPr>
+            <a:lvl8pPr lvl="7">
+              <a:buNone/>
+              <a:defRPr/>
+            </a:lvl8pPr>
+            <a:lvl9pPr lvl="8">
+              <a:buNone/>
+              <a:defRPr/>
+            </a:lvl9pPr>
+          </a:lstStyle>
+          <a:p>
+            <a:pPr marL="0" lvl="0" indent="0" algn="r" rtl="0">
+              <a:spcBef>
+                <a:spcPts val="0"/>
+              </a:spcBef>
+              <a:spcAft>
+                <a:spcPts val="0"/>
+              </a:spcAft>
+              <a:buNone/>
+            </a:pPr>
+            <a:fld id="{00000000-1234-1234-1234-123412341234}" type="slidenum">
+              <a:rPr lang="en"/>
+              <a:t>‹#›</a:t>
+            </a:fld>
+            <a:endParaRPr/>
+          </a:p>
+        </p:txBody>
+      </p:sp>
+      <p:grpSp>
+        <p:nvGrpSpPr>
+          <p:cNvPr id="164" name="Google Shape;164;p10"/>
+          <p:cNvGrpSpPr/>
+          <p:nvPr/>
+        </p:nvGrpSpPr>
+        <p:grpSpPr>
+          <a:xfrm>
+            <a:off x="6946842" y="4472723"/>
+            <a:ext cx="2202830" cy="670795"/>
+            <a:chOff x="5575242" y="4472723"/>
+            <a:chExt cx="2202830" cy="670795"/>
+          </a:xfrm>
+        </p:grpSpPr>
+        <p:sp>
+          <p:nvSpPr>
+            <p:cNvPr id="165" name="Google Shape;165;p10"/>
+            <p:cNvSpPr/>
+            <p:nvPr/>
+          </p:nvSpPr>
+          <p:spPr>
+            <a:xfrm rot="10800000">
+              <a:off x="5575242" y="4948334"/>
+              <a:ext cx="394200" cy="131400"/>
+            </a:xfrm>
+            <a:prstGeom prst="triangle">
+              <a:avLst>
+                <a:gd name="adj" fmla="val 32425"/>
+              </a:avLst>
+            </a:prstGeom>
+            <a:solidFill>
+              <a:srgbClr val="D26F00"/>
+            </a:solidFill>
+            <a:ln>
+              <a:noFill/>
+            </a:ln>
+          </p:spPr>
+          <p:txBody>
+            <a:bodyPr spcFirstLastPara="1" wrap="square" lIns="91425" tIns="91425" rIns="91425" bIns="91425" anchor="ctr" anchorCtr="0">
+              <a:noAutofit/>
+            </a:bodyPr>
+            <a:lstStyle/>
+            <a:p>
+              <a:pPr marL="0" lvl="0" indent="0" algn="l" rtl="0">
+                <a:spcBef>
+                  <a:spcPts val="0"/>
+                </a:spcBef>
+                <a:spcAft>
+                  <a:spcPts val="0"/>
+                </a:spcAft>
+                <a:buNone/>
+              </a:pPr>
+              <a:endParaRPr/>
+            </a:p>
+          </p:txBody>
+        </p:sp>
+        <p:grpSp>
+          <p:nvGrpSpPr>
+            <p:cNvPr id="166" name="Google Shape;166;p10"/>
+            <p:cNvGrpSpPr/>
+            <p:nvPr/>
+          </p:nvGrpSpPr>
+          <p:grpSpPr>
+            <a:xfrm flipH="1">
+              <a:off x="5734850" y="4472723"/>
+              <a:ext cx="2040837" cy="670795"/>
+              <a:chOff x="1297954" y="330075"/>
+              <a:chExt cx="5169293" cy="1699506"/>
+            </a:xfrm>
+          </p:grpSpPr>
+          <p:sp>
+            <p:nvSpPr>
+              <p:cNvPr id="167" name="Google Shape;167;p10"/>
+              <p:cNvSpPr/>
+              <p:nvPr/>
+            </p:nvSpPr>
+            <p:spPr>
+              <a:xfrm>
+                <a:off x="1297954" y="330081"/>
+                <a:ext cx="3476700" cy="1699500"/>
+              </a:xfrm>
+              <a:prstGeom prst="rect">
+                <a:avLst/>
+              </a:prstGeom>
+              <a:solidFill>
+                <a:srgbClr val="C7D3E6"/>
+              </a:solidFill>
+              <a:ln>
+                <a:noFill/>
+              </a:ln>
+            </p:spPr>
+            <p:txBody>
+              <a:bodyPr spcFirstLastPara="1" wrap="square" lIns="91425" tIns="91425" rIns="91425" bIns="91425" anchor="ctr" anchorCtr="0">
+                <a:noAutofit/>
+              </a:bodyPr>
+              <a:lstStyle/>
+              <a:p>
+                <a:pPr marL="0" lvl="0" indent="0" algn="l" rtl="0">
+                  <a:spcBef>
+                    <a:spcPts val="0"/>
+                  </a:spcBef>
+                  <a:spcAft>
+                    <a:spcPts val="0"/>
+                  </a:spcAft>
+                  <a:buNone/>
+                </a:pPr>
+                <a:endParaRPr/>
+              </a:p>
+            </p:txBody>
+          </p:sp>
+          <p:sp>
+            <p:nvSpPr>
+              <p:cNvPr id="168" name="Google Shape;168;p10"/>
+              <p:cNvSpPr/>
+              <p:nvPr/>
+            </p:nvSpPr>
+            <p:spPr>
+              <a:xfrm>
+                <a:off x="4767747" y="330075"/>
+                <a:ext cx="1699500" cy="1699500"/>
+              </a:xfrm>
+              <a:prstGeom prst="rtTriangle">
+                <a:avLst/>
+              </a:prstGeom>
+              <a:solidFill>
+                <a:srgbClr val="C7D3E6"/>
+              </a:solidFill>
+              <a:ln>
+                <a:noFill/>
+              </a:ln>
+            </p:spPr>
+            <p:txBody>
+              <a:bodyPr spcFirstLastPara="1" wrap="square" lIns="91425" tIns="91425" rIns="91425" bIns="91425" anchor="ctr" anchorCtr="0">
+                <a:noAutofit/>
+              </a:bodyPr>
+              <a:lstStyle/>
+              <a:p>
+                <a:pPr marL="0" lvl="0" indent="0" algn="l" rtl="0">
+                  <a:spcBef>
+                    <a:spcPts val="0"/>
+                  </a:spcBef>
+                  <a:spcAft>
+                    <a:spcPts val="0"/>
+                  </a:spcAft>
+                  <a:buNone/>
+                </a:pPr>
+                <a:endParaRPr/>
+              </a:p>
+            </p:txBody>
+          </p:sp>
+        </p:grpSp>
+        <p:grpSp>
+          <p:nvGrpSpPr>
+            <p:cNvPr id="169" name="Google Shape;169;p10"/>
+            <p:cNvGrpSpPr/>
+            <p:nvPr/>
+          </p:nvGrpSpPr>
+          <p:grpSpPr>
+            <a:xfrm flipH="1">
+              <a:off x="5578209" y="4646738"/>
+              <a:ext cx="2199863" cy="304563"/>
+              <a:chOff x="-5827153" y="330075"/>
+              <a:chExt cx="12276019" cy="1699569"/>
+            </a:xfrm>
+          </p:grpSpPr>
+          <p:sp>
+            <p:nvSpPr>
+              <p:cNvPr id="170" name="Google Shape;170;p10"/>
+              <p:cNvSpPr/>
+              <p:nvPr/>
+            </p:nvSpPr>
+            <p:spPr>
+              <a:xfrm>
+                <a:off x="-5827153" y="330144"/>
+                <a:ext cx="10612200" cy="1699500"/>
+              </a:xfrm>
+              <a:prstGeom prst="rect">
+                <a:avLst/>
+              </a:prstGeom>
+              <a:solidFill>
+                <a:srgbClr val="FF9800"/>
+              </a:solidFill>
+              <a:ln>
+                <a:noFill/>
+              </a:ln>
+            </p:spPr>
+            <p:txBody>
+              <a:bodyPr spcFirstLastPara="1" wrap="square" lIns="91425" tIns="91425" rIns="91425" bIns="91425" anchor="ctr" anchorCtr="0">
+                <a:noAutofit/>
+              </a:bodyPr>
+              <a:lstStyle/>
+              <a:p>
+                <a:pPr marL="0" lvl="0" indent="0" algn="l" rtl="0">
+                  <a:spcBef>
+                    <a:spcPts val="0"/>
+                  </a:spcBef>
+                  <a:spcAft>
+                    <a:spcPts val="0"/>
+                  </a:spcAft>
+                  <a:buNone/>
+                </a:pPr>
+                <a:endParaRPr/>
+              </a:p>
+            </p:txBody>
+          </p:sp>
+          <p:sp>
+            <p:nvSpPr>
+              <p:cNvPr id="171" name="Google Shape;171;p10"/>
+              <p:cNvSpPr/>
+              <p:nvPr/>
+            </p:nvSpPr>
+            <p:spPr>
+              <a:xfrm>
+                <a:off x="4749366" y="330075"/>
+                <a:ext cx="1699500" cy="1699500"/>
+              </a:xfrm>
+              <a:prstGeom prst="rtTriangle">
+                <a:avLst/>
+              </a:prstGeom>
+              <a:solidFill>
+                <a:srgbClr val="FF9800"/>
+              </a:solidFill>
+              <a:ln>
+                <a:noFill/>
+              </a:ln>
+            </p:spPr>
+            <p:txBody>
+              <a:bodyPr spcFirstLastPara="1" wrap="square" lIns="91425" tIns="91425" rIns="91425" bIns="91425" anchor="ctr" anchorCtr="0">
+                <a:noAutofit/>
+              </a:bodyPr>
+              <a:lstStyle/>
+              <a:p>
+                <a:pPr marL="0" lvl="0" indent="0" algn="l" rtl="0">
+                  <a:spcBef>
+                    <a:spcPts val="0"/>
+                  </a:spcBef>
+                  <a:spcAft>
+                    <a:spcPts val="0"/>
+                  </a:spcAft>
+                  <a:buNone/>
+                </a:pPr>
+                <a:endParaRPr/>
+              </a:p>
+            </p:txBody>
+          </p:sp>
+        </p:grpSp>
+      </p:grpSp>
+      <p:grpSp>
+        <p:nvGrpSpPr>
+          <p:cNvPr id="172" name="Google Shape;172;p10"/>
+          <p:cNvGrpSpPr/>
+          <p:nvPr/>
+        </p:nvGrpSpPr>
+        <p:grpSpPr>
+          <a:xfrm rot="10800000">
+            <a:off x="-8" y="-2"/>
+            <a:ext cx="2202830" cy="670795"/>
+            <a:chOff x="5575242" y="4472723"/>
+            <a:chExt cx="2202830" cy="670795"/>
+          </a:xfrm>
+        </p:grpSpPr>
+        <p:sp>
+          <p:nvSpPr>
+            <p:cNvPr id="173" name="Google Shape;173;p10"/>
+            <p:cNvSpPr/>
+            <p:nvPr/>
+          </p:nvSpPr>
+          <p:spPr>
+            <a:xfrm rot="10800000">
+              <a:off x="5575242" y="4948334"/>
+              <a:ext cx="394200" cy="131400"/>
+            </a:xfrm>
+            <a:prstGeom prst="triangle">
+              <a:avLst>
+                <a:gd name="adj" fmla="val 32425"/>
+              </a:avLst>
+            </a:prstGeom>
+            <a:solidFill>
+              <a:srgbClr val="263248"/>
+            </a:solidFill>
+            <a:ln>
+              <a:noFill/>
+            </a:ln>
+          </p:spPr>
+          <p:txBody>
+            <a:bodyPr spcFirstLastPara="1" wrap="square" lIns="91425" tIns="91425" rIns="91425" bIns="91425" anchor="ctr" anchorCtr="0">
+              <a:noAutofit/>
+            </a:bodyPr>
+            <a:lstStyle/>
+            <a:p>
+              <a:pPr marL="0" lvl="0" indent="0" algn="l" rtl="0">
+                <a:spcBef>
+                  <a:spcPts val="0"/>
+                </a:spcBef>
+                <a:spcAft>
+                  <a:spcPts val="0"/>
+                </a:spcAft>
+                <a:buNone/>
+              </a:pPr>
+              <a:endParaRPr/>
+            </a:p>
+          </p:txBody>
+        </p:sp>
+        <p:grpSp>
+          <p:nvGrpSpPr>
+            <p:cNvPr id="174" name="Google Shape;174;p10"/>
+            <p:cNvGrpSpPr/>
+            <p:nvPr/>
+          </p:nvGrpSpPr>
+          <p:grpSpPr>
+            <a:xfrm flipH="1">
+              <a:off x="5734850" y="4472723"/>
+              <a:ext cx="2040837" cy="670795"/>
+              <a:chOff x="1297954" y="330075"/>
+              <a:chExt cx="5169293" cy="1699506"/>
+            </a:xfrm>
+          </p:grpSpPr>
+          <p:sp>
+            <p:nvSpPr>
+              <p:cNvPr id="175" name="Google Shape;175;p10"/>
+              <p:cNvSpPr/>
+              <p:nvPr/>
+            </p:nvSpPr>
+            <p:spPr>
+              <a:xfrm>
+                <a:off x="1297954" y="330081"/>
+                <a:ext cx="3476700" cy="1699500"/>
+              </a:xfrm>
+              <a:prstGeom prst="rect">
+                <a:avLst/>
+              </a:prstGeom>
+              <a:solidFill>
+                <a:srgbClr val="C7D3E6"/>
+              </a:solidFill>
+              <a:ln>
+                <a:noFill/>
+              </a:ln>
+            </p:spPr>
+            <p:txBody>
+              <a:bodyPr spcFirstLastPara="1" wrap="square" lIns="91425" tIns="91425" rIns="91425" bIns="91425" anchor="ctr" anchorCtr="0">
+                <a:noAutofit/>
+              </a:bodyPr>
+              <a:lstStyle/>
+              <a:p>
+                <a:pPr marL="0" lvl="0" indent="0" algn="l" rtl="0">
+                  <a:spcBef>
+                    <a:spcPts val="0"/>
+                  </a:spcBef>
+                  <a:spcAft>
+                    <a:spcPts val="0"/>
+                  </a:spcAft>
+                  <a:buNone/>
+                </a:pPr>
+                <a:endParaRPr/>
+              </a:p>
+            </p:txBody>
+          </p:sp>
+          <p:sp>
+            <p:nvSpPr>
+              <p:cNvPr id="176" name="Google Shape;176;p10"/>
+              <p:cNvSpPr/>
+              <p:nvPr/>
+            </p:nvSpPr>
+            <p:spPr>
+              <a:xfrm>
+                <a:off x="4767747" y="330075"/>
+                <a:ext cx="1699500" cy="1699500"/>
+              </a:xfrm>
+              <a:prstGeom prst="rtTriangle">
+                <a:avLst/>
+              </a:prstGeom>
+              <a:solidFill>
+                <a:srgbClr val="C7D3E6"/>
+              </a:solidFill>
+              <a:ln>
+                <a:noFill/>
+              </a:ln>
+            </p:spPr>
+            <p:txBody>
+              <a:bodyPr spcFirstLastPara="1" wrap="square" lIns="91425" tIns="91425" rIns="91425" bIns="91425" anchor="ctr" anchorCtr="0">
+                <a:noAutofit/>
+              </a:bodyPr>
+              <a:lstStyle/>
+              <a:p>
+                <a:pPr marL="0" lvl="0" indent="0" algn="l" rtl="0">
+                  <a:spcBef>
+                    <a:spcPts val="0"/>
+                  </a:spcBef>
+                  <a:spcAft>
+                    <a:spcPts val="0"/>
+                  </a:spcAft>
+                  <a:buNone/>
+                </a:pPr>
+                <a:endParaRPr/>
+              </a:p>
+            </p:txBody>
+          </p:sp>
+        </p:grpSp>
+        <p:grpSp>
+          <p:nvGrpSpPr>
+            <p:cNvPr id="177" name="Google Shape;177;p10"/>
+            <p:cNvGrpSpPr/>
+            <p:nvPr/>
+          </p:nvGrpSpPr>
+          <p:grpSpPr>
+            <a:xfrm flipH="1">
+              <a:off x="5578209" y="4646738"/>
+              <a:ext cx="2199863" cy="304563"/>
+              <a:chOff x="-5827153" y="330075"/>
+              <a:chExt cx="12276019" cy="1699569"/>
+            </a:xfrm>
+          </p:grpSpPr>
+          <p:sp>
+            <p:nvSpPr>
+              <p:cNvPr id="178" name="Google Shape;178;p10"/>
+              <p:cNvSpPr/>
+              <p:nvPr/>
+            </p:nvSpPr>
+            <p:spPr>
+              <a:xfrm>
+                <a:off x="-5827153" y="330144"/>
+                <a:ext cx="10612200" cy="1699500"/>
+              </a:xfrm>
+              <a:prstGeom prst="rect">
+                <a:avLst/>
+              </a:prstGeom>
+              <a:solidFill>
+                <a:srgbClr val="3F5378"/>
+              </a:solidFill>
+              <a:ln>
+                <a:noFill/>
+              </a:ln>
+            </p:spPr>
+            <p:txBody>
+              <a:bodyPr spcFirstLastPara="1" wrap="square" lIns="91425" tIns="91425" rIns="91425" bIns="91425" anchor="ctr" anchorCtr="0">
+                <a:noAutofit/>
+              </a:bodyPr>
+              <a:lstStyle/>
+              <a:p>
+                <a:pPr marL="0" lvl="0" indent="0" algn="l" rtl="0">
+                  <a:spcBef>
+                    <a:spcPts val="0"/>
+                  </a:spcBef>
+                  <a:spcAft>
+                    <a:spcPts val="0"/>
+                  </a:spcAft>
+                  <a:buNone/>
+                </a:pPr>
+                <a:endParaRPr/>
+              </a:p>
+            </p:txBody>
+          </p:sp>
+          <p:sp>
+            <p:nvSpPr>
+              <p:cNvPr id="179" name="Google Shape;179;p10"/>
+              <p:cNvSpPr/>
+              <p:nvPr/>
+            </p:nvSpPr>
+            <p:spPr>
+              <a:xfrm>
+                <a:off x="4749366" y="330075"/>
+                <a:ext cx="1699500" cy="1699500"/>
+              </a:xfrm>
+              <a:prstGeom prst="rtTriangle">
+                <a:avLst/>
+              </a:prstGeom>
+              <a:solidFill>
+                <a:srgbClr val="3F5378"/>
+              </a:solidFill>
+              <a:ln>
+                <a:noFill/>
+              </a:ln>
+            </p:spPr>
+            <p:txBody>
+              <a:bodyPr spcFirstLastPara="1" wrap="square" lIns="91425" tIns="91425" rIns="91425" bIns="91425" anchor="ctr" anchorCtr="0">
+                <a:noAutofit/>
+              </a:bodyPr>
+              <a:lstStyle/>
+              <a:p>
+                <a:pPr marL="0" lvl="0" indent="0" algn="l" rtl="0">
+                  <a:spcBef>
+                    <a:spcPts val="0"/>
+                  </a:spcBef>
+                  <a:spcAft>
+                    <a:spcPts val="0"/>
+                  </a:spcAft>
+                  <a:buNone/>
+                </a:pPr>
+                <a:endParaRPr/>
+              </a:p>
+            </p:txBody>
+          </p:sp>
+        </p:grpSp>
+      </p:grpSp>
+    </p:spTree>
+    <p:extLst>
+      <p:ext uri="{BB962C8B-B14F-4D97-AF65-F5344CB8AC3E}">
+        <p14:creationId xmlns:p14="http://schemas.microsoft.com/office/powerpoint/2010/main" val="3182925699"/>
+      </p:ext>
+    </p:extLst>
   </p:cSld>
   <p:clrMapOvr>
     <a:masterClrMapping/>
@@ -5729,7 +6346,8 @@
     <p:sldLayoutId id="2147483649" r:id="rId2"/>
     <p:sldLayoutId id="2147483650" r:id="rId3"/>
     <p:sldLayoutId id="2147483651" r:id="rId4"/>
-    <p:sldLayoutId id="2147483652" r:id="rId5"/>
+    <p:sldLayoutId id="2147483658" r:id="rId5"/>
+    <p:sldLayoutId id="2147483659" r:id="rId6"/>
   </p:sldLayoutIdLst>
   <p:transition>
     <p:fade thruBlk="1"/>
@@ -6635,6 +7253,890 @@
           <p:cNvPr id="2" name="Title 1">
             <a:extLst>
               <a:ext uri="{FF2B5EF4-FFF2-40B4-BE49-F238E27FC236}">
+                <a16:creationId xmlns:a16="http://schemas.microsoft.com/office/drawing/2014/main" id="{0787991E-E8C6-47E2-8E8D-4AF82B24EB99}"/>
+              </a:ext>
+            </a:extLst>
+          </p:cNvPr>
+          <p:cNvSpPr>
+            <a:spLocks noGrp="1"/>
+          </p:cNvSpPr>
+          <p:nvPr>
+            <p:ph type="title"/>
+          </p:nvPr>
+        </p:nvSpPr>
+        <p:spPr/>
+        <p:txBody>
+          <a:bodyPr/>
+          <a:lstStyle/>
+          <a:p>
+            <a:r>
+              <a:rPr lang="en-US" dirty="0"/>
+              <a:t>Java – Basic Syntax</a:t>
+            </a:r>
+            <a:endParaRPr lang="en-ID" dirty="0"/>
+          </a:p>
+        </p:txBody>
+      </p:sp>
+      <p:sp>
+        <p:nvSpPr>
+          <p:cNvPr id="3" name="Text Placeholder 2">
+            <a:extLst>
+              <a:ext uri="{FF2B5EF4-FFF2-40B4-BE49-F238E27FC236}">
+                <a16:creationId xmlns:a16="http://schemas.microsoft.com/office/drawing/2014/main" id="{BDA0354D-F7B6-48C9-B6D5-5269238798D3}"/>
+              </a:ext>
+            </a:extLst>
+          </p:cNvPr>
+          <p:cNvSpPr>
+            <a:spLocks noGrp="1"/>
+          </p:cNvSpPr>
+          <p:nvPr>
+            <p:ph type="body" idx="1"/>
+          </p:nvPr>
+        </p:nvSpPr>
+        <p:spPr>
+          <a:xfrm>
+            <a:off x="814275" y="1327350"/>
+            <a:ext cx="6132600" cy="3530400"/>
+          </a:xfrm>
+        </p:spPr>
+        <p:txBody>
+          <a:bodyPr anchor="t"/>
+          <a:lstStyle/>
+          <a:p>
+            <a:r>
+              <a:rPr lang="en-US" sz="1600" b="1" dirty="0"/>
+              <a:t>Case Sensitivity </a:t>
+            </a:r>
+            <a:r>
+              <a:rPr lang="en-US" sz="1600" dirty="0"/>
+              <a:t>− Java is case sensitive.</a:t>
+            </a:r>
+          </a:p>
+          <a:p>
+            <a:r>
+              <a:rPr lang="en-US" sz="1600" b="1" dirty="0"/>
+              <a:t>Class Names </a:t>
+            </a:r>
+            <a:r>
+              <a:rPr lang="en-US" sz="1600" dirty="0"/>
+              <a:t>− For all class names the first letter should be in Upper Case. If several words are used to form a name of the class, each inner word's first letter should be in Upper Case.</a:t>
+            </a:r>
+          </a:p>
+          <a:p>
+            <a:r>
+              <a:rPr lang="en-US" sz="1600" b="1" dirty="0"/>
+              <a:t>Method Names </a:t>
+            </a:r>
+            <a:r>
+              <a:rPr lang="en-US" sz="1600" dirty="0"/>
+              <a:t>− All method names should start with a Lower Case letter. If several words are used to form the name of the method, then each inner word's first letter should be in Upper Case.</a:t>
+            </a:r>
+          </a:p>
+          <a:p>
+            <a:r>
+              <a:rPr lang="en-US" sz="1600" b="1" dirty="0"/>
+              <a:t>Program File Name </a:t>
+            </a:r>
+            <a:r>
+              <a:rPr lang="en-US" sz="1600" dirty="0"/>
+              <a:t>− Name of the program file should exactly match the class name.</a:t>
+            </a:r>
+          </a:p>
+          <a:p>
+            <a:r>
+              <a:rPr lang="en-US" sz="1600" b="1" dirty="0"/>
+              <a:t>public static void main(String </a:t>
+            </a:r>
+            <a:r>
+              <a:rPr lang="en-US" sz="1600" b="1" dirty="0" err="1"/>
+              <a:t>args</a:t>
+            </a:r>
+            <a:r>
+              <a:rPr lang="en-US" sz="1600" b="1" dirty="0"/>
+              <a:t>[]) </a:t>
+            </a:r>
+            <a:r>
+              <a:rPr lang="en-US" sz="1600" dirty="0"/>
+              <a:t>− Java program processing starts from the main() method which is a mandatory part of every Java program.</a:t>
+            </a:r>
+            <a:endParaRPr lang="en-ID" sz="1600" dirty="0"/>
+          </a:p>
+        </p:txBody>
+      </p:sp>
+      <p:sp>
+        <p:nvSpPr>
+          <p:cNvPr id="4" name="Slide Number Placeholder 3">
+            <a:extLst>
+              <a:ext uri="{FF2B5EF4-FFF2-40B4-BE49-F238E27FC236}">
+                <a16:creationId xmlns:a16="http://schemas.microsoft.com/office/drawing/2014/main" id="{7F014451-6722-41EF-BF4C-E3A5A498AC53}"/>
+              </a:ext>
+            </a:extLst>
+          </p:cNvPr>
+          <p:cNvSpPr>
+            <a:spLocks noGrp="1"/>
+          </p:cNvSpPr>
+          <p:nvPr>
+            <p:ph type="sldNum" idx="12"/>
+          </p:nvPr>
+        </p:nvSpPr>
+        <p:spPr/>
+        <p:txBody>
+          <a:bodyPr/>
+          <a:lstStyle/>
+          <a:p>
+            <a:pPr marL="0" lvl="0" indent="0" algn="r" rtl="0">
+              <a:spcBef>
+                <a:spcPts val="0"/>
+              </a:spcBef>
+              <a:spcAft>
+                <a:spcPts val="0"/>
+              </a:spcAft>
+              <a:buNone/>
+            </a:pPr>
+            <a:fld id="{00000000-1234-1234-1234-123412341234}" type="slidenum">
+              <a:rPr lang="en" smtClean="0"/>
+              <a:t>10</a:t>
+            </a:fld>
+            <a:endParaRPr lang="en"/>
+          </a:p>
+        </p:txBody>
+      </p:sp>
+    </p:spTree>
+    <p:extLst>
+      <p:ext uri="{BB962C8B-B14F-4D97-AF65-F5344CB8AC3E}">
+        <p14:creationId xmlns:p14="http://schemas.microsoft.com/office/powerpoint/2010/main" val="2099777870"/>
+      </p:ext>
+    </p:extLst>
+  </p:cSld>
+  <p:clrMapOvr>
+    <a:masterClrMapping/>
+  </p:clrMapOvr>
+</p:sld>
+</file>
+
+<file path=ppt/slides/slide11.xml><?xml version="1.0" encoding="utf-8"?>
+<p:sld xmlns:a="http://schemas.openxmlformats.org/drawingml/2006/main" xmlns:r="http://schemas.openxmlformats.org/officeDocument/2006/relationships" xmlns:p="http://schemas.openxmlformats.org/presentationml/2006/main">
+  <p:cSld>
+    <p:spTree>
+      <p:nvGrpSpPr>
+        <p:cNvPr id="1" name=""/>
+        <p:cNvGrpSpPr/>
+        <p:nvPr/>
+      </p:nvGrpSpPr>
+      <p:grpSpPr>
+        <a:xfrm>
+          <a:off x="0" y="0"/>
+          <a:ext cx="0" cy="0"/>
+          <a:chOff x="0" y="0"/>
+          <a:chExt cx="0" cy="0"/>
+        </a:xfrm>
+      </p:grpSpPr>
+      <p:sp>
+        <p:nvSpPr>
+          <p:cNvPr id="2" name="Title 1">
+            <a:extLst>
+              <a:ext uri="{FF2B5EF4-FFF2-40B4-BE49-F238E27FC236}">
+                <a16:creationId xmlns:a16="http://schemas.microsoft.com/office/drawing/2014/main" id="{90B39740-BD64-4E13-8BA0-C578593BAE5B}"/>
+              </a:ext>
+            </a:extLst>
+          </p:cNvPr>
+          <p:cNvSpPr>
+            <a:spLocks noGrp="1"/>
+          </p:cNvSpPr>
+          <p:nvPr>
+            <p:ph type="title"/>
+          </p:nvPr>
+        </p:nvSpPr>
+        <p:spPr/>
+        <p:txBody>
+          <a:bodyPr/>
+          <a:lstStyle/>
+          <a:p>
+            <a:r>
+              <a:rPr lang="en-US" dirty="0"/>
+              <a:t>Java – Identifier </a:t>
+            </a:r>
+            <a:endParaRPr lang="en-ID" dirty="0"/>
+          </a:p>
+        </p:txBody>
+      </p:sp>
+      <p:sp>
+        <p:nvSpPr>
+          <p:cNvPr id="3" name="Text Placeholder 2">
+            <a:extLst>
+              <a:ext uri="{FF2B5EF4-FFF2-40B4-BE49-F238E27FC236}">
+                <a16:creationId xmlns:a16="http://schemas.microsoft.com/office/drawing/2014/main" id="{25E0001F-4888-4BC0-BADD-D02560E62E9A}"/>
+              </a:ext>
+            </a:extLst>
+          </p:cNvPr>
+          <p:cNvSpPr>
+            <a:spLocks noGrp="1"/>
+          </p:cNvSpPr>
+          <p:nvPr>
+            <p:ph type="body" idx="1"/>
+          </p:nvPr>
+        </p:nvSpPr>
+        <p:spPr/>
+        <p:txBody>
+          <a:bodyPr anchor="t"/>
+          <a:lstStyle/>
+          <a:p>
+            <a:r>
+              <a:rPr lang="en-US" dirty="0"/>
+              <a:t>Names used for classes, variables, and methods are called </a:t>
+            </a:r>
+            <a:r>
+              <a:rPr lang="en-US" b="1" dirty="0"/>
+              <a:t>identifiers</a:t>
+            </a:r>
+            <a:r>
+              <a:rPr lang="en-US" dirty="0"/>
+              <a:t>.</a:t>
+            </a:r>
+            <a:endParaRPr lang="en-ID" dirty="0"/>
+          </a:p>
+          <a:p>
+            <a:endParaRPr lang="en-ID" dirty="0"/>
+          </a:p>
+        </p:txBody>
+      </p:sp>
+      <p:sp>
+        <p:nvSpPr>
+          <p:cNvPr id="4" name="Slide Number Placeholder 3">
+            <a:extLst>
+              <a:ext uri="{FF2B5EF4-FFF2-40B4-BE49-F238E27FC236}">
+                <a16:creationId xmlns:a16="http://schemas.microsoft.com/office/drawing/2014/main" id="{6DC082D5-281C-4ACC-8F13-ACF87B61472B}"/>
+              </a:ext>
+            </a:extLst>
+          </p:cNvPr>
+          <p:cNvSpPr>
+            <a:spLocks noGrp="1"/>
+          </p:cNvSpPr>
+          <p:nvPr>
+            <p:ph type="sldNum" idx="12"/>
+          </p:nvPr>
+        </p:nvSpPr>
+        <p:spPr/>
+        <p:txBody>
+          <a:bodyPr/>
+          <a:lstStyle/>
+          <a:p>
+            <a:pPr marL="0" lvl="0" indent="0" algn="r" rtl="0">
+              <a:spcBef>
+                <a:spcPts val="0"/>
+              </a:spcBef>
+              <a:spcAft>
+                <a:spcPts val="0"/>
+              </a:spcAft>
+              <a:buNone/>
+            </a:pPr>
+            <a:fld id="{00000000-1234-1234-1234-123412341234}" type="slidenum">
+              <a:rPr lang="en" smtClean="0"/>
+              <a:t>11</a:t>
+            </a:fld>
+            <a:endParaRPr lang="en"/>
+          </a:p>
+        </p:txBody>
+      </p:sp>
+    </p:spTree>
+    <p:extLst>
+      <p:ext uri="{BB962C8B-B14F-4D97-AF65-F5344CB8AC3E}">
+        <p14:creationId xmlns:p14="http://schemas.microsoft.com/office/powerpoint/2010/main" val="2754129209"/>
+      </p:ext>
+    </p:extLst>
+  </p:cSld>
+  <p:clrMapOvr>
+    <a:masterClrMapping/>
+  </p:clrMapOvr>
+</p:sld>
+</file>
+
+<file path=ppt/slides/slide12.xml><?xml version="1.0" encoding="utf-8"?>
+<p:sld xmlns:a="http://schemas.openxmlformats.org/drawingml/2006/main" xmlns:r="http://schemas.openxmlformats.org/officeDocument/2006/relationships" xmlns:p="http://schemas.openxmlformats.org/presentationml/2006/main">
+  <p:cSld>
+    <p:spTree>
+      <p:nvGrpSpPr>
+        <p:cNvPr id="1" name=""/>
+        <p:cNvGrpSpPr/>
+        <p:nvPr/>
+      </p:nvGrpSpPr>
+      <p:grpSpPr>
+        <a:xfrm>
+          <a:off x="0" y="0"/>
+          <a:ext cx="0" cy="0"/>
+          <a:chOff x="0" y="0"/>
+          <a:chExt cx="0" cy="0"/>
+        </a:xfrm>
+      </p:grpSpPr>
+      <p:sp>
+        <p:nvSpPr>
+          <p:cNvPr id="4" name="Title 3">
+            <a:extLst>
+              <a:ext uri="{FF2B5EF4-FFF2-40B4-BE49-F238E27FC236}">
+                <a16:creationId xmlns:a16="http://schemas.microsoft.com/office/drawing/2014/main" id="{824CD085-10BD-4DC5-85E7-BFFC272D4967}"/>
+              </a:ext>
+            </a:extLst>
+          </p:cNvPr>
+          <p:cNvSpPr>
+            <a:spLocks noGrp="1"/>
+          </p:cNvSpPr>
+          <p:nvPr>
+            <p:ph type="title"/>
+          </p:nvPr>
+        </p:nvSpPr>
+        <p:spPr/>
+        <p:txBody>
+          <a:bodyPr/>
+          <a:lstStyle/>
+          <a:p>
+            <a:r>
+              <a:rPr lang="en-US" dirty="0"/>
+              <a:t>Java – Identifier Rule</a:t>
+            </a:r>
+            <a:endParaRPr lang="en-ID" dirty="0"/>
+          </a:p>
+        </p:txBody>
+      </p:sp>
+      <p:sp>
+        <p:nvSpPr>
+          <p:cNvPr id="5" name="Text Placeholder 4">
+            <a:extLst>
+              <a:ext uri="{FF2B5EF4-FFF2-40B4-BE49-F238E27FC236}">
+                <a16:creationId xmlns:a16="http://schemas.microsoft.com/office/drawing/2014/main" id="{C8037C06-4287-43A4-9D77-88315664E0AD}"/>
+              </a:ext>
+            </a:extLst>
+          </p:cNvPr>
+          <p:cNvSpPr>
+            <a:spLocks noGrp="1"/>
+          </p:cNvSpPr>
+          <p:nvPr>
+            <p:ph type="body" idx="1"/>
+          </p:nvPr>
+        </p:nvSpPr>
+        <p:spPr/>
+        <p:txBody>
+          <a:bodyPr anchor="t"/>
+          <a:lstStyle/>
+          <a:p>
+            <a:r>
+              <a:rPr lang="en-US" sz="1800" dirty="0"/>
+              <a:t>All identifiers should begin with a letter (A to Z or a to z), currency character ($) or an underscore (_).</a:t>
+            </a:r>
+          </a:p>
+          <a:p>
+            <a:r>
+              <a:rPr lang="en-US" sz="1800" dirty="0"/>
+              <a:t>After the first character, identifiers can have any combination of characters.</a:t>
+            </a:r>
+          </a:p>
+          <a:p>
+            <a:r>
+              <a:rPr lang="en-US" sz="1800" dirty="0"/>
+              <a:t>A key word cannot be used as an identifier.</a:t>
+            </a:r>
+          </a:p>
+          <a:p>
+            <a:r>
+              <a:rPr lang="en-US" sz="1800" dirty="0"/>
+              <a:t>Most importantly, identifiers are case sensitive.</a:t>
+            </a:r>
+          </a:p>
+          <a:p>
+            <a:r>
+              <a:rPr lang="en-US" sz="1800" dirty="0"/>
+              <a:t>Examples of legal identifiers: age, $salary, _value, __1_value.</a:t>
+            </a:r>
+          </a:p>
+          <a:p>
+            <a:r>
+              <a:rPr lang="en-US" sz="1800" dirty="0"/>
+              <a:t>Examples of illegal identifiers: 123abc, -salary.</a:t>
+            </a:r>
+            <a:endParaRPr lang="en-ID" sz="1800" dirty="0"/>
+          </a:p>
+        </p:txBody>
+      </p:sp>
+      <p:sp>
+        <p:nvSpPr>
+          <p:cNvPr id="3" name="Slide Number Placeholder 2">
+            <a:extLst>
+              <a:ext uri="{FF2B5EF4-FFF2-40B4-BE49-F238E27FC236}">
+                <a16:creationId xmlns:a16="http://schemas.microsoft.com/office/drawing/2014/main" id="{A50F0322-63A6-4C0A-B9B4-534F33169168}"/>
+              </a:ext>
+            </a:extLst>
+          </p:cNvPr>
+          <p:cNvSpPr>
+            <a:spLocks noGrp="1"/>
+          </p:cNvSpPr>
+          <p:nvPr>
+            <p:ph type="sldNum" idx="12"/>
+          </p:nvPr>
+        </p:nvSpPr>
+        <p:spPr/>
+        <p:txBody>
+          <a:bodyPr/>
+          <a:lstStyle/>
+          <a:p>
+            <a:pPr marL="0" lvl="0" indent="0" algn="r" rtl="0">
+              <a:spcBef>
+                <a:spcPts val="0"/>
+              </a:spcBef>
+              <a:spcAft>
+                <a:spcPts val="0"/>
+              </a:spcAft>
+              <a:buNone/>
+            </a:pPr>
+            <a:fld id="{00000000-1234-1234-1234-123412341234}" type="slidenum">
+              <a:rPr lang="en" smtClean="0"/>
+              <a:t>12</a:t>
+            </a:fld>
+            <a:endParaRPr lang="en"/>
+          </a:p>
+        </p:txBody>
+      </p:sp>
+    </p:spTree>
+    <p:extLst>
+      <p:ext uri="{BB962C8B-B14F-4D97-AF65-F5344CB8AC3E}">
+        <p14:creationId xmlns:p14="http://schemas.microsoft.com/office/powerpoint/2010/main" val="3048195084"/>
+      </p:ext>
+    </p:extLst>
+  </p:cSld>
+  <p:clrMapOvr>
+    <a:masterClrMapping/>
+  </p:clrMapOvr>
+</p:sld>
+</file>
+
+<file path=ppt/slides/slide13.xml><?xml version="1.0" encoding="utf-8"?>
+<p:sld xmlns:a="http://schemas.openxmlformats.org/drawingml/2006/main" xmlns:r="http://schemas.openxmlformats.org/officeDocument/2006/relationships" xmlns:p="http://schemas.openxmlformats.org/presentationml/2006/main">
+  <p:cSld>
+    <p:spTree>
+      <p:nvGrpSpPr>
+        <p:cNvPr id="1" name=""/>
+        <p:cNvGrpSpPr/>
+        <p:nvPr/>
+      </p:nvGrpSpPr>
+      <p:grpSpPr>
+        <a:xfrm>
+          <a:off x="0" y="0"/>
+          <a:ext cx="0" cy="0"/>
+          <a:chOff x="0" y="0"/>
+          <a:chExt cx="0" cy="0"/>
+        </a:xfrm>
+      </p:grpSpPr>
+      <p:sp>
+        <p:nvSpPr>
+          <p:cNvPr id="2" name="Title 1">
+            <a:extLst>
+              <a:ext uri="{FF2B5EF4-FFF2-40B4-BE49-F238E27FC236}">
+                <a16:creationId xmlns:a16="http://schemas.microsoft.com/office/drawing/2014/main" id="{4A692E40-7A2E-497C-A5FF-6F5E25CB94A1}"/>
+              </a:ext>
+            </a:extLst>
+          </p:cNvPr>
+          <p:cNvSpPr>
+            <a:spLocks noGrp="1"/>
+          </p:cNvSpPr>
+          <p:nvPr>
+            <p:ph type="title"/>
+          </p:nvPr>
+        </p:nvSpPr>
+        <p:spPr/>
+        <p:txBody>
+          <a:bodyPr/>
+          <a:lstStyle/>
+          <a:p>
+            <a:r>
+              <a:rPr lang="en-US" dirty="0"/>
+              <a:t>Java – Modifier</a:t>
+            </a:r>
+            <a:endParaRPr lang="en-ID" dirty="0"/>
+          </a:p>
+        </p:txBody>
+      </p:sp>
+      <p:sp>
+        <p:nvSpPr>
+          <p:cNvPr id="3" name="Text Placeholder 2">
+            <a:extLst>
+              <a:ext uri="{FF2B5EF4-FFF2-40B4-BE49-F238E27FC236}">
+                <a16:creationId xmlns:a16="http://schemas.microsoft.com/office/drawing/2014/main" id="{330E34E0-53DC-4D99-A085-355FDAD6EE65}"/>
+              </a:ext>
+            </a:extLst>
+          </p:cNvPr>
+          <p:cNvSpPr>
+            <a:spLocks noGrp="1"/>
+          </p:cNvSpPr>
+          <p:nvPr>
+            <p:ph type="body" idx="1"/>
+          </p:nvPr>
+        </p:nvSpPr>
+        <p:spPr/>
+        <p:txBody>
+          <a:bodyPr anchor="t"/>
+          <a:lstStyle/>
+          <a:p>
+            <a:r>
+              <a:rPr lang="en-ID" b="1" dirty="0"/>
+              <a:t>Access Modifiers</a:t>
+            </a:r>
+            <a:r>
+              <a:rPr lang="en-ID" dirty="0"/>
+              <a:t> − default, public , protected, private</a:t>
+            </a:r>
+          </a:p>
+          <a:p>
+            <a:r>
+              <a:rPr lang="en-ID" b="1" dirty="0"/>
+              <a:t>Non-access Modifiers</a:t>
+            </a:r>
+            <a:r>
+              <a:rPr lang="en-ID" dirty="0"/>
+              <a:t> − final, abstract, </a:t>
+            </a:r>
+            <a:r>
+              <a:rPr lang="en-ID" dirty="0" err="1"/>
+              <a:t>strictfp</a:t>
+            </a:r>
+            <a:endParaRPr lang="en-ID" dirty="0"/>
+          </a:p>
+        </p:txBody>
+      </p:sp>
+      <p:sp>
+        <p:nvSpPr>
+          <p:cNvPr id="4" name="Slide Number Placeholder 3">
+            <a:extLst>
+              <a:ext uri="{FF2B5EF4-FFF2-40B4-BE49-F238E27FC236}">
+                <a16:creationId xmlns:a16="http://schemas.microsoft.com/office/drawing/2014/main" id="{363E12AF-809B-499C-B7C3-30DEA87D371F}"/>
+              </a:ext>
+            </a:extLst>
+          </p:cNvPr>
+          <p:cNvSpPr>
+            <a:spLocks noGrp="1"/>
+          </p:cNvSpPr>
+          <p:nvPr>
+            <p:ph type="sldNum" idx="12"/>
+          </p:nvPr>
+        </p:nvSpPr>
+        <p:spPr/>
+        <p:txBody>
+          <a:bodyPr/>
+          <a:lstStyle/>
+          <a:p>
+            <a:pPr marL="0" lvl="0" indent="0" algn="r" rtl="0">
+              <a:spcBef>
+                <a:spcPts val="0"/>
+              </a:spcBef>
+              <a:spcAft>
+                <a:spcPts val="0"/>
+              </a:spcAft>
+              <a:buNone/>
+            </a:pPr>
+            <a:fld id="{00000000-1234-1234-1234-123412341234}" type="slidenum">
+              <a:rPr lang="en" smtClean="0"/>
+              <a:t>13</a:t>
+            </a:fld>
+            <a:endParaRPr lang="en"/>
+          </a:p>
+        </p:txBody>
+      </p:sp>
+    </p:spTree>
+    <p:extLst>
+      <p:ext uri="{BB962C8B-B14F-4D97-AF65-F5344CB8AC3E}">
+        <p14:creationId xmlns:p14="http://schemas.microsoft.com/office/powerpoint/2010/main" val="2845213367"/>
+      </p:ext>
+    </p:extLst>
+  </p:cSld>
+  <p:clrMapOvr>
+    <a:masterClrMapping/>
+  </p:clrMapOvr>
+</p:sld>
+</file>
+
+<file path=ppt/slides/slide14.xml><?xml version="1.0" encoding="utf-8"?>
+<p:sld xmlns:a="http://schemas.openxmlformats.org/drawingml/2006/main" xmlns:r="http://schemas.openxmlformats.org/officeDocument/2006/relationships" xmlns:p="http://schemas.openxmlformats.org/presentationml/2006/main">
+  <p:cSld>
+    <p:spTree>
+      <p:nvGrpSpPr>
+        <p:cNvPr id="1" name=""/>
+        <p:cNvGrpSpPr/>
+        <p:nvPr/>
+      </p:nvGrpSpPr>
+      <p:grpSpPr>
+        <a:xfrm>
+          <a:off x="0" y="0"/>
+          <a:ext cx="0" cy="0"/>
+          <a:chOff x="0" y="0"/>
+          <a:chExt cx="0" cy="0"/>
+        </a:xfrm>
+      </p:grpSpPr>
+      <p:sp>
+        <p:nvSpPr>
+          <p:cNvPr id="2" name="Title 1">
+            <a:extLst>
+              <a:ext uri="{FF2B5EF4-FFF2-40B4-BE49-F238E27FC236}">
+                <a16:creationId xmlns:a16="http://schemas.microsoft.com/office/drawing/2014/main" id="{CC4CFFBB-3609-4C73-9567-0A72476044BB}"/>
+              </a:ext>
+            </a:extLst>
+          </p:cNvPr>
+          <p:cNvSpPr>
+            <a:spLocks noGrp="1"/>
+          </p:cNvSpPr>
+          <p:nvPr>
+            <p:ph type="title"/>
+          </p:nvPr>
+        </p:nvSpPr>
+        <p:spPr/>
+        <p:txBody>
+          <a:bodyPr/>
+          <a:lstStyle/>
+          <a:p>
+            <a:r>
+              <a:rPr lang="en-US" dirty="0"/>
+              <a:t>Java - Variable</a:t>
+            </a:r>
+            <a:endParaRPr lang="en-ID" dirty="0"/>
+          </a:p>
+        </p:txBody>
+      </p:sp>
+      <p:sp>
+        <p:nvSpPr>
+          <p:cNvPr id="3" name="Text Placeholder 2">
+            <a:extLst>
+              <a:ext uri="{FF2B5EF4-FFF2-40B4-BE49-F238E27FC236}">
+                <a16:creationId xmlns:a16="http://schemas.microsoft.com/office/drawing/2014/main" id="{FC54FAC9-FA95-4110-84B2-14D9118E34B7}"/>
+              </a:ext>
+            </a:extLst>
+          </p:cNvPr>
+          <p:cNvSpPr>
+            <a:spLocks noGrp="1"/>
+          </p:cNvSpPr>
+          <p:nvPr>
+            <p:ph type="body" idx="1"/>
+          </p:nvPr>
+        </p:nvSpPr>
+        <p:spPr/>
+        <p:txBody>
+          <a:bodyPr anchor="t"/>
+          <a:lstStyle/>
+          <a:p>
+            <a:r>
+              <a:rPr lang="en-ID" dirty="0"/>
+              <a:t>Local Variables</a:t>
+            </a:r>
+          </a:p>
+          <a:p>
+            <a:r>
+              <a:rPr lang="en-ID" dirty="0"/>
+              <a:t>Class Variables (Static Variables)</a:t>
+            </a:r>
+          </a:p>
+          <a:p>
+            <a:r>
+              <a:rPr lang="en-ID" dirty="0"/>
+              <a:t>Instance Variables (Non-static Variables)</a:t>
+            </a:r>
+          </a:p>
+        </p:txBody>
+      </p:sp>
+      <p:sp>
+        <p:nvSpPr>
+          <p:cNvPr id="4" name="Slide Number Placeholder 3">
+            <a:extLst>
+              <a:ext uri="{FF2B5EF4-FFF2-40B4-BE49-F238E27FC236}">
+                <a16:creationId xmlns:a16="http://schemas.microsoft.com/office/drawing/2014/main" id="{C13F2676-7939-4391-928E-AE459FAFD478}"/>
+              </a:ext>
+            </a:extLst>
+          </p:cNvPr>
+          <p:cNvSpPr>
+            <a:spLocks noGrp="1"/>
+          </p:cNvSpPr>
+          <p:nvPr>
+            <p:ph type="sldNum" idx="12"/>
+          </p:nvPr>
+        </p:nvSpPr>
+        <p:spPr/>
+        <p:txBody>
+          <a:bodyPr/>
+          <a:lstStyle/>
+          <a:p>
+            <a:pPr marL="0" lvl="0" indent="0" algn="r" rtl="0">
+              <a:spcBef>
+                <a:spcPts val="0"/>
+              </a:spcBef>
+              <a:spcAft>
+                <a:spcPts val="0"/>
+              </a:spcAft>
+              <a:buNone/>
+            </a:pPr>
+            <a:fld id="{00000000-1234-1234-1234-123412341234}" type="slidenum">
+              <a:rPr lang="en" smtClean="0"/>
+              <a:t>14</a:t>
+            </a:fld>
+            <a:endParaRPr lang="en"/>
+          </a:p>
+        </p:txBody>
+      </p:sp>
+    </p:spTree>
+    <p:extLst>
+      <p:ext uri="{BB962C8B-B14F-4D97-AF65-F5344CB8AC3E}">
+        <p14:creationId xmlns:p14="http://schemas.microsoft.com/office/powerpoint/2010/main" val="2178656967"/>
+      </p:ext>
+    </p:extLst>
+  </p:cSld>
+  <p:clrMapOvr>
+    <a:masterClrMapping/>
+  </p:clrMapOvr>
+</p:sld>
+</file>
+
+<file path=ppt/slides/slide15.xml><?xml version="1.0" encoding="utf-8"?>
+<p:sld xmlns:a="http://schemas.openxmlformats.org/drawingml/2006/main" xmlns:r="http://schemas.openxmlformats.org/officeDocument/2006/relationships" xmlns:p="http://schemas.openxmlformats.org/presentationml/2006/main">
+  <p:cSld>
+    <p:spTree>
+      <p:nvGrpSpPr>
+        <p:cNvPr id="1" name=""/>
+        <p:cNvGrpSpPr/>
+        <p:nvPr/>
+      </p:nvGrpSpPr>
+      <p:grpSpPr>
+        <a:xfrm>
+          <a:off x="0" y="0"/>
+          <a:ext cx="0" cy="0"/>
+          <a:chOff x="0" y="0"/>
+          <a:chExt cx="0" cy="0"/>
+        </a:xfrm>
+      </p:grpSpPr>
+      <p:sp>
+        <p:nvSpPr>
+          <p:cNvPr id="2" name="Title 1">
+            <a:extLst>
+              <a:ext uri="{FF2B5EF4-FFF2-40B4-BE49-F238E27FC236}">
+                <a16:creationId xmlns:a16="http://schemas.microsoft.com/office/drawing/2014/main" id="{4E2BCB0C-B069-4EA2-9E49-B37BE2AF3A36}"/>
+              </a:ext>
+            </a:extLst>
+          </p:cNvPr>
+          <p:cNvSpPr>
+            <a:spLocks noGrp="1"/>
+          </p:cNvSpPr>
+          <p:nvPr>
+            <p:ph type="title"/>
+          </p:nvPr>
+        </p:nvSpPr>
+        <p:spPr/>
+        <p:txBody>
+          <a:bodyPr/>
+          <a:lstStyle/>
+          <a:p>
+            <a:r>
+              <a:rPr lang="en-US" dirty="0"/>
+              <a:t>Java - Keyword</a:t>
+            </a:r>
+            <a:endParaRPr lang="en-ID" dirty="0"/>
+          </a:p>
+        </p:txBody>
+      </p:sp>
+      <p:sp>
+        <p:nvSpPr>
+          <p:cNvPr id="4" name="Slide Number Placeholder 3">
+            <a:extLst>
+              <a:ext uri="{FF2B5EF4-FFF2-40B4-BE49-F238E27FC236}">
+                <a16:creationId xmlns:a16="http://schemas.microsoft.com/office/drawing/2014/main" id="{5E8C5ED3-8A34-4584-9E22-8EE8B3F01925}"/>
+              </a:ext>
+            </a:extLst>
+          </p:cNvPr>
+          <p:cNvSpPr>
+            <a:spLocks noGrp="1"/>
+          </p:cNvSpPr>
+          <p:nvPr>
+            <p:ph type="sldNum" idx="12"/>
+          </p:nvPr>
+        </p:nvSpPr>
+        <p:spPr/>
+        <p:txBody>
+          <a:bodyPr/>
+          <a:lstStyle/>
+          <a:p>
+            <a:pPr marL="0" lvl="0" indent="0" algn="r" rtl="0">
+              <a:spcBef>
+                <a:spcPts val="0"/>
+              </a:spcBef>
+              <a:spcAft>
+                <a:spcPts val="0"/>
+              </a:spcAft>
+              <a:buNone/>
+            </a:pPr>
+            <a:fld id="{00000000-1234-1234-1234-123412341234}" type="slidenum">
+              <a:rPr lang="en" smtClean="0"/>
+              <a:t>15</a:t>
+            </a:fld>
+            <a:endParaRPr lang="en"/>
+          </a:p>
+        </p:txBody>
+      </p:sp>
+      <p:pic>
+        <p:nvPicPr>
+          <p:cNvPr id="5" name="Picture 4">
+            <a:extLst>
+              <a:ext uri="{FF2B5EF4-FFF2-40B4-BE49-F238E27FC236}">
+                <a16:creationId xmlns:a16="http://schemas.microsoft.com/office/drawing/2014/main" id="{62DDFDEC-2A90-4C39-9BC2-C975D5BE6248}"/>
+              </a:ext>
+            </a:extLst>
+          </p:cNvPr>
+          <p:cNvPicPr>
+            <a:picLocks noChangeAspect="1"/>
+          </p:cNvPicPr>
+          <p:nvPr/>
+        </p:nvPicPr>
+        <p:blipFill>
+          <a:blip r:embed="rId2"/>
+          <a:stretch>
+            <a:fillRect/>
+          </a:stretch>
+        </p:blipFill>
+        <p:spPr>
+          <a:xfrm>
+            <a:off x="814275" y="1396381"/>
+            <a:ext cx="4038600" cy="3240119"/>
+          </a:xfrm>
+          <a:prstGeom prst="rect">
+            <a:avLst/>
+          </a:prstGeom>
+        </p:spPr>
+      </p:pic>
+    </p:spTree>
+    <p:extLst>
+      <p:ext uri="{BB962C8B-B14F-4D97-AF65-F5344CB8AC3E}">
+        <p14:creationId xmlns:p14="http://schemas.microsoft.com/office/powerpoint/2010/main" val="3867245299"/>
+      </p:ext>
+    </p:extLst>
+  </p:cSld>
+  <p:clrMapOvr>
+    <a:masterClrMapping/>
+  </p:clrMapOvr>
+</p:sld>
+</file>
+
+<file path=ppt/slides/slide16.xml><?xml version="1.0" encoding="utf-8"?>
+<p:sld xmlns:a="http://schemas.openxmlformats.org/drawingml/2006/main" xmlns:r="http://schemas.openxmlformats.org/officeDocument/2006/relationships" xmlns:p="http://schemas.openxmlformats.org/presentationml/2006/main">
+  <p:cSld>
+    <p:spTree>
+      <p:nvGrpSpPr>
+        <p:cNvPr id="1" name=""/>
+        <p:cNvGrpSpPr/>
+        <p:nvPr/>
+      </p:nvGrpSpPr>
+      <p:grpSpPr>
+        <a:xfrm>
+          <a:off x="0" y="0"/>
+          <a:ext cx="0" cy="0"/>
+          <a:chOff x="0" y="0"/>
+          <a:chExt cx="0" cy="0"/>
+        </a:xfrm>
+      </p:grpSpPr>
+      <p:sp>
+        <p:nvSpPr>
+          <p:cNvPr id="2" name="Title 1">
+            <a:extLst>
+              <a:ext uri="{FF2B5EF4-FFF2-40B4-BE49-F238E27FC236}">
                 <a16:creationId xmlns:a16="http://schemas.microsoft.com/office/drawing/2014/main" id="{E7D2AF04-179F-43FA-9B58-0202239A0E5F}"/>
               </a:ext>
             </a:extLst>
@@ -6725,7 +8227,7 @@
             </a:pPr>
             <a:fld id="{00000000-1234-1234-1234-123412341234}" type="slidenum">
               <a:rPr lang="en" smtClean="0"/>
-              <a:t>10</a:t>
+              <a:t>16</a:t>
             </a:fld>
             <a:endParaRPr lang="en"/>
           </a:p>
@@ -6774,7 +8276,197 @@
 </p:sld>
 </file>
 
-<file path=ppt/slides/slide11.xml><?xml version="1.0" encoding="utf-8"?>
+<file path=ppt/slides/slide17.xml><?xml version="1.0" encoding="utf-8"?>
+<p:sld xmlns:a="http://schemas.openxmlformats.org/drawingml/2006/main" xmlns:r="http://schemas.openxmlformats.org/officeDocument/2006/relationships" xmlns:p="http://schemas.openxmlformats.org/presentationml/2006/main">
+  <p:cSld>
+    <p:spTree>
+      <p:nvGrpSpPr>
+        <p:cNvPr id="1" name=""/>
+        <p:cNvGrpSpPr/>
+        <p:nvPr/>
+      </p:nvGrpSpPr>
+      <p:grpSpPr>
+        <a:xfrm>
+          <a:off x="0" y="0"/>
+          <a:ext cx="0" cy="0"/>
+          <a:chOff x="0" y="0"/>
+          <a:chExt cx="0" cy="0"/>
+        </a:xfrm>
+      </p:grpSpPr>
+      <p:sp>
+        <p:nvSpPr>
+          <p:cNvPr id="2" name="Title 1">
+            <a:extLst>
+              <a:ext uri="{FF2B5EF4-FFF2-40B4-BE49-F238E27FC236}">
+                <a16:creationId xmlns:a16="http://schemas.microsoft.com/office/drawing/2014/main" id="{E1C4B97A-B25F-41FC-AB69-42B4BFB8A996}"/>
+              </a:ext>
+            </a:extLst>
+          </p:cNvPr>
+          <p:cNvSpPr>
+            <a:spLocks noGrp="1"/>
+          </p:cNvSpPr>
+          <p:nvPr>
+            <p:ph type="ctrTitle"/>
+          </p:nvPr>
+        </p:nvSpPr>
+        <p:spPr/>
+        <p:txBody>
+          <a:bodyPr/>
+          <a:lstStyle/>
+          <a:p>
+            <a:r>
+              <a:rPr lang="en-US" dirty="0"/>
+              <a:t>Day 01</a:t>
+            </a:r>
+            <a:endParaRPr lang="en-ID" dirty="0"/>
+          </a:p>
+        </p:txBody>
+      </p:sp>
+      <p:sp>
+        <p:nvSpPr>
+          <p:cNvPr id="3" name="Subtitle 2">
+            <a:extLst>
+              <a:ext uri="{FF2B5EF4-FFF2-40B4-BE49-F238E27FC236}">
+                <a16:creationId xmlns:a16="http://schemas.microsoft.com/office/drawing/2014/main" id="{B2DE4C9C-75AD-4D02-B515-6766EA1A235B}"/>
+              </a:ext>
+            </a:extLst>
+          </p:cNvPr>
+          <p:cNvSpPr>
+            <a:spLocks noGrp="1"/>
+          </p:cNvSpPr>
+          <p:nvPr>
+            <p:ph type="subTitle" idx="1"/>
+          </p:nvPr>
+        </p:nvSpPr>
+        <p:spPr/>
+        <p:txBody>
+          <a:bodyPr/>
+          <a:lstStyle/>
+          <a:p>
+            <a:r>
+              <a:rPr lang="en-US" dirty="0"/>
+              <a:t>Data Type</a:t>
+            </a:r>
+            <a:endParaRPr lang="en-ID" dirty="0"/>
+          </a:p>
+        </p:txBody>
+      </p:sp>
+      <p:sp>
+        <p:nvSpPr>
+          <p:cNvPr id="4" name="Slide Number Placeholder 3">
+            <a:extLst>
+              <a:ext uri="{FF2B5EF4-FFF2-40B4-BE49-F238E27FC236}">
+                <a16:creationId xmlns:a16="http://schemas.microsoft.com/office/drawing/2014/main" id="{916DB1F4-E56E-40F8-BE83-A77BD1B29ED2}"/>
+              </a:ext>
+            </a:extLst>
+          </p:cNvPr>
+          <p:cNvSpPr>
+            <a:spLocks noGrp="1"/>
+          </p:cNvSpPr>
+          <p:nvPr>
+            <p:ph type="sldNum" idx="12"/>
+          </p:nvPr>
+        </p:nvSpPr>
+        <p:spPr/>
+        <p:txBody>
+          <a:bodyPr/>
+          <a:lstStyle/>
+          <a:p>
+            <a:pPr marL="0" lvl="0" indent="0" algn="r" rtl="0">
+              <a:spcBef>
+                <a:spcPts val="0"/>
+              </a:spcBef>
+              <a:spcAft>
+                <a:spcPts val="0"/>
+              </a:spcAft>
+              <a:buNone/>
+            </a:pPr>
+            <a:fld id="{00000000-1234-1234-1234-123412341234}" type="slidenum">
+              <a:rPr lang="en" smtClean="0"/>
+              <a:t>17</a:t>
+            </a:fld>
+            <a:endParaRPr lang="en"/>
+          </a:p>
+        </p:txBody>
+      </p:sp>
+      <p:sp>
+        <p:nvSpPr>
+          <p:cNvPr id="5" name="Google Shape;224;p14">
+            <a:extLst>
+              <a:ext uri="{FF2B5EF4-FFF2-40B4-BE49-F238E27FC236}">
+                <a16:creationId xmlns:a16="http://schemas.microsoft.com/office/drawing/2014/main" id="{5FDF6675-7522-494F-BFC9-DCE4FBB03259}"/>
+              </a:ext>
+            </a:extLst>
+          </p:cNvPr>
+          <p:cNvSpPr txBox="1"/>
+          <p:nvPr/>
+        </p:nvSpPr>
+        <p:spPr>
+          <a:xfrm>
+            <a:off x="463525" y="0"/>
+            <a:ext cx="2181600" cy="3136200"/>
+          </a:xfrm>
+          <a:prstGeom prst="rect">
+            <a:avLst/>
+          </a:prstGeom>
+          <a:noFill/>
+          <a:ln>
+            <a:noFill/>
+          </a:ln>
+        </p:spPr>
+        <p:txBody>
+          <a:bodyPr spcFirstLastPara="1" wrap="square" lIns="91425" tIns="91425" rIns="91425" bIns="91425" anchor="b" anchorCtr="0">
+            <a:noAutofit/>
+          </a:bodyPr>
+          <a:lstStyle/>
+          <a:p>
+            <a:pPr marL="0" lvl="0" indent="0" algn="l" rtl="0">
+              <a:spcBef>
+                <a:spcPts val="0"/>
+              </a:spcBef>
+              <a:spcAft>
+                <a:spcPts val="0"/>
+              </a:spcAft>
+              <a:buNone/>
+            </a:pPr>
+            <a:r>
+              <a:rPr lang="en" sz="12000" b="1" dirty="0">
+                <a:solidFill>
+                  <a:srgbClr val="3F5378"/>
+                </a:solidFill>
+                <a:latin typeface="Roboto Condensed"/>
+                <a:ea typeface="Roboto Condensed"/>
+                <a:cs typeface="Roboto Condensed"/>
+                <a:sym typeface="Roboto Condensed"/>
+              </a:rPr>
+              <a:t>4</a:t>
+            </a:r>
+            <a:endParaRPr sz="3000" b="1" dirty="0">
+              <a:solidFill>
+                <a:srgbClr val="3F5378"/>
+              </a:solidFill>
+              <a:latin typeface="Roboto Condensed"/>
+              <a:ea typeface="Roboto Condensed"/>
+              <a:cs typeface="Roboto Condensed"/>
+              <a:sym typeface="Roboto Condensed"/>
+            </a:endParaRPr>
+          </a:p>
+        </p:txBody>
+      </p:sp>
+    </p:spTree>
+    <p:extLst>
+      <p:ext uri="{BB962C8B-B14F-4D97-AF65-F5344CB8AC3E}">
+        <p14:creationId xmlns:p14="http://schemas.microsoft.com/office/powerpoint/2010/main" val="2224467008"/>
+      </p:ext>
+    </p:extLst>
+  </p:cSld>
+  <p:clrMapOvr>
+    <a:masterClrMapping/>
+  </p:clrMapOvr>
+</p:sld>
+</file>
+
+<file path=ppt/slides/slide18.xml><?xml version="1.0" encoding="utf-8"?>
 <p:sld xmlns:a="http://schemas.openxmlformats.org/drawingml/2006/main" xmlns:r="http://schemas.openxmlformats.org/officeDocument/2006/relationships" xmlns:p="http://schemas.openxmlformats.org/presentationml/2006/main">
   <p:cSld>
     <p:spTree>
@@ -6838,7 +8530,7 @@
         </p:nvSpPr>
         <p:spPr/>
         <p:txBody>
-          <a:bodyPr/>
+          <a:bodyPr anchor="t"/>
           <a:lstStyle/>
           <a:p>
             <a:pPr marL="76200" indent="0">
@@ -6896,7 +8588,7 @@
             </a:pPr>
             <a:fld id="{00000000-1234-1234-1234-123412341234}" type="slidenum">
               <a:rPr lang="en" smtClean="0"/>
-              <a:t>11</a:t>
+              <a:t>18</a:t>
             </a:fld>
             <a:endParaRPr lang="en"/>
           </a:p>
@@ -6905,7 +8597,7 @@
     </p:spTree>
     <p:extLst>
       <p:ext uri="{BB962C8B-B14F-4D97-AF65-F5344CB8AC3E}">
-        <p14:creationId xmlns:p14="http://schemas.microsoft.com/office/powerpoint/2010/main" val="510208534"/>
+        <p14:creationId xmlns:p14="http://schemas.microsoft.com/office/powerpoint/2010/main" val="1945546698"/>
       </p:ext>
     </p:extLst>
   </p:cSld>
@@ -6915,7 +8607,7 @@
 </p:sld>
 </file>
 
-<file path=ppt/slides/slide12.xml><?xml version="1.0" encoding="utf-8"?>
+<file path=ppt/slides/slide19.xml><?xml version="1.0" encoding="utf-8"?>
 <p:sld xmlns:a="http://schemas.openxmlformats.org/drawingml/2006/main" xmlns:r="http://schemas.openxmlformats.org/officeDocument/2006/relationships" xmlns:p="http://schemas.openxmlformats.org/presentationml/2006/main">
   <p:cSld>
     <p:spTree>
@@ -7076,7 +8768,7 @@
             </a:pPr>
             <a:fld id="{00000000-1234-1234-1234-123412341234}" type="slidenum">
               <a:rPr lang="en" smtClean="0"/>
-              <a:t>12</a:t>
+              <a:t>19</a:t>
             </a:fld>
             <a:endParaRPr lang="en"/>
           </a:p>
@@ -7391,7 +9083,7 @@
     </p:spTree>
     <p:extLst>
       <p:ext uri="{BB962C8B-B14F-4D97-AF65-F5344CB8AC3E}">
-        <p14:creationId xmlns:p14="http://schemas.microsoft.com/office/powerpoint/2010/main" val="4115534272"/>
+        <p14:creationId xmlns:p14="http://schemas.microsoft.com/office/powerpoint/2010/main" val="3110984986"/>
       </p:ext>
     </p:extLst>
   </p:cSld>
@@ -7401,7 +9093,197 @@
 </p:sld>
 </file>
 
-<file path=ppt/slides/slide13.xml><?xml version="1.0" encoding="utf-8"?>
+<file path=ppt/slides/slide2.xml><?xml version="1.0" encoding="utf-8"?>
+<p:sld xmlns:a="http://schemas.openxmlformats.org/drawingml/2006/main" xmlns:r="http://schemas.openxmlformats.org/officeDocument/2006/relationships" xmlns:p="http://schemas.openxmlformats.org/presentationml/2006/main">
+  <p:cSld>
+    <p:spTree>
+      <p:nvGrpSpPr>
+        <p:cNvPr id="1" name=""/>
+        <p:cNvGrpSpPr/>
+        <p:nvPr/>
+      </p:nvGrpSpPr>
+      <p:grpSpPr>
+        <a:xfrm>
+          <a:off x="0" y="0"/>
+          <a:ext cx="0" cy="0"/>
+          <a:chOff x="0" y="0"/>
+          <a:chExt cx="0" cy="0"/>
+        </a:xfrm>
+      </p:grpSpPr>
+      <p:sp>
+        <p:nvSpPr>
+          <p:cNvPr id="2" name="Title 1">
+            <a:extLst>
+              <a:ext uri="{FF2B5EF4-FFF2-40B4-BE49-F238E27FC236}">
+                <a16:creationId xmlns:a16="http://schemas.microsoft.com/office/drawing/2014/main" id="{E1C4B97A-B25F-41FC-AB69-42B4BFB8A996}"/>
+              </a:ext>
+            </a:extLst>
+          </p:cNvPr>
+          <p:cNvSpPr>
+            <a:spLocks noGrp="1"/>
+          </p:cNvSpPr>
+          <p:nvPr>
+            <p:ph type="ctrTitle"/>
+          </p:nvPr>
+        </p:nvSpPr>
+        <p:spPr/>
+        <p:txBody>
+          <a:bodyPr/>
+          <a:lstStyle/>
+          <a:p>
+            <a:r>
+              <a:rPr lang="en-US" dirty="0"/>
+              <a:t>Day 01</a:t>
+            </a:r>
+            <a:endParaRPr lang="en-ID" dirty="0"/>
+          </a:p>
+        </p:txBody>
+      </p:sp>
+      <p:sp>
+        <p:nvSpPr>
+          <p:cNvPr id="3" name="Subtitle 2">
+            <a:extLst>
+              <a:ext uri="{FF2B5EF4-FFF2-40B4-BE49-F238E27FC236}">
+                <a16:creationId xmlns:a16="http://schemas.microsoft.com/office/drawing/2014/main" id="{B2DE4C9C-75AD-4D02-B515-6766EA1A235B}"/>
+              </a:ext>
+            </a:extLst>
+          </p:cNvPr>
+          <p:cNvSpPr>
+            <a:spLocks noGrp="1"/>
+          </p:cNvSpPr>
+          <p:nvPr>
+            <p:ph type="subTitle" idx="1"/>
+          </p:nvPr>
+        </p:nvSpPr>
+        <p:spPr/>
+        <p:txBody>
+          <a:bodyPr/>
+          <a:lstStyle/>
+          <a:p>
+            <a:r>
+              <a:rPr lang="en-US" dirty="0"/>
+              <a:t>Goal Material</a:t>
+            </a:r>
+            <a:endParaRPr lang="en-ID" dirty="0"/>
+          </a:p>
+        </p:txBody>
+      </p:sp>
+      <p:sp>
+        <p:nvSpPr>
+          <p:cNvPr id="4" name="Slide Number Placeholder 3">
+            <a:extLst>
+              <a:ext uri="{FF2B5EF4-FFF2-40B4-BE49-F238E27FC236}">
+                <a16:creationId xmlns:a16="http://schemas.microsoft.com/office/drawing/2014/main" id="{916DB1F4-E56E-40F8-BE83-A77BD1B29ED2}"/>
+              </a:ext>
+            </a:extLst>
+          </p:cNvPr>
+          <p:cNvSpPr>
+            <a:spLocks noGrp="1"/>
+          </p:cNvSpPr>
+          <p:nvPr>
+            <p:ph type="sldNum" idx="12"/>
+          </p:nvPr>
+        </p:nvSpPr>
+        <p:spPr/>
+        <p:txBody>
+          <a:bodyPr/>
+          <a:lstStyle/>
+          <a:p>
+            <a:pPr marL="0" lvl="0" indent="0" algn="r" rtl="0">
+              <a:spcBef>
+                <a:spcPts val="0"/>
+              </a:spcBef>
+              <a:spcAft>
+                <a:spcPts val="0"/>
+              </a:spcAft>
+              <a:buNone/>
+            </a:pPr>
+            <a:fld id="{00000000-1234-1234-1234-123412341234}" type="slidenum">
+              <a:rPr lang="en" smtClean="0"/>
+              <a:t>2</a:t>
+            </a:fld>
+            <a:endParaRPr lang="en"/>
+          </a:p>
+        </p:txBody>
+      </p:sp>
+      <p:sp>
+        <p:nvSpPr>
+          <p:cNvPr id="5" name="Google Shape;224;p14">
+            <a:extLst>
+              <a:ext uri="{FF2B5EF4-FFF2-40B4-BE49-F238E27FC236}">
+                <a16:creationId xmlns:a16="http://schemas.microsoft.com/office/drawing/2014/main" id="{5FDF6675-7522-494F-BFC9-DCE4FBB03259}"/>
+              </a:ext>
+            </a:extLst>
+          </p:cNvPr>
+          <p:cNvSpPr txBox="1"/>
+          <p:nvPr/>
+        </p:nvSpPr>
+        <p:spPr>
+          <a:xfrm>
+            <a:off x="463525" y="0"/>
+            <a:ext cx="2181600" cy="3136200"/>
+          </a:xfrm>
+          <a:prstGeom prst="rect">
+            <a:avLst/>
+          </a:prstGeom>
+          <a:noFill/>
+          <a:ln>
+            <a:noFill/>
+          </a:ln>
+        </p:spPr>
+        <p:txBody>
+          <a:bodyPr spcFirstLastPara="1" wrap="square" lIns="91425" tIns="91425" rIns="91425" bIns="91425" anchor="b" anchorCtr="0">
+            <a:noAutofit/>
+          </a:bodyPr>
+          <a:lstStyle/>
+          <a:p>
+            <a:pPr marL="0" lvl="0" indent="0" algn="l" rtl="0">
+              <a:spcBef>
+                <a:spcPts val="0"/>
+              </a:spcBef>
+              <a:spcAft>
+                <a:spcPts val="0"/>
+              </a:spcAft>
+              <a:buNone/>
+            </a:pPr>
+            <a:r>
+              <a:rPr lang="en" sz="12000" b="1" dirty="0">
+                <a:solidFill>
+                  <a:srgbClr val="3F5378"/>
+                </a:solidFill>
+                <a:latin typeface="Roboto Condensed"/>
+                <a:ea typeface="Roboto Condensed"/>
+                <a:cs typeface="Roboto Condensed"/>
+                <a:sym typeface="Roboto Condensed"/>
+              </a:rPr>
+              <a:t>1</a:t>
+            </a:r>
+            <a:endParaRPr sz="3000" b="1" dirty="0">
+              <a:solidFill>
+                <a:srgbClr val="3F5378"/>
+              </a:solidFill>
+              <a:latin typeface="Roboto Condensed"/>
+              <a:ea typeface="Roboto Condensed"/>
+              <a:cs typeface="Roboto Condensed"/>
+              <a:sym typeface="Roboto Condensed"/>
+            </a:endParaRPr>
+          </a:p>
+        </p:txBody>
+      </p:sp>
+    </p:spTree>
+    <p:extLst>
+      <p:ext uri="{BB962C8B-B14F-4D97-AF65-F5344CB8AC3E}">
+        <p14:creationId xmlns:p14="http://schemas.microsoft.com/office/powerpoint/2010/main" val="135306888"/>
+      </p:ext>
+    </p:extLst>
+  </p:cSld>
+  <p:clrMapOvr>
+    <a:masterClrMapping/>
+  </p:clrMapOvr>
+</p:sld>
+</file>
+
+<file path=ppt/slides/slide20.xml><?xml version="1.0" encoding="utf-8"?>
 <p:sld xmlns:a="http://schemas.openxmlformats.org/drawingml/2006/main" xmlns:r="http://schemas.openxmlformats.org/officeDocument/2006/relationships" xmlns:p="http://schemas.openxmlformats.org/presentationml/2006/main">
   <p:cSld>
     <p:spTree>
@@ -7526,7 +9408,7 @@
             </a:pPr>
             <a:fld id="{00000000-1234-1234-1234-123412341234}" type="slidenum">
               <a:rPr lang="en" smtClean="0"/>
-              <a:t>13</a:t>
+              <a:t>20</a:t>
             </a:fld>
             <a:endParaRPr lang="en"/>
           </a:p>
@@ -7535,7 +9417,7 @@
     </p:spTree>
     <p:extLst>
       <p:ext uri="{BB962C8B-B14F-4D97-AF65-F5344CB8AC3E}">
-        <p14:creationId xmlns:p14="http://schemas.microsoft.com/office/powerpoint/2010/main" val="735888388"/>
+        <p14:creationId xmlns:p14="http://schemas.microsoft.com/office/powerpoint/2010/main" val="433555424"/>
       </p:ext>
     </p:extLst>
   </p:cSld>
@@ -7545,7 +9427,7 @@
 </p:sld>
 </file>
 
-<file path=ppt/slides/slide14.xml><?xml version="1.0" encoding="utf-8"?>
+<file path=ppt/slides/slide21.xml><?xml version="1.0" encoding="utf-8"?>
 <p:sld xmlns:a="http://schemas.openxmlformats.org/drawingml/2006/main" xmlns:r="http://schemas.openxmlformats.org/officeDocument/2006/relationships" xmlns:p="http://schemas.openxmlformats.org/presentationml/2006/main">
   <p:cSld>
     <p:spTree>
@@ -7567,7 +9449,7 @@
           <p:cNvPr id="2" name="Title 1">
             <a:extLst>
               <a:ext uri="{FF2B5EF4-FFF2-40B4-BE49-F238E27FC236}">
-                <a16:creationId xmlns:a16="http://schemas.microsoft.com/office/drawing/2014/main" id="{E921B46B-EBAF-4678-BE96-12DE65395D0E}"/>
+                <a16:creationId xmlns:a16="http://schemas.microsoft.com/office/drawing/2014/main" id="{E1C4B97A-B25F-41FC-AB69-42B4BFB8A996}"/>
               </a:ext>
             </a:extLst>
           </p:cNvPr>
@@ -7575,7 +9457,7 @@
             <a:spLocks noGrp="1"/>
           </p:cNvSpPr>
           <p:nvPr>
-            <p:ph type="title"/>
+            <p:ph type="ctrTitle"/>
           </p:nvPr>
         </p:nvSpPr>
         <p:spPr/>
@@ -7585,7 +9467,7 @@
           <a:p>
             <a:r>
               <a:rPr lang="en-US" dirty="0"/>
-              <a:t>Java Operator</a:t>
+              <a:t>Day 01</a:t>
             </a:r>
             <a:endParaRPr lang="en-ID" dirty="0"/>
           </a:p>
@@ -7593,10 +9475,10 @@
       </p:sp>
       <p:sp>
         <p:nvSpPr>
-          <p:cNvPr id="3" name="Text Placeholder 2">
+          <p:cNvPr id="3" name="Subtitle 2">
             <a:extLst>
               <a:ext uri="{FF2B5EF4-FFF2-40B4-BE49-F238E27FC236}">
-                <a16:creationId xmlns:a16="http://schemas.microsoft.com/office/drawing/2014/main" id="{94ABFF43-6168-4572-BA0E-6A8003171FB4}"/>
+                <a16:creationId xmlns:a16="http://schemas.microsoft.com/office/drawing/2014/main" id="{B2DE4C9C-75AD-4D02-B515-6766EA1A235B}"/>
               </a:ext>
             </a:extLst>
           </p:cNvPr>
@@ -7604,7 +9486,7 @@
             <a:spLocks noGrp="1"/>
           </p:cNvSpPr>
           <p:nvPr>
-            <p:ph type="body" idx="1"/>
+            <p:ph type="subTitle" idx="1"/>
           </p:nvPr>
         </p:nvSpPr>
         <p:spPr/>
@@ -7614,41 +9496,7 @@
           <a:p>
             <a:r>
               <a:rPr lang="en-US" dirty="0"/>
-              <a:t>Arithmetic Operators</a:t>
-            </a:r>
-          </a:p>
-          <a:p>
-            <a:r>
-              <a:rPr lang="en-US" dirty="0"/>
-              <a:t>Relational Operators</a:t>
-            </a:r>
-          </a:p>
-          <a:p>
-            <a:r>
-              <a:rPr lang="en-US" dirty="0"/>
-              <a:t>Bitwise Operators</a:t>
-            </a:r>
-          </a:p>
-          <a:p>
-            <a:r>
-              <a:rPr lang="en-US" dirty="0"/>
-              <a:t>Logical Operators</a:t>
-            </a:r>
-          </a:p>
-          <a:p>
-            <a:r>
-              <a:rPr lang="en-US" dirty="0"/>
-              <a:t>Assignment Operators</a:t>
-            </a:r>
-          </a:p>
-          <a:p>
-            <a:r>
-              <a:rPr lang="en-US" dirty="0" err="1"/>
-              <a:t>Misc</a:t>
-            </a:r>
-            <a:r>
-              <a:rPr lang="en-US" dirty="0"/>
-              <a:t> Operators</a:t>
+              <a:t>Looping</a:t>
             </a:r>
             <a:endParaRPr lang="en-ID" dirty="0"/>
           </a:p>
@@ -7659,7 +9507,7 @@
           <p:cNvPr id="4" name="Slide Number Placeholder 3">
             <a:extLst>
               <a:ext uri="{FF2B5EF4-FFF2-40B4-BE49-F238E27FC236}">
-                <a16:creationId xmlns:a16="http://schemas.microsoft.com/office/drawing/2014/main" id="{88B64DD7-8A07-4CF7-8E63-92ABC5A61240}"/>
+                <a16:creationId xmlns:a16="http://schemas.microsoft.com/office/drawing/2014/main" id="{916DB1F4-E56E-40F8-BE83-A77BD1B29ED2}"/>
               </a:ext>
             </a:extLst>
           </p:cNvPr>
@@ -7686,16 +9534,80 @@
             </a:pPr>
             <a:fld id="{00000000-1234-1234-1234-123412341234}" type="slidenum">
               <a:rPr lang="en" smtClean="0"/>
-              <a:t>14</a:t>
+              <a:t>21</a:t>
             </a:fld>
             <a:endParaRPr lang="en"/>
+          </a:p>
+        </p:txBody>
+      </p:sp>
+      <p:sp>
+        <p:nvSpPr>
+          <p:cNvPr id="5" name="Google Shape;224;p14">
+            <a:extLst>
+              <a:ext uri="{FF2B5EF4-FFF2-40B4-BE49-F238E27FC236}">
+                <a16:creationId xmlns:a16="http://schemas.microsoft.com/office/drawing/2014/main" id="{5FDF6675-7522-494F-BFC9-DCE4FBB03259}"/>
+              </a:ext>
+            </a:extLst>
+          </p:cNvPr>
+          <p:cNvSpPr txBox="1"/>
+          <p:nvPr/>
+        </p:nvSpPr>
+        <p:spPr>
+          <a:xfrm>
+            <a:off x="463525" y="0"/>
+            <a:ext cx="2181600" cy="3136200"/>
+          </a:xfrm>
+          <a:prstGeom prst="rect">
+            <a:avLst/>
+          </a:prstGeom>
+          <a:noFill/>
+          <a:ln>
+            <a:noFill/>
+          </a:ln>
+        </p:spPr>
+        <p:txBody>
+          <a:bodyPr spcFirstLastPara="1" wrap="square" lIns="91425" tIns="91425" rIns="91425" bIns="91425" anchor="b" anchorCtr="0">
+            <a:noAutofit/>
+          </a:bodyPr>
+          <a:lstStyle/>
+          <a:p>
+            <a:pPr marL="0" lvl="0" indent="0" algn="l" rtl="0">
+              <a:spcBef>
+                <a:spcPts val="0"/>
+              </a:spcBef>
+              <a:spcAft>
+                <a:spcPts val="0"/>
+              </a:spcAft>
+              <a:buNone/>
+            </a:pPr>
+            <a:r>
+              <a:rPr lang="en" sz="12000" b="1" dirty="0">
+                <a:solidFill>
+                  <a:srgbClr val="3F5378"/>
+                </a:solidFill>
+                <a:latin typeface="Roboto Condensed"/>
+                <a:ea typeface="Roboto Condensed"/>
+                <a:cs typeface="Roboto Condensed"/>
+                <a:sym typeface="Roboto Condensed"/>
+              </a:rPr>
+              <a:t>5</a:t>
+            </a:r>
+            <a:endParaRPr sz="3000" b="1" dirty="0">
+              <a:solidFill>
+                <a:srgbClr val="3F5378"/>
+              </a:solidFill>
+              <a:latin typeface="Roboto Condensed"/>
+              <a:ea typeface="Roboto Condensed"/>
+              <a:cs typeface="Roboto Condensed"/>
+              <a:sym typeface="Roboto Condensed"/>
+            </a:endParaRPr>
           </a:p>
         </p:txBody>
       </p:sp>
     </p:spTree>
     <p:extLst>
       <p:ext uri="{BB962C8B-B14F-4D97-AF65-F5344CB8AC3E}">
-        <p14:creationId xmlns:p14="http://schemas.microsoft.com/office/powerpoint/2010/main" val="2125764616"/>
+        <p14:creationId xmlns:p14="http://schemas.microsoft.com/office/powerpoint/2010/main" val="471604244"/>
       </p:ext>
     </p:extLst>
   </p:cSld>
@@ -7705,7 +9617,7 @@
 </p:sld>
 </file>
 
-<file path=ppt/slides/slide15.xml><?xml version="1.0" encoding="utf-8"?>
+<file path=ppt/slides/slide22.xml><?xml version="1.0" encoding="utf-8"?>
 <p:sld xmlns:a="http://schemas.openxmlformats.org/drawingml/2006/main" xmlns:r="http://schemas.openxmlformats.org/officeDocument/2006/relationships" xmlns:p="http://schemas.openxmlformats.org/presentationml/2006/main">
   <p:cSld>
     <p:spTree>
@@ -7774,7 +9686,7 @@
           </a:xfrm>
         </p:spPr>
         <p:txBody>
-          <a:bodyPr/>
+          <a:bodyPr anchor="t"/>
           <a:lstStyle/>
           <a:p>
             <a:r>
@@ -7817,7 +9729,7 @@
             </a:pPr>
             <a:fld id="{00000000-1234-1234-1234-123412341234}" type="slidenum">
               <a:rPr lang="en" smtClean="0"/>
-              <a:t>15</a:t>
+              <a:t>22</a:t>
             </a:fld>
             <a:endParaRPr lang="en"/>
           </a:p>
@@ -7883,7 +9795,7 @@
 </p:sld>
 </file>
 
-<file path=ppt/slides/slide16.xml><?xml version="1.0" encoding="utf-8"?>
+<file path=ppt/slides/slide23.xml><?xml version="1.0" encoding="utf-8"?>
 <p:sld xmlns:a="http://schemas.openxmlformats.org/drawingml/2006/main" xmlns:r="http://schemas.openxmlformats.org/officeDocument/2006/relationships" xmlns:p="http://schemas.openxmlformats.org/presentationml/2006/main">
   <p:cSld>
     <p:spTree>
@@ -7952,7 +9864,7 @@
           </a:xfrm>
         </p:spPr>
         <p:txBody>
-          <a:bodyPr/>
+          <a:bodyPr anchor="t"/>
           <a:lstStyle/>
           <a:p>
             <a:pPr marL="76200" indent="0">
@@ -8075,7 +9987,7 @@
             </a:pPr>
             <a:fld id="{00000000-1234-1234-1234-123412341234}" type="slidenum">
               <a:rPr lang="en" smtClean="0"/>
-              <a:t>16</a:t>
+              <a:t>23</a:t>
             </a:fld>
             <a:endParaRPr lang="en"/>
           </a:p>
@@ -8141,7 +10053,7 @@
 </p:sld>
 </file>
 
-<file path=ppt/slides/slide17.xml><?xml version="1.0" encoding="utf-8"?>
+<file path=ppt/slides/slide24.xml><?xml version="1.0" encoding="utf-8"?>
 <p:sld xmlns:a="http://schemas.openxmlformats.org/drawingml/2006/main" xmlns:r="http://schemas.openxmlformats.org/officeDocument/2006/relationships" xmlns:p="http://schemas.openxmlformats.org/presentationml/2006/main">
   <p:cSld>
     <p:spTree>
@@ -8292,7 +10204,7 @@
             </a:pPr>
             <a:fld id="{00000000-1234-1234-1234-123412341234}" type="slidenum">
               <a:rPr lang="en" smtClean="0"/>
-              <a:t>17</a:t>
+              <a:t>24</a:t>
             </a:fld>
             <a:endParaRPr lang="en"/>
           </a:p>
@@ -8358,7 +10270,7 @@
 </p:sld>
 </file>
 
-<file path=ppt/slides/slide18.xml><?xml version="1.0" encoding="utf-8"?>
+<file path=ppt/slides/slide25.xml><?xml version="1.0" encoding="utf-8"?>
 <p:sld xmlns:a="http://schemas.openxmlformats.org/drawingml/2006/main" xmlns:r="http://schemas.openxmlformats.org/officeDocument/2006/relationships" xmlns:p="http://schemas.openxmlformats.org/presentationml/2006/main">
   <p:cSld>
     <p:spTree>
@@ -8493,7 +10405,7 @@
             </a:pPr>
             <a:fld id="{00000000-1234-1234-1234-123412341234}" type="slidenum">
               <a:rPr lang="en" smtClean="0"/>
-              <a:t>18</a:t>
+              <a:t>25</a:t>
             </a:fld>
             <a:endParaRPr lang="en"/>
           </a:p>
@@ -8512,7 +10424,7 @@
 </p:sld>
 </file>
 
-<file path=ppt/slides/slide19.xml><?xml version="1.0" encoding="utf-8"?>
+<file path=ppt/slides/slide26.xml><?xml version="1.0" encoding="utf-8"?>
 <p:sld xmlns:a="http://schemas.openxmlformats.org/drawingml/2006/main" xmlns:r="http://schemas.openxmlformats.org/officeDocument/2006/relationships" xmlns:p="http://schemas.openxmlformats.org/presentationml/2006/main">
   <p:cSld>
     <p:spTree>
@@ -8671,7 +10583,7 @@
             </a:pPr>
             <a:fld id="{00000000-1234-1234-1234-123412341234}" type="slidenum">
               <a:rPr lang="en" smtClean="0"/>
-              <a:t>19</a:t>
+              <a:t>26</a:t>
             </a:fld>
             <a:endParaRPr lang="en"/>
           </a:p>
@@ -8737,7 +10649,556 @@
 </p:sld>
 </file>
 
-<file path=ppt/slides/slide2.xml><?xml version="1.0" encoding="utf-8"?>
+<file path=ppt/slides/slide27.xml><?xml version="1.0" encoding="utf-8"?>
+<p:sld xmlns:a="http://schemas.openxmlformats.org/drawingml/2006/main" xmlns:r="http://schemas.openxmlformats.org/officeDocument/2006/relationships" xmlns:p="http://schemas.openxmlformats.org/presentationml/2006/main">
+  <p:cSld>
+    <p:spTree>
+      <p:nvGrpSpPr>
+        <p:cNvPr id="1" name=""/>
+        <p:cNvGrpSpPr/>
+        <p:nvPr/>
+      </p:nvGrpSpPr>
+      <p:grpSpPr>
+        <a:xfrm>
+          <a:off x="0" y="0"/>
+          <a:ext cx="0" cy="0"/>
+          <a:chOff x="0" y="0"/>
+          <a:chExt cx="0" cy="0"/>
+        </a:xfrm>
+      </p:grpSpPr>
+      <p:sp>
+        <p:nvSpPr>
+          <p:cNvPr id="2" name="Title 1">
+            <a:extLst>
+              <a:ext uri="{FF2B5EF4-FFF2-40B4-BE49-F238E27FC236}">
+                <a16:creationId xmlns:a16="http://schemas.microsoft.com/office/drawing/2014/main" id="{F73AE1F0-5DDA-40D8-98C3-C87D98BEF632}"/>
+              </a:ext>
+            </a:extLst>
+          </p:cNvPr>
+          <p:cNvSpPr>
+            <a:spLocks noGrp="1"/>
+          </p:cNvSpPr>
+          <p:nvPr>
+            <p:ph type="title"/>
+          </p:nvPr>
+        </p:nvSpPr>
+        <p:spPr/>
+        <p:txBody>
+          <a:bodyPr/>
+          <a:lstStyle/>
+          <a:p>
+            <a:r>
+              <a:rPr lang="en-US" dirty="0"/>
+              <a:t>do while loop</a:t>
+            </a:r>
+            <a:endParaRPr lang="en-ID" dirty="0"/>
+          </a:p>
+        </p:txBody>
+      </p:sp>
+      <p:sp>
+        <p:nvSpPr>
+          <p:cNvPr id="3" name="Text Placeholder 2">
+            <a:extLst>
+              <a:ext uri="{FF2B5EF4-FFF2-40B4-BE49-F238E27FC236}">
+                <a16:creationId xmlns:a16="http://schemas.microsoft.com/office/drawing/2014/main" id="{9443FFDB-979A-4E34-A23C-280FCC9F76CB}"/>
+              </a:ext>
+            </a:extLst>
+          </p:cNvPr>
+          <p:cNvSpPr>
+            <a:spLocks noGrp="1"/>
+          </p:cNvSpPr>
+          <p:nvPr>
+            <p:ph type="body" idx="1"/>
+          </p:nvPr>
+        </p:nvSpPr>
+        <p:spPr>
+          <a:xfrm>
+            <a:off x="814275" y="1327350"/>
+            <a:ext cx="6132600" cy="2235000"/>
+          </a:xfrm>
+        </p:spPr>
+        <p:txBody>
+          <a:bodyPr/>
+          <a:lstStyle/>
+          <a:p>
+            <a:r>
+              <a:rPr lang="en-US" sz="2000" dirty="0"/>
+              <a:t>Notice that the Boolean expression appears at the end of the loop, so the statements in the loop execute once before the Boolean is tested.</a:t>
+            </a:r>
+          </a:p>
+          <a:p>
+            <a:r>
+              <a:rPr lang="en-US" sz="2000" dirty="0"/>
+              <a:t>If the Boolean expression is true, the control jumps back up to do statement, and the statements in the loop execute again. This process repeats until the Boolean expression is false</a:t>
+            </a:r>
+            <a:endParaRPr lang="en-ID" sz="2000" dirty="0"/>
+          </a:p>
+        </p:txBody>
+      </p:sp>
+      <p:sp>
+        <p:nvSpPr>
+          <p:cNvPr id="4" name="Slide Number Placeholder 3">
+            <a:extLst>
+              <a:ext uri="{FF2B5EF4-FFF2-40B4-BE49-F238E27FC236}">
+                <a16:creationId xmlns:a16="http://schemas.microsoft.com/office/drawing/2014/main" id="{CCA00AC3-7E7F-4F70-A0E4-B539582273C1}"/>
+              </a:ext>
+            </a:extLst>
+          </p:cNvPr>
+          <p:cNvSpPr>
+            <a:spLocks noGrp="1"/>
+          </p:cNvSpPr>
+          <p:nvPr>
+            <p:ph type="sldNum" idx="12"/>
+          </p:nvPr>
+        </p:nvSpPr>
+        <p:spPr/>
+        <p:txBody>
+          <a:bodyPr/>
+          <a:lstStyle/>
+          <a:p>
+            <a:pPr marL="0" lvl="0" indent="0" algn="r" rtl="0">
+              <a:spcBef>
+                <a:spcPts val="0"/>
+              </a:spcBef>
+              <a:spcAft>
+                <a:spcPts val="0"/>
+              </a:spcAft>
+              <a:buNone/>
+            </a:pPr>
+            <a:fld id="{00000000-1234-1234-1234-123412341234}" type="slidenum">
+              <a:rPr lang="en" smtClean="0"/>
+              <a:t>27</a:t>
+            </a:fld>
+            <a:endParaRPr lang="en"/>
+          </a:p>
+        </p:txBody>
+      </p:sp>
+    </p:spTree>
+    <p:extLst>
+      <p:ext uri="{BB962C8B-B14F-4D97-AF65-F5344CB8AC3E}">
+        <p14:creationId xmlns:p14="http://schemas.microsoft.com/office/powerpoint/2010/main" val="1123940373"/>
+      </p:ext>
+    </p:extLst>
+  </p:cSld>
+  <p:clrMapOvr>
+    <a:masterClrMapping/>
+  </p:clrMapOvr>
+</p:sld>
+</file>
+
+<file path=ppt/slides/slide28.xml><?xml version="1.0" encoding="utf-8"?>
+<p:sld xmlns:a="http://schemas.openxmlformats.org/drawingml/2006/main" xmlns:r="http://schemas.openxmlformats.org/officeDocument/2006/relationships" xmlns:p="http://schemas.openxmlformats.org/presentationml/2006/main">
+  <p:cSld>
+    <p:spTree>
+      <p:nvGrpSpPr>
+        <p:cNvPr id="1" name=""/>
+        <p:cNvGrpSpPr/>
+        <p:nvPr/>
+      </p:nvGrpSpPr>
+      <p:grpSpPr>
+        <a:xfrm>
+          <a:off x="0" y="0"/>
+          <a:ext cx="0" cy="0"/>
+          <a:chOff x="0" y="0"/>
+          <a:chExt cx="0" cy="0"/>
+        </a:xfrm>
+      </p:grpSpPr>
+      <p:sp>
+        <p:nvSpPr>
+          <p:cNvPr id="5" name="Title 4">
+            <a:extLst>
+              <a:ext uri="{FF2B5EF4-FFF2-40B4-BE49-F238E27FC236}">
+                <a16:creationId xmlns:a16="http://schemas.microsoft.com/office/drawing/2014/main" id="{25675294-62E3-47FB-8B1E-57A73CB13061}"/>
+              </a:ext>
+            </a:extLst>
+          </p:cNvPr>
+          <p:cNvSpPr>
+            <a:spLocks noGrp="1"/>
+          </p:cNvSpPr>
+          <p:nvPr>
+            <p:ph type="title"/>
+          </p:nvPr>
+        </p:nvSpPr>
+        <p:spPr/>
+        <p:txBody>
+          <a:bodyPr/>
+          <a:lstStyle/>
+          <a:p>
+            <a:r>
+              <a:rPr lang="en-US" dirty="0"/>
+              <a:t>Input – Output</a:t>
+            </a:r>
+            <a:endParaRPr lang="en-ID" dirty="0"/>
+          </a:p>
+        </p:txBody>
+      </p:sp>
+      <p:sp>
+        <p:nvSpPr>
+          <p:cNvPr id="4" name="Slide Number Placeholder 3">
+            <a:extLst>
+              <a:ext uri="{FF2B5EF4-FFF2-40B4-BE49-F238E27FC236}">
+                <a16:creationId xmlns:a16="http://schemas.microsoft.com/office/drawing/2014/main" id="{E8FCA5D7-85D4-4E15-A426-05469F609679}"/>
+              </a:ext>
+            </a:extLst>
+          </p:cNvPr>
+          <p:cNvSpPr>
+            <a:spLocks noGrp="1"/>
+          </p:cNvSpPr>
+          <p:nvPr>
+            <p:ph type="sldNum" idx="12"/>
+          </p:nvPr>
+        </p:nvSpPr>
+        <p:spPr/>
+        <p:txBody>
+          <a:bodyPr/>
+          <a:lstStyle/>
+          <a:p>
+            <a:pPr marL="0" lvl="0" indent="0" algn="r" rtl="0">
+              <a:spcBef>
+                <a:spcPts val="0"/>
+              </a:spcBef>
+              <a:spcAft>
+                <a:spcPts val="0"/>
+              </a:spcAft>
+              <a:buNone/>
+            </a:pPr>
+            <a:fld id="{00000000-1234-1234-1234-123412341234}" type="slidenum">
+              <a:rPr lang="en" smtClean="0"/>
+              <a:t>28</a:t>
+            </a:fld>
+            <a:endParaRPr lang="en"/>
+          </a:p>
+        </p:txBody>
+      </p:sp>
+      <p:pic>
+        <p:nvPicPr>
+          <p:cNvPr id="7" name="Picture 6">
+            <a:extLst>
+              <a:ext uri="{FF2B5EF4-FFF2-40B4-BE49-F238E27FC236}">
+                <a16:creationId xmlns:a16="http://schemas.microsoft.com/office/drawing/2014/main" id="{A447D25B-202F-40BE-B5E7-4AB3FAE2EC04}"/>
+              </a:ext>
+            </a:extLst>
+          </p:cNvPr>
+          <p:cNvPicPr>
+            <a:picLocks noChangeAspect="1"/>
+          </p:cNvPicPr>
+          <p:nvPr/>
+        </p:nvPicPr>
+        <p:blipFill>
+          <a:blip r:embed="rId2"/>
+          <a:stretch>
+            <a:fillRect/>
+          </a:stretch>
+        </p:blipFill>
+        <p:spPr>
+          <a:xfrm>
+            <a:off x="814274" y="1335612"/>
+            <a:ext cx="4976926" cy="3543396"/>
+          </a:xfrm>
+          <a:prstGeom prst="rect">
+            <a:avLst/>
+          </a:prstGeom>
+        </p:spPr>
+      </p:pic>
+    </p:spTree>
+    <p:extLst>
+      <p:ext uri="{BB962C8B-B14F-4D97-AF65-F5344CB8AC3E}">
+        <p14:creationId xmlns:p14="http://schemas.microsoft.com/office/powerpoint/2010/main" val="2854571319"/>
+      </p:ext>
+    </p:extLst>
+  </p:cSld>
+  <p:clrMapOvr>
+    <a:masterClrMapping/>
+  </p:clrMapOvr>
+</p:sld>
+</file>
+
+<file path=ppt/slides/slide29.xml><?xml version="1.0" encoding="utf-8"?>
+<p:sld xmlns:a="http://schemas.openxmlformats.org/drawingml/2006/main" xmlns:r="http://schemas.openxmlformats.org/officeDocument/2006/relationships" xmlns:p="http://schemas.openxmlformats.org/presentationml/2006/main">
+  <p:cSld>
+    <p:spTree>
+      <p:nvGrpSpPr>
+        <p:cNvPr id="1" name=""/>
+        <p:cNvGrpSpPr/>
+        <p:nvPr/>
+      </p:nvGrpSpPr>
+      <p:grpSpPr>
+        <a:xfrm>
+          <a:off x="0" y="0"/>
+          <a:ext cx="0" cy="0"/>
+          <a:chOff x="0" y="0"/>
+          <a:chExt cx="0" cy="0"/>
+        </a:xfrm>
+      </p:grpSpPr>
+      <p:sp>
+        <p:nvSpPr>
+          <p:cNvPr id="2" name="Title 1">
+            <a:extLst>
+              <a:ext uri="{FF2B5EF4-FFF2-40B4-BE49-F238E27FC236}">
+                <a16:creationId xmlns:a16="http://schemas.microsoft.com/office/drawing/2014/main" id="{B56ED303-883E-4598-8068-0EEC2C1019F3}"/>
+              </a:ext>
+            </a:extLst>
+          </p:cNvPr>
+          <p:cNvSpPr>
+            <a:spLocks noGrp="1"/>
+          </p:cNvSpPr>
+          <p:nvPr>
+            <p:ph type="title"/>
+          </p:nvPr>
+        </p:nvSpPr>
+        <p:spPr/>
+        <p:txBody>
+          <a:bodyPr/>
+          <a:lstStyle/>
+          <a:p>
+            <a:r>
+              <a:rPr lang="en-US" dirty="0"/>
+              <a:t>Looping for</a:t>
+            </a:r>
+            <a:endParaRPr lang="en-ID" dirty="0"/>
+          </a:p>
+        </p:txBody>
+      </p:sp>
+      <p:pic>
+        <p:nvPicPr>
+          <p:cNvPr id="5" name="Picture 4">
+            <a:extLst>
+              <a:ext uri="{FF2B5EF4-FFF2-40B4-BE49-F238E27FC236}">
+                <a16:creationId xmlns:a16="http://schemas.microsoft.com/office/drawing/2014/main" id="{C312AD97-AA87-48AE-B221-F5CD25A99592}"/>
+              </a:ext>
+            </a:extLst>
+          </p:cNvPr>
+          <p:cNvPicPr>
+            <a:picLocks noChangeAspect="1"/>
+          </p:cNvPicPr>
+          <p:nvPr/>
+        </p:nvPicPr>
+        <p:blipFill>
+          <a:blip r:embed="rId2"/>
+          <a:stretch>
+            <a:fillRect/>
+          </a:stretch>
+        </p:blipFill>
+        <p:spPr>
+          <a:xfrm>
+            <a:off x="814274" y="1335158"/>
+            <a:ext cx="5924301" cy="3616942"/>
+          </a:xfrm>
+          <a:prstGeom prst="rect">
+            <a:avLst/>
+          </a:prstGeom>
+        </p:spPr>
+      </p:pic>
+      <p:sp>
+        <p:nvSpPr>
+          <p:cNvPr id="4" name="Slide Number Placeholder 3">
+            <a:extLst>
+              <a:ext uri="{FF2B5EF4-FFF2-40B4-BE49-F238E27FC236}">
+                <a16:creationId xmlns:a16="http://schemas.microsoft.com/office/drawing/2014/main" id="{143991D9-D199-4A8B-96AB-C4FEA488C9A9}"/>
+              </a:ext>
+            </a:extLst>
+          </p:cNvPr>
+          <p:cNvSpPr>
+            <a:spLocks noGrp="1"/>
+          </p:cNvSpPr>
+          <p:nvPr>
+            <p:ph type="sldNum" idx="12"/>
+          </p:nvPr>
+        </p:nvSpPr>
+        <p:spPr/>
+        <p:txBody>
+          <a:bodyPr/>
+          <a:lstStyle/>
+          <a:p>
+            <a:pPr marL="0" lvl="0" indent="0" algn="r" rtl="0">
+              <a:spcBef>
+                <a:spcPts val="0"/>
+              </a:spcBef>
+              <a:spcAft>
+                <a:spcPts val="0"/>
+              </a:spcAft>
+              <a:buNone/>
+            </a:pPr>
+            <a:fld id="{00000000-1234-1234-1234-123412341234}" type="slidenum">
+              <a:rPr lang="en" smtClean="0"/>
+              <a:t>29</a:t>
+            </a:fld>
+            <a:endParaRPr lang="en"/>
+          </a:p>
+        </p:txBody>
+      </p:sp>
+    </p:spTree>
+    <p:extLst>
+      <p:ext uri="{BB962C8B-B14F-4D97-AF65-F5344CB8AC3E}">
+        <p14:creationId xmlns:p14="http://schemas.microsoft.com/office/powerpoint/2010/main" val="2089668192"/>
+      </p:ext>
+    </p:extLst>
+  </p:cSld>
+  <p:clrMapOvr>
+    <a:masterClrMapping/>
+  </p:clrMapOvr>
+</p:sld>
+</file>
+
+<file path=ppt/slides/slide3.xml><?xml version="1.0" encoding="utf-8"?>
+<p:sld xmlns:a="http://schemas.openxmlformats.org/drawingml/2006/main" xmlns:r="http://schemas.openxmlformats.org/officeDocument/2006/relationships" xmlns:p="http://schemas.openxmlformats.org/presentationml/2006/main">
+  <p:cSld>
+    <p:spTree>
+      <p:nvGrpSpPr>
+        <p:cNvPr id="1" name=""/>
+        <p:cNvGrpSpPr/>
+        <p:nvPr/>
+      </p:nvGrpSpPr>
+      <p:grpSpPr>
+        <a:xfrm>
+          <a:off x="0" y="0"/>
+          <a:ext cx="0" cy="0"/>
+          <a:chOff x="0" y="0"/>
+          <a:chExt cx="0" cy="0"/>
+        </a:xfrm>
+      </p:grpSpPr>
+      <p:sp>
+        <p:nvSpPr>
+          <p:cNvPr id="5" name="Title 4">
+            <a:extLst>
+              <a:ext uri="{FF2B5EF4-FFF2-40B4-BE49-F238E27FC236}">
+                <a16:creationId xmlns:a16="http://schemas.microsoft.com/office/drawing/2014/main" id="{CDF85845-2E47-4E75-AB60-8B9161AA2930}"/>
+              </a:ext>
+            </a:extLst>
+          </p:cNvPr>
+          <p:cNvSpPr>
+            <a:spLocks noGrp="1"/>
+          </p:cNvSpPr>
+          <p:nvPr>
+            <p:ph type="title"/>
+          </p:nvPr>
+        </p:nvSpPr>
+        <p:spPr/>
+        <p:txBody>
+          <a:bodyPr/>
+          <a:lstStyle/>
+          <a:p>
+            <a:r>
+              <a:rPr lang="en-US" dirty="0"/>
+              <a:t>Goal Material</a:t>
+            </a:r>
+            <a:endParaRPr lang="en-ID" dirty="0"/>
+          </a:p>
+        </p:txBody>
+      </p:sp>
+      <p:sp>
+        <p:nvSpPr>
+          <p:cNvPr id="6" name="Text Placeholder 5">
+            <a:extLst>
+              <a:ext uri="{FF2B5EF4-FFF2-40B4-BE49-F238E27FC236}">
+                <a16:creationId xmlns:a16="http://schemas.microsoft.com/office/drawing/2014/main" id="{B36D83A1-F68C-408B-9136-D39899E1C023}"/>
+              </a:ext>
+            </a:extLst>
+          </p:cNvPr>
+          <p:cNvSpPr>
+            <a:spLocks noGrp="1"/>
+          </p:cNvSpPr>
+          <p:nvPr>
+            <p:ph type="body" idx="1"/>
+          </p:nvPr>
+        </p:nvSpPr>
+        <p:spPr/>
+        <p:txBody>
+          <a:bodyPr anchor="t"/>
+          <a:lstStyle/>
+          <a:p>
+            <a:r>
+              <a:rPr lang="en-US" dirty="0"/>
+              <a:t>Java Structure</a:t>
+            </a:r>
+          </a:p>
+          <a:p>
+            <a:r>
+              <a:rPr lang="en-US" dirty="0"/>
+              <a:t>Naming Convention</a:t>
+            </a:r>
+          </a:p>
+          <a:p>
+            <a:r>
+              <a:rPr lang="en-US" dirty="0"/>
+              <a:t>Data Type</a:t>
+            </a:r>
+          </a:p>
+          <a:p>
+            <a:r>
+              <a:rPr lang="en-US" dirty="0"/>
+              <a:t>Looping For, While, Do While</a:t>
+            </a:r>
+          </a:p>
+          <a:p>
+            <a:r>
+              <a:rPr lang="en-US" dirty="0"/>
+              <a:t>Hello World</a:t>
+            </a:r>
+          </a:p>
+          <a:p>
+            <a:r>
+              <a:rPr lang="en-US" dirty="0"/>
+              <a:t>Study Case – Logic 01 </a:t>
+            </a:r>
+          </a:p>
+          <a:p>
+            <a:endParaRPr lang="en-US" dirty="0"/>
+          </a:p>
+        </p:txBody>
+      </p:sp>
+      <p:sp>
+        <p:nvSpPr>
+          <p:cNvPr id="4" name="Slide Number Placeholder 3">
+            <a:extLst>
+              <a:ext uri="{FF2B5EF4-FFF2-40B4-BE49-F238E27FC236}">
+                <a16:creationId xmlns:a16="http://schemas.microsoft.com/office/drawing/2014/main" id="{52ED11B1-E693-40FA-9B53-294DC0A87ECA}"/>
+              </a:ext>
+            </a:extLst>
+          </p:cNvPr>
+          <p:cNvSpPr>
+            <a:spLocks noGrp="1"/>
+          </p:cNvSpPr>
+          <p:nvPr>
+            <p:ph type="sldNum" idx="12"/>
+          </p:nvPr>
+        </p:nvSpPr>
+        <p:spPr/>
+        <p:txBody>
+          <a:bodyPr/>
+          <a:lstStyle/>
+          <a:p>
+            <a:pPr marL="0" lvl="0" indent="0" algn="r" rtl="0">
+              <a:spcBef>
+                <a:spcPts val="0"/>
+              </a:spcBef>
+              <a:spcAft>
+                <a:spcPts val="0"/>
+              </a:spcAft>
+              <a:buNone/>
+            </a:pPr>
+            <a:fld id="{00000000-1234-1234-1234-123412341234}" type="slidenum">
+              <a:rPr lang="en" smtClean="0"/>
+              <a:t>3</a:t>
+            </a:fld>
+            <a:endParaRPr lang="en"/>
+          </a:p>
+        </p:txBody>
+      </p:sp>
+    </p:spTree>
+    <p:extLst>
+      <p:ext uri="{BB962C8B-B14F-4D97-AF65-F5344CB8AC3E}">
+        <p14:creationId xmlns:p14="http://schemas.microsoft.com/office/powerpoint/2010/main" val="1809962311"/>
+      </p:ext>
+    </p:extLst>
+  </p:cSld>
+  <p:clrMapOvr>
+    <a:masterClrMapping/>
+  </p:clrMapOvr>
+</p:sld>
+</file>
+
+<file path=ppt/slides/slide30.xml><?xml version="1.0" encoding="utf-8"?>
 <p:sld xmlns:a="http://schemas.openxmlformats.org/drawingml/2006/main" xmlns:r="http://schemas.openxmlformats.org/officeDocument/2006/relationships" xmlns:p="http://schemas.openxmlformats.org/presentationml/2006/main">
   <p:cSld>
     <p:spTree>
@@ -8806,7 +11267,7 @@
           <a:p>
             <a:r>
               <a:rPr lang="en-US" dirty="0"/>
-              <a:t>Java Structure</a:t>
+              <a:t>Hello World</a:t>
             </a:r>
             <a:endParaRPr lang="en-ID" dirty="0"/>
           </a:p>
@@ -8844,7 +11305,7 @@
             </a:pPr>
             <a:fld id="{00000000-1234-1234-1234-123412341234}" type="slidenum">
               <a:rPr lang="en" smtClean="0"/>
-              <a:t>2</a:t>
+              <a:t>30</a:t>
             </a:fld>
             <a:endParaRPr lang="en"/>
           </a:p>
@@ -8891,333 +11352,6 @@
               <a:buNone/>
             </a:pPr>
             <a:r>
-              <a:rPr lang="en" sz="12000" b="1" dirty="0">
-                <a:solidFill>
-                  <a:srgbClr val="3F5378"/>
-                </a:solidFill>
-                <a:latin typeface="Roboto Condensed"/>
-                <a:ea typeface="Roboto Condensed"/>
-                <a:cs typeface="Roboto Condensed"/>
-                <a:sym typeface="Roboto Condensed"/>
-              </a:rPr>
-              <a:t>1</a:t>
-            </a:r>
-            <a:endParaRPr sz="3000" b="1" dirty="0">
-              <a:solidFill>
-                <a:srgbClr val="3F5378"/>
-              </a:solidFill>
-              <a:latin typeface="Roboto Condensed"/>
-              <a:ea typeface="Roboto Condensed"/>
-              <a:cs typeface="Roboto Condensed"/>
-              <a:sym typeface="Roboto Condensed"/>
-            </a:endParaRPr>
-          </a:p>
-        </p:txBody>
-      </p:sp>
-    </p:spTree>
-    <p:extLst>
-      <p:ext uri="{BB962C8B-B14F-4D97-AF65-F5344CB8AC3E}">
-        <p14:creationId xmlns:p14="http://schemas.microsoft.com/office/powerpoint/2010/main" val="135306888"/>
-      </p:ext>
-    </p:extLst>
-  </p:cSld>
-  <p:clrMapOvr>
-    <a:masterClrMapping/>
-  </p:clrMapOvr>
-</p:sld>
-</file>
-
-<file path=ppt/slides/slide20.xml><?xml version="1.0" encoding="utf-8"?>
-<p:sld xmlns:a="http://schemas.openxmlformats.org/drawingml/2006/main" xmlns:r="http://schemas.openxmlformats.org/officeDocument/2006/relationships" xmlns:p="http://schemas.openxmlformats.org/presentationml/2006/main">
-  <p:cSld>
-    <p:spTree>
-      <p:nvGrpSpPr>
-        <p:cNvPr id="1" name=""/>
-        <p:cNvGrpSpPr/>
-        <p:nvPr/>
-      </p:nvGrpSpPr>
-      <p:grpSpPr>
-        <a:xfrm>
-          <a:off x="0" y="0"/>
-          <a:ext cx="0" cy="0"/>
-          <a:chOff x="0" y="0"/>
-          <a:chExt cx="0" cy="0"/>
-        </a:xfrm>
-      </p:grpSpPr>
-      <p:sp>
-        <p:nvSpPr>
-          <p:cNvPr id="2" name="Title 1">
-            <a:extLst>
-              <a:ext uri="{FF2B5EF4-FFF2-40B4-BE49-F238E27FC236}">
-                <a16:creationId xmlns:a16="http://schemas.microsoft.com/office/drawing/2014/main" id="{F73AE1F0-5DDA-40D8-98C3-C87D98BEF632}"/>
-              </a:ext>
-            </a:extLst>
-          </p:cNvPr>
-          <p:cNvSpPr>
-            <a:spLocks noGrp="1"/>
-          </p:cNvSpPr>
-          <p:nvPr>
-            <p:ph type="title"/>
-          </p:nvPr>
-        </p:nvSpPr>
-        <p:spPr/>
-        <p:txBody>
-          <a:bodyPr/>
-          <a:lstStyle/>
-          <a:p>
-            <a:r>
-              <a:rPr lang="en-US" dirty="0"/>
-              <a:t>do while loop</a:t>
-            </a:r>
-            <a:endParaRPr lang="en-ID" dirty="0"/>
-          </a:p>
-        </p:txBody>
-      </p:sp>
-      <p:sp>
-        <p:nvSpPr>
-          <p:cNvPr id="3" name="Text Placeholder 2">
-            <a:extLst>
-              <a:ext uri="{FF2B5EF4-FFF2-40B4-BE49-F238E27FC236}">
-                <a16:creationId xmlns:a16="http://schemas.microsoft.com/office/drawing/2014/main" id="{9443FFDB-979A-4E34-A23C-280FCC9F76CB}"/>
-              </a:ext>
-            </a:extLst>
-          </p:cNvPr>
-          <p:cNvSpPr>
-            <a:spLocks noGrp="1"/>
-          </p:cNvSpPr>
-          <p:nvPr>
-            <p:ph type="body" idx="1"/>
-          </p:nvPr>
-        </p:nvSpPr>
-        <p:spPr>
-          <a:xfrm>
-            <a:off x="814275" y="1327350"/>
-            <a:ext cx="6132600" cy="2235000"/>
-          </a:xfrm>
-        </p:spPr>
-        <p:txBody>
-          <a:bodyPr/>
-          <a:lstStyle/>
-          <a:p>
-            <a:r>
-              <a:rPr lang="en-US" sz="2000" dirty="0"/>
-              <a:t>Notice that the Boolean expression appears at the end of the loop, so the statements in the loop execute once before the Boolean is tested.</a:t>
-            </a:r>
-          </a:p>
-          <a:p>
-            <a:r>
-              <a:rPr lang="en-US" sz="2000" dirty="0"/>
-              <a:t>If the Boolean expression is true, the control jumps back up to do statement, and the statements in the loop execute again. This process repeats until the Boolean expression is false</a:t>
-            </a:r>
-            <a:endParaRPr lang="en-ID" sz="2000" dirty="0"/>
-          </a:p>
-        </p:txBody>
-      </p:sp>
-      <p:sp>
-        <p:nvSpPr>
-          <p:cNvPr id="4" name="Slide Number Placeholder 3">
-            <a:extLst>
-              <a:ext uri="{FF2B5EF4-FFF2-40B4-BE49-F238E27FC236}">
-                <a16:creationId xmlns:a16="http://schemas.microsoft.com/office/drawing/2014/main" id="{CCA00AC3-7E7F-4F70-A0E4-B539582273C1}"/>
-              </a:ext>
-            </a:extLst>
-          </p:cNvPr>
-          <p:cNvSpPr>
-            <a:spLocks noGrp="1"/>
-          </p:cNvSpPr>
-          <p:nvPr>
-            <p:ph type="sldNum" idx="12"/>
-          </p:nvPr>
-        </p:nvSpPr>
-        <p:spPr/>
-        <p:txBody>
-          <a:bodyPr/>
-          <a:lstStyle/>
-          <a:p>
-            <a:pPr marL="0" lvl="0" indent="0" algn="r" rtl="0">
-              <a:spcBef>
-                <a:spcPts val="0"/>
-              </a:spcBef>
-              <a:spcAft>
-                <a:spcPts val="0"/>
-              </a:spcAft>
-              <a:buNone/>
-            </a:pPr>
-            <a:fld id="{00000000-1234-1234-1234-123412341234}" type="slidenum">
-              <a:rPr lang="en" smtClean="0"/>
-              <a:t>20</a:t>
-            </a:fld>
-            <a:endParaRPr lang="en"/>
-          </a:p>
-        </p:txBody>
-      </p:sp>
-    </p:spTree>
-    <p:extLst>
-      <p:ext uri="{BB962C8B-B14F-4D97-AF65-F5344CB8AC3E}">
-        <p14:creationId xmlns:p14="http://schemas.microsoft.com/office/powerpoint/2010/main" val="1123940373"/>
-      </p:ext>
-    </p:extLst>
-  </p:cSld>
-  <p:clrMapOvr>
-    <a:masterClrMapping/>
-  </p:clrMapOvr>
-</p:sld>
-</file>
-
-<file path=ppt/slides/slide21.xml><?xml version="1.0" encoding="utf-8"?>
-<p:sld xmlns:a="http://schemas.openxmlformats.org/drawingml/2006/main" xmlns:r="http://schemas.openxmlformats.org/officeDocument/2006/relationships" xmlns:p="http://schemas.openxmlformats.org/presentationml/2006/main">
-  <p:cSld>
-    <p:spTree>
-      <p:nvGrpSpPr>
-        <p:cNvPr id="1" name=""/>
-        <p:cNvGrpSpPr/>
-        <p:nvPr/>
-      </p:nvGrpSpPr>
-      <p:grpSpPr>
-        <a:xfrm>
-          <a:off x="0" y="0"/>
-          <a:ext cx="0" cy="0"/>
-          <a:chOff x="0" y="0"/>
-          <a:chExt cx="0" cy="0"/>
-        </a:xfrm>
-      </p:grpSpPr>
-      <p:sp>
-        <p:nvSpPr>
-          <p:cNvPr id="2" name="Title 1">
-            <a:extLst>
-              <a:ext uri="{FF2B5EF4-FFF2-40B4-BE49-F238E27FC236}">
-                <a16:creationId xmlns:a16="http://schemas.microsoft.com/office/drawing/2014/main" id="{E1C4B97A-B25F-41FC-AB69-42B4BFB8A996}"/>
-              </a:ext>
-            </a:extLst>
-          </p:cNvPr>
-          <p:cNvSpPr>
-            <a:spLocks noGrp="1"/>
-          </p:cNvSpPr>
-          <p:nvPr>
-            <p:ph type="ctrTitle"/>
-          </p:nvPr>
-        </p:nvSpPr>
-        <p:spPr/>
-        <p:txBody>
-          <a:bodyPr/>
-          <a:lstStyle/>
-          <a:p>
-            <a:r>
-              <a:rPr lang="en-US" dirty="0"/>
-              <a:t>Day 01</a:t>
-            </a:r>
-            <a:endParaRPr lang="en-ID" dirty="0"/>
-          </a:p>
-        </p:txBody>
-      </p:sp>
-      <p:sp>
-        <p:nvSpPr>
-          <p:cNvPr id="3" name="Subtitle 2">
-            <a:extLst>
-              <a:ext uri="{FF2B5EF4-FFF2-40B4-BE49-F238E27FC236}">
-                <a16:creationId xmlns:a16="http://schemas.microsoft.com/office/drawing/2014/main" id="{B2DE4C9C-75AD-4D02-B515-6766EA1A235B}"/>
-              </a:ext>
-            </a:extLst>
-          </p:cNvPr>
-          <p:cNvSpPr>
-            <a:spLocks noGrp="1"/>
-          </p:cNvSpPr>
-          <p:nvPr>
-            <p:ph type="subTitle" idx="1"/>
-          </p:nvPr>
-        </p:nvSpPr>
-        <p:spPr/>
-        <p:txBody>
-          <a:bodyPr/>
-          <a:lstStyle/>
-          <a:p>
-            <a:r>
-              <a:rPr lang="en-US" dirty="0"/>
-              <a:t>Hello World</a:t>
-            </a:r>
-            <a:endParaRPr lang="en-ID" dirty="0"/>
-          </a:p>
-        </p:txBody>
-      </p:sp>
-      <p:sp>
-        <p:nvSpPr>
-          <p:cNvPr id="4" name="Slide Number Placeholder 3">
-            <a:extLst>
-              <a:ext uri="{FF2B5EF4-FFF2-40B4-BE49-F238E27FC236}">
-                <a16:creationId xmlns:a16="http://schemas.microsoft.com/office/drawing/2014/main" id="{916DB1F4-E56E-40F8-BE83-A77BD1B29ED2}"/>
-              </a:ext>
-            </a:extLst>
-          </p:cNvPr>
-          <p:cNvSpPr>
-            <a:spLocks noGrp="1"/>
-          </p:cNvSpPr>
-          <p:nvPr>
-            <p:ph type="sldNum" idx="12"/>
-          </p:nvPr>
-        </p:nvSpPr>
-        <p:spPr/>
-        <p:txBody>
-          <a:bodyPr/>
-          <a:lstStyle/>
-          <a:p>
-            <a:pPr marL="0" lvl="0" indent="0" algn="r" rtl="0">
-              <a:spcBef>
-                <a:spcPts val="0"/>
-              </a:spcBef>
-              <a:spcAft>
-                <a:spcPts val="0"/>
-              </a:spcAft>
-              <a:buNone/>
-            </a:pPr>
-            <a:fld id="{00000000-1234-1234-1234-123412341234}" type="slidenum">
-              <a:rPr lang="en" smtClean="0"/>
-              <a:t>21</a:t>
-            </a:fld>
-            <a:endParaRPr lang="en"/>
-          </a:p>
-        </p:txBody>
-      </p:sp>
-      <p:sp>
-        <p:nvSpPr>
-          <p:cNvPr id="5" name="Google Shape;224;p14">
-            <a:extLst>
-              <a:ext uri="{FF2B5EF4-FFF2-40B4-BE49-F238E27FC236}">
-                <a16:creationId xmlns:a16="http://schemas.microsoft.com/office/drawing/2014/main" id="{5FDF6675-7522-494F-BFC9-DCE4FBB03259}"/>
-              </a:ext>
-            </a:extLst>
-          </p:cNvPr>
-          <p:cNvSpPr txBox="1"/>
-          <p:nvPr/>
-        </p:nvSpPr>
-        <p:spPr>
-          <a:xfrm>
-            <a:off x="463525" y="0"/>
-            <a:ext cx="2181600" cy="3136200"/>
-          </a:xfrm>
-          <a:prstGeom prst="rect">
-            <a:avLst/>
-          </a:prstGeom>
-          <a:noFill/>
-          <a:ln>
-            <a:noFill/>
-          </a:ln>
-        </p:spPr>
-        <p:txBody>
-          <a:bodyPr spcFirstLastPara="1" wrap="square" lIns="91425" tIns="91425" rIns="91425" bIns="91425" anchor="b" anchorCtr="0">
-            <a:noAutofit/>
-          </a:bodyPr>
-          <a:lstStyle/>
-          <a:p>
-            <a:pPr marL="0" lvl="0" indent="0" algn="l" rtl="0">
-              <a:spcBef>
-                <a:spcPts val="0"/>
-              </a:spcBef>
-              <a:spcAft>
-                <a:spcPts val="0"/>
-              </a:spcAft>
-              <a:buNone/>
-            </a:pPr>
-            <a:r>
               <a:rPr lang="en-US" sz="12000" b="1" dirty="0">
                 <a:solidFill>
                   <a:srgbClr val="3F5378"/>
@@ -9227,7 +11361,7 @@
                 <a:cs typeface="Roboto Condensed"/>
                 <a:sym typeface="Roboto Condensed"/>
               </a:rPr>
-              <a:t>2</a:t>
+              <a:t>6</a:t>
             </a:r>
             <a:endParaRPr sz="12000" b="1" dirty="0">
               <a:solidFill>
@@ -9254,7 +11388,7 @@
 </p:sld>
 </file>
 
-<file path=ppt/slides/slide22.xml><?xml version="1.0" encoding="utf-8"?>
+<file path=ppt/slides/slide31.xml><?xml version="1.0" encoding="utf-8"?>
 <p:sld xmlns:a="http://schemas.openxmlformats.org/drawingml/2006/main" xmlns:r="http://schemas.openxmlformats.org/officeDocument/2006/relationships" xmlns:p="http://schemas.openxmlformats.org/presentationml/2006/main">
   <p:cSld>
     <p:spTree>
@@ -9378,7 +11512,7 @@
             </a:pPr>
             <a:fld id="{00000000-1234-1234-1234-123412341234}" type="slidenum">
               <a:rPr lang="en" smtClean="0"/>
-              <a:t>22</a:t>
+              <a:t>31</a:t>
             </a:fld>
             <a:endParaRPr lang="en"/>
           </a:p>
@@ -9427,7 +11561,7 @@
 </p:sld>
 </file>
 
-<file path=ppt/slides/slide23.xml><?xml version="1.0" encoding="utf-8"?>
+<file path=ppt/slides/slide32.xml><?xml version="1.0" encoding="utf-8"?>
 <p:sld xmlns:a="http://schemas.openxmlformats.org/drawingml/2006/main" xmlns:r="http://schemas.openxmlformats.org/officeDocument/2006/relationships" xmlns:p="http://schemas.openxmlformats.org/presentationml/2006/main">
   <p:cSld>
     <p:spTree>
@@ -9595,7 +11729,7 @@
             </a:pPr>
             <a:fld id="{00000000-1234-1234-1234-123412341234}" type="slidenum">
               <a:rPr lang="en" smtClean="0"/>
-              <a:t>23</a:t>
+              <a:t>32</a:t>
             </a:fld>
             <a:endParaRPr lang="en"/>
           </a:p>
@@ -9614,7 +11748,7 @@
 </p:sld>
 </file>
 
-<file path=ppt/slides/slide24.xml><?xml version="1.0" encoding="utf-8"?>
+<file path=ppt/slides/slide33.xml><?xml version="1.0" encoding="utf-8"?>
 <p:sld xmlns:a="http://schemas.openxmlformats.org/drawingml/2006/main" xmlns:r="http://schemas.openxmlformats.org/officeDocument/2006/relationships" xmlns:p="http://schemas.openxmlformats.org/presentationml/2006/main">
   <p:cSld>
     <p:spTree>
@@ -9688,7 +11822,7 @@
             </a:pPr>
             <a:fld id="{00000000-1234-1234-1234-123412341234}" type="slidenum">
               <a:rPr lang="en" smtClean="0"/>
-              <a:t>24</a:t>
+              <a:t>33</a:t>
             </a:fld>
             <a:endParaRPr lang="en"/>
           </a:p>
@@ -9767,7 +11901,7 @@
 </p:sld>
 </file>
 
-<file path=ppt/slides/slide25.xml><?xml version="1.0" encoding="utf-8"?>
+<file path=ppt/slides/slide34.xml><?xml version="1.0" encoding="utf-8"?>
 <p:sld xmlns:a="http://schemas.openxmlformats.org/drawingml/2006/main" xmlns:r="http://schemas.openxmlformats.org/officeDocument/2006/relationships" xmlns:p="http://schemas.openxmlformats.org/presentationml/2006/main">
   <p:cSld>
     <p:spTree>
@@ -9894,7 +12028,7 @@
             </a:pPr>
             <a:fld id="{00000000-1234-1234-1234-123412341234}" type="slidenum">
               <a:rPr lang="en" smtClean="0"/>
-              <a:t>25</a:t>
+              <a:t>34</a:t>
             </a:fld>
             <a:endParaRPr lang="en"/>
           </a:p>
@@ -10262,7 +12396,7 @@
 </p:sld>
 </file>
 
-<file path=ppt/slides/slide26.xml><?xml version="1.0" encoding="utf-8"?>
+<file path=ppt/slides/slide35.xml><?xml version="1.0" encoding="utf-8"?>
 <p:sld xmlns:a="http://schemas.openxmlformats.org/drawingml/2006/main" xmlns:r="http://schemas.openxmlformats.org/officeDocument/2006/relationships" xmlns:p="http://schemas.openxmlformats.org/presentationml/2006/main">
   <p:cSld>
     <p:spTree>
@@ -10377,7 +12511,7 @@
             </a:pPr>
             <a:fld id="{00000000-1234-1234-1234-123412341234}" type="slidenum">
               <a:rPr lang="en" smtClean="0"/>
-              <a:t>26</a:t>
+              <a:t>35</a:t>
             </a:fld>
             <a:endParaRPr lang="en"/>
           </a:p>
@@ -10426,7 +12560,7 @@
 </p:sld>
 </file>
 
-<file path=ppt/slides/slide27.xml><?xml version="1.0" encoding="utf-8"?>
+<file path=ppt/slides/slide36.xml><?xml version="1.0" encoding="utf-8"?>
 <p:sld xmlns:a="http://schemas.openxmlformats.org/drawingml/2006/main" xmlns:r="http://schemas.openxmlformats.org/officeDocument/2006/relationships" xmlns:p="http://schemas.openxmlformats.org/presentationml/2006/main">
   <p:cSld>
     <p:spTree>
@@ -10504,7 +12638,7 @@
             </a:pPr>
             <a:fld id="{00000000-1234-1234-1234-123412341234}" type="slidenum">
               <a:rPr lang="en" smtClean="0"/>
-              <a:t>27</a:t>
+              <a:t>36</a:t>
             </a:fld>
             <a:endParaRPr lang="en"/>
           </a:p>
@@ -10553,7 +12687,7 @@
 </p:sld>
 </file>
 
-<file path=ppt/slides/slide28.xml><?xml version="1.0" encoding="utf-8"?>
+<file path=ppt/slides/slide37.xml><?xml version="1.0" encoding="utf-8"?>
 <p:sld xmlns:a="http://schemas.openxmlformats.org/drawingml/2006/main" xmlns:r="http://schemas.openxmlformats.org/officeDocument/2006/relationships" xmlns:p="http://schemas.openxmlformats.org/presentationml/2006/main">
   <p:cSld>
     <p:spTree>
@@ -10668,7 +12802,7 @@
             </a:pPr>
             <a:fld id="{00000000-1234-1234-1234-123412341234}" type="slidenum">
               <a:rPr lang="en" smtClean="0"/>
-              <a:t>28</a:t>
+              <a:t>37</a:t>
             </a:fld>
             <a:endParaRPr lang="en"/>
           </a:p>
@@ -10717,421 +12851,7 @@
 </p:sld>
 </file>
 
-<file path=ppt/slides/slide29.xml><?xml version="1.0" encoding="utf-8"?>
-<p:sld xmlns:a="http://schemas.openxmlformats.org/drawingml/2006/main" xmlns:r="http://schemas.openxmlformats.org/officeDocument/2006/relationships" xmlns:p="http://schemas.openxmlformats.org/presentationml/2006/main">
-  <p:cSld>
-    <p:spTree>
-      <p:nvGrpSpPr>
-        <p:cNvPr id="1" name=""/>
-        <p:cNvGrpSpPr/>
-        <p:nvPr/>
-      </p:nvGrpSpPr>
-      <p:grpSpPr>
-        <a:xfrm>
-          <a:off x="0" y="0"/>
-          <a:ext cx="0" cy="0"/>
-          <a:chOff x="0" y="0"/>
-          <a:chExt cx="0" cy="0"/>
-        </a:xfrm>
-      </p:grpSpPr>
-      <p:sp>
-        <p:nvSpPr>
-          <p:cNvPr id="5" name="Title 4">
-            <a:extLst>
-              <a:ext uri="{FF2B5EF4-FFF2-40B4-BE49-F238E27FC236}">
-                <a16:creationId xmlns:a16="http://schemas.microsoft.com/office/drawing/2014/main" id="{25675294-62E3-47FB-8B1E-57A73CB13061}"/>
-              </a:ext>
-            </a:extLst>
-          </p:cNvPr>
-          <p:cNvSpPr>
-            <a:spLocks noGrp="1"/>
-          </p:cNvSpPr>
-          <p:nvPr>
-            <p:ph type="title"/>
-          </p:nvPr>
-        </p:nvSpPr>
-        <p:spPr/>
-        <p:txBody>
-          <a:bodyPr/>
-          <a:lstStyle/>
-          <a:p>
-            <a:r>
-              <a:rPr lang="en-US" dirty="0"/>
-              <a:t>Input – Output</a:t>
-            </a:r>
-            <a:endParaRPr lang="en-ID" dirty="0"/>
-          </a:p>
-        </p:txBody>
-      </p:sp>
-      <p:sp>
-        <p:nvSpPr>
-          <p:cNvPr id="4" name="Slide Number Placeholder 3">
-            <a:extLst>
-              <a:ext uri="{FF2B5EF4-FFF2-40B4-BE49-F238E27FC236}">
-                <a16:creationId xmlns:a16="http://schemas.microsoft.com/office/drawing/2014/main" id="{E8FCA5D7-85D4-4E15-A426-05469F609679}"/>
-              </a:ext>
-            </a:extLst>
-          </p:cNvPr>
-          <p:cNvSpPr>
-            <a:spLocks noGrp="1"/>
-          </p:cNvSpPr>
-          <p:nvPr>
-            <p:ph type="sldNum" idx="12"/>
-          </p:nvPr>
-        </p:nvSpPr>
-        <p:spPr/>
-        <p:txBody>
-          <a:bodyPr/>
-          <a:lstStyle/>
-          <a:p>
-            <a:pPr marL="0" lvl="0" indent="0" algn="r" rtl="0">
-              <a:spcBef>
-                <a:spcPts val="0"/>
-              </a:spcBef>
-              <a:spcAft>
-                <a:spcPts val="0"/>
-              </a:spcAft>
-              <a:buNone/>
-            </a:pPr>
-            <a:fld id="{00000000-1234-1234-1234-123412341234}" type="slidenum">
-              <a:rPr lang="en" smtClean="0"/>
-              <a:t>29</a:t>
-            </a:fld>
-            <a:endParaRPr lang="en"/>
-          </a:p>
-        </p:txBody>
-      </p:sp>
-      <p:pic>
-        <p:nvPicPr>
-          <p:cNvPr id="7" name="Picture 6">
-            <a:extLst>
-              <a:ext uri="{FF2B5EF4-FFF2-40B4-BE49-F238E27FC236}">
-                <a16:creationId xmlns:a16="http://schemas.microsoft.com/office/drawing/2014/main" id="{A447D25B-202F-40BE-B5E7-4AB3FAE2EC04}"/>
-              </a:ext>
-            </a:extLst>
-          </p:cNvPr>
-          <p:cNvPicPr>
-            <a:picLocks noChangeAspect="1"/>
-          </p:cNvPicPr>
-          <p:nvPr/>
-        </p:nvPicPr>
-        <p:blipFill>
-          <a:blip r:embed="rId2"/>
-          <a:stretch>
-            <a:fillRect/>
-          </a:stretch>
-        </p:blipFill>
-        <p:spPr>
-          <a:xfrm>
-            <a:off x="814274" y="1335612"/>
-            <a:ext cx="4976926" cy="3543396"/>
-          </a:xfrm>
-          <a:prstGeom prst="rect">
-            <a:avLst/>
-          </a:prstGeom>
-        </p:spPr>
-      </p:pic>
-    </p:spTree>
-    <p:extLst>
-      <p:ext uri="{BB962C8B-B14F-4D97-AF65-F5344CB8AC3E}">
-        <p14:creationId xmlns:p14="http://schemas.microsoft.com/office/powerpoint/2010/main" val="2854571319"/>
-      </p:ext>
-    </p:extLst>
-  </p:cSld>
-  <p:clrMapOvr>
-    <a:masterClrMapping/>
-  </p:clrMapOvr>
-</p:sld>
-</file>
-
-<file path=ppt/slides/slide3.xml><?xml version="1.0" encoding="utf-8"?>
-<p:sld xmlns:a="http://schemas.openxmlformats.org/drawingml/2006/main" xmlns:r="http://schemas.openxmlformats.org/officeDocument/2006/relationships" xmlns:p="http://schemas.openxmlformats.org/presentationml/2006/main">
-  <p:cSld>
-    <p:spTree>
-      <p:nvGrpSpPr>
-        <p:cNvPr id="1" name=""/>
-        <p:cNvGrpSpPr/>
-        <p:nvPr/>
-      </p:nvGrpSpPr>
-      <p:grpSpPr>
-        <a:xfrm>
-          <a:off x="0" y="0"/>
-          <a:ext cx="0" cy="0"/>
-          <a:chOff x="0" y="0"/>
-          <a:chExt cx="0" cy="0"/>
-        </a:xfrm>
-      </p:grpSpPr>
-      <p:sp>
-        <p:nvSpPr>
-          <p:cNvPr id="5" name="Title 4">
-            <a:extLst>
-              <a:ext uri="{FF2B5EF4-FFF2-40B4-BE49-F238E27FC236}">
-                <a16:creationId xmlns:a16="http://schemas.microsoft.com/office/drawing/2014/main" id="{8A8C79F1-10AF-4D31-96C8-EA186408F2B6}"/>
-              </a:ext>
-            </a:extLst>
-          </p:cNvPr>
-          <p:cNvSpPr>
-            <a:spLocks noGrp="1"/>
-          </p:cNvSpPr>
-          <p:nvPr>
-            <p:ph type="title"/>
-          </p:nvPr>
-        </p:nvSpPr>
-        <p:spPr/>
-        <p:txBody>
-          <a:bodyPr/>
-          <a:lstStyle/>
-          <a:p>
-            <a:r>
-              <a:rPr lang="en-US" dirty="0"/>
-              <a:t>Java Introduction</a:t>
-            </a:r>
-            <a:endParaRPr lang="en-ID" dirty="0"/>
-          </a:p>
-        </p:txBody>
-      </p:sp>
-      <p:sp>
-        <p:nvSpPr>
-          <p:cNvPr id="6" name="Text Placeholder 5">
-            <a:extLst>
-              <a:ext uri="{FF2B5EF4-FFF2-40B4-BE49-F238E27FC236}">
-                <a16:creationId xmlns:a16="http://schemas.microsoft.com/office/drawing/2014/main" id="{4223038A-8DB8-4C79-A059-21C5697F6F73}"/>
-              </a:ext>
-            </a:extLst>
-          </p:cNvPr>
-          <p:cNvSpPr>
-            <a:spLocks noGrp="1"/>
-          </p:cNvSpPr>
-          <p:nvPr>
-            <p:ph type="body" idx="1"/>
-          </p:nvPr>
-        </p:nvSpPr>
-        <p:spPr/>
-        <p:txBody>
-          <a:bodyPr/>
-          <a:lstStyle/>
-          <a:p>
-            <a:r>
-              <a:rPr lang="en-US" sz="2000" b="1" dirty="0"/>
-              <a:t>Object</a:t>
-            </a:r>
-            <a:r>
-              <a:rPr lang="en-US" sz="2000" dirty="0"/>
-              <a:t> − Objects have states and behaviors.</a:t>
-            </a:r>
-          </a:p>
-          <a:p>
-            <a:r>
-              <a:rPr lang="en-US" sz="2000" b="1" dirty="0"/>
-              <a:t>Class</a:t>
-            </a:r>
-            <a:r>
-              <a:rPr lang="en-US" sz="2000" dirty="0"/>
-              <a:t> − A class can be defined as a template/blueprint that describes the behavior/state that the object of its type supports.</a:t>
-            </a:r>
-          </a:p>
-          <a:p>
-            <a:r>
-              <a:rPr lang="en-US" sz="2000" b="1" dirty="0"/>
-              <a:t>Methods</a:t>
-            </a:r>
-            <a:r>
-              <a:rPr lang="en-US" sz="2000" dirty="0"/>
-              <a:t> − A method is basically a behavior.</a:t>
-            </a:r>
-          </a:p>
-          <a:p>
-            <a:r>
-              <a:rPr lang="en-US" sz="2000" b="1" dirty="0"/>
-              <a:t>Instance Variables </a:t>
-            </a:r>
-            <a:r>
-              <a:rPr lang="en-US" sz="2000" dirty="0"/>
-              <a:t>− Each object has its unique set of instance variables.</a:t>
-            </a:r>
-            <a:endParaRPr lang="en-ID" sz="2000" dirty="0"/>
-          </a:p>
-        </p:txBody>
-      </p:sp>
-      <p:sp>
-        <p:nvSpPr>
-          <p:cNvPr id="4" name="Slide Number Placeholder 3">
-            <a:extLst>
-              <a:ext uri="{FF2B5EF4-FFF2-40B4-BE49-F238E27FC236}">
-                <a16:creationId xmlns:a16="http://schemas.microsoft.com/office/drawing/2014/main" id="{8736B9C5-4108-4304-9A33-147C403372DB}"/>
-              </a:ext>
-            </a:extLst>
-          </p:cNvPr>
-          <p:cNvSpPr>
-            <a:spLocks noGrp="1"/>
-          </p:cNvSpPr>
-          <p:nvPr>
-            <p:ph type="sldNum" idx="12"/>
-          </p:nvPr>
-        </p:nvSpPr>
-        <p:spPr/>
-        <p:txBody>
-          <a:bodyPr/>
-          <a:lstStyle/>
-          <a:p>
-            <a:pPr marL="0" lvl="0" indent="0" algn="r" rtl="0">
-              <a:spcBef>
-                <a:spcPts val="0"/>
-              </a:spcBef>
-              <a:spcAft>
-                <a:spcPts val="0"/>
-              </a:spcAft>
-              <a:buNone/>
-            </a:pPr>
-            <a:fld id="{00000000-1234-1234-1234-123412341234}" type="slidenum">
-              <a:rPr lang="en" smtClean="0"/>
-              <a:t>3</a:t>
-            </a:fld>
-            <a:endParaRPr lang="en"/>
-          </a:p>
-        </p:txBody>
-      </p:sp>
-    </p:spTree>
-    <p:extLst>
-      <p:ext uri="{BB962C8B-B14F-4D97-AF65-F5344CB8AC3E}">
-        <p14:creationId xmlns:p14="http://schemas.microsoft.com/office/powerpoint/2010/main" val="121364339"/>
-      </p:ext>
-    </p:extLst>
-  </p:cSld>
-  <p:clrMapOvr>
-    <a:masterClrMapping/>
-  </p:clrMapOvr>
-</p:sld>
-</file>
-
-<file path=ppt/slides/slide30.xml><?xml version="1.0" encoding="utf-8"?>
-<p:sld xmlns:a="http://schemas.openxmlformats.org/drawingml/2006/main" xmlns:r="http://schemas.openxmlformats.org/officeDocument/2006/relationships" xmlns:p="http://schemas.openxmlformats.org/presentationml/2006/main">
-  <p:cSld>
-    <p:spTree>
-      <p:nvGrpSpPr>
-        <p:cNvPr id="1" name=""/>
-        <p:cNvGrpSpPr/>
-        <p:nvPr/>
-      </p:nvGrpSpPr>
-      <p:grpSpPr>
-        <a:xfrm>
-          <a:off x="0" y="0"/>
-          <a:ext cx="0" cy="0"/>
-          <a:chOff x="0" y="0"/>
-          <a:chExt cx="0" cy="0"/>
-        </a:xfrm>
-      </p:grpSpPr>
-      <p:sp>
-        <p:nvSpPr>
-          <p:cNvPr id="2" name="Title 1">
-            <a:extLst>
-              <a:ext uri="{FF2B5EF4-FFF2-40B4-BE49-F238E27FC236}">
-                <a16:creationId xmlns:a16="http://schemas.microsoft.com/office/drawing/2014/main" id="{B56ED303-883E-4598-8068-0EEC2C1019F3}"/>
-              </a:ext>
-            </a:extLst>
-          </p:cNvPr>
-          <p:cNvSpPr>
-            <a:spLocks noGrp="1"/>
-          </p:cNvSpPr>
-          <p:nvPr>
-            <p:ph type="title"/>
-          </p:nvPr>
-        </p:nvSpPr>
-        <p:spPr/>
-        <p:txBody>
-          <a:bodyPr/>
-          <a:lstStyle/>
-          <a:p>
-            <a:r>
-              <a:rPr lang="en-US" dirty="0"/>
-              <a:t>Looping for</a:t>
-            </a:r>
-            <a:endParaRPr lang="en-ID" dirty="0"/>
-          </a:p>
-        </p:txBody>
-      </p:sp>
-      <p:pic>
-        <p:nvPicPr>
-          <p:cNvPr id="5" name="Picture 4">
-            <a:extLst>
-              <a:ext uri="{FF2B5EF4-FFF2-40B4-BE49-F238E27FC236}">
-                <a16:creationId xmlns:a16="http://schemas.microsoft.com/office/drawing/2014/main" id="{C312AD97-AA87-48AE-B221-F5CD25A99592}"/>
-              </a:ext>
-            </a:extLst>
-          </p:cNvPr>
-          <p:cNvPicPr>
-            <a:picLocks noChangeAspect="1"/>
-          </p:cNvPicPr>
-          <p:nvPr/>
-        </p:nvPicPr>
-        <p:blipFill>
-          <a:blip r:embed="rId2"/>
-          <a:stretch>
-            <a:fillRect/>
-          </a:stretch>
-        </p:blipFill>
-        <p:spPr>
-          <a:xfrm>
-            <a:off x="814274" y="1335158"/>
-            <a:ext cx="5924301" cy="3616942"/>
-          </a:xfrm>
-          <a:prstGeom prst="rect">
-            <a:avLst/>
-          </a:prstGeom>
-        </p:spPr>
-      </p:pic>
-      <p:sp>
-        <p:nvSpPr>
-          <p:cNvPr id="4" name="Slide Number Placeholder 3">
-            <a:extLst>
-              <a:ext uri="{FF2B5EF4-FFF2-40B4-BE49-F238E27FC236}">
-                <a16:creationId xmlns:a16="http://schemas.microsoft.com/office/drawing/2014/main" id="{143991D9-D199-4A8B-96AB-C4FEA488C9A9}"/>
-              </a:ext>
-            </a:extLst>
-          </p:cNvPr>
-          <p:cNvSpPr>
-            <a:spLocks noGrp="1"/>
-          </p:cNvSpPr>
-          <p:nvPr>
-            <p:ph type="sldNum" idx="12"/>
-          </p:nvPr>
-        </p:nvSpPr>
-        <p:spPr/>
-        <p:txBody>
-          <a:bodyPr/>
-          <a:lstStyle/>
-          <a:p>
-            <a:pPr marL="0" lvl="0" indent="0" algn="r" rtl="0">
-              <a:spcBef>
-                <a:spcPts val="0"/>
-              </a:spcBef>
-              <a:spcAft>
-                <a:spcPts val="0"/>
-              </a:spcAft>
-              <a:buNone/>
-            </a:pPr>
-            <a:fld id="{00000000-1234-1234-1234-123412341234}" type="slidenum">
-              <a:rPr lang="en" smtClean="0"/>
-              <a:t>30</a:t>
-            </a:fld>
-            <a:endParaRPr lang="en"/>
-          </a:p>
-        </p:txBody>
-      </p:sp>
-    </p:spTree>
-    <p:extLst>
-      <p:ext uri="{BB962C8B-B14F-4D97-AF65-F5344CB8AC3E}">
-        <p14:creationId xmlns:p14="http://schemas.microsoft.com/office/powerpoint/2010/main" val="2089668192"/>
-      </p:ext>
-    </p:extLst>
-  </p:cSld>
-  <p:clrMapOvr>
-    <a:masterClrMapping/>
-  </p:clrMapOvr>
-</p:sld>
-</file>
-
-<file path=ppt/slides/slide31.xml><?xml version="1.0" encoding="utf-8"?>
+<file path=ppt/slides/slide38.xml><?xml version="1.0" encoding="utf-8"?>
 <p:sld xmlns:a="http://schemas.openxmlformats.org/drawingml/2006/main" xmlns:r="http://schemas.openxmlformats.org/officeDocument/2006/relationships" xmlns:p="http://schemas.openxmlformats.org/presentationml/2006/main">
   <p:cSld>
     <p:spTree>
@@ -11200,7 +12920,7 @@
           <a:p>
             <a:r>
               <a:rPr lang="en-US" dirty="0"/>
-              <a:t>Logic - 01</a:t>
+              <a:t>Study Case – Logic 01</a:t>
             </a:r>
             <a:endParaRPr lang="en-ID" dirty="0"/>
           </a:p>
@@ -11238,7 +12958,7 @@
             </a:pPr>
             <a:fld id="{00000000-1234-1234-1234-123412341234}" type="slidenum">
               <a:rPr lang="en" smtClean="0"/>
-              <a:t>31</a:t>
+              <a:t>38</a:t>
             </a:fld>
             <a:endParaRPr lang="en"/>
           </a:p>
@@ -11294,7 +13014,7 @@
                 <a:cs typeface="Roboto Condensed"/>
                 <a:sym typeface="Roboto Condensed"/>
               </a:rPr>
-              <a:t>3</a:t>
+              <a:t>7</a:t>
             </a:r>
             <a:endParaRPr sz="3000" b="1" dirty="0">
               <a:solidFill>
@@ -11321,7 +13041,7 @@
 </p:sld>
 </file>
 
-<file path=ppt/slides/slide32.xml><?xml version="1.0" encoding="utf-8"?>
+<file path=ppt/slides/slide39.xml><?xml version="1.0" encoding="utf-8"?>
 <p:sld xmlns:a="http://schemas.openxmlformats.org/drawingml/2006/main" xmlns:r="http://schemas.openxmlformats.org/officeDocument/2006/relationships" xmlns:p="http://schemas.openxmlformats.org/presentationml/2006/main">
   <p:cSld>
     <p:spTree>
@@ -11361,7 +13081,7 @@
           <a:p>
             <a:r>
               <a:rPr lang="en-US" dirty="0"/>
-              <a:t>Case Study</a:t>
+              <a:t>Case Study – Logic 01</a:t>
             </a:r>
             <a:endParaRPr lang="en-ID" dirty="0"/>
           </a:p>
@@ -11399,7 +13119,7 @@
             </a:pPr>
             <a:fld id="{00000000-1234-1234-1234-123412341234}" type="slidenum">
               <a:rPr lang="en" smtClean="0"/>
-              <a:t>32</a:t>
+              <a:t>39</a:t>
             </a:fld>
             <a:endParaRPr lang="en"/>
           </a:p>
@@ -11448,7 +13168,197 @@
 </p:sld>
 </file>
 
-<file path=ppt/slides/slide33.xml><?xml version="1.0" encoding="utf-8"?>
+<file path=ppt/slides/slide4.xml><?xml version="1.0" encoding="utf-8"?>
+<p:sld xmlns:a="http://schemas.openxmlformats.org/drawingml/2006/main" xmlns:r="http://schemas.openxmlformats.org/officeDocument/2006/relationships" xmlns:p="http://schemas.openxmlformats.org/presentationml/2006/main">
+  <p:cSld>
+    <p:spTree>
+      <p:nvGrpSpPr>
+        <p:cNvPr id="1" name=""/>
+        <p:cNvGrpSpPr/>
+        <p:nvPr/>
+      </p:nvGrpSpPr>
+      <p:grpSpPr>
+        <a:xfrm>
+          <a:off x="0" y="0"/>
+          <a:ext cx="0" cy="0"/>
+          <a:chOff x="0" y="0"/>
+          <a:chExt cx="0" cy="0"/>
+        </a:xfrm>
+      </p:grpSpPr>
+      <p:sp>
+        <p:nvSpPr>
+          <p:cNvPr id="2" name="Title 1">
+            <a:extLst>
+              <a:ext uri="{FF2B5EF4-FFF2-40B4-BE49-F238E27FC236}">
+                <a16:creationId xmlns:a16="http://schemas.microsoft.com/office/drawing/2014/main" id="{E1C4B97A-B25F-41FC-AB69-42B4BFB8A996}"/>
+              </a:ext>
+            </a:extLst>
+          </p:cNvPr>
+          <p:cNvSpPr>
+            <a:spLocks noGrp="1"/>
+          </p:cNvSpPr>
+          <p:nvPr>
+            <p:ph type="ctrTitle"/>
+          </p:nvPr>
+        </p:nvSpPr>
+        <p:spPr/>
+        <p:txBody>
+          <a:bodyPr/>
+          <a:lstStyle/>
+          <a:p>
+            <a:r>
+              <a:rPr lang="en-US" dirty="0"/>
+              <a:t>Day 01</a:t>
+            </a:r>
+            <a:endParaRPr lang="en-ID" dirty="0"/>
+          </a:p>
+        </p:txBody>
+      </p:sp>
+      <p:sp>
+        <p:nvSpPr>
+          <p:cNvPr id="3" name="Subtitle 2">
+            <a:extLst>
+              <a:ext uri="{FF2B5EF4-FFF2-40B4-BE49-F238E27FC236}">
+                <a16:creationId xmlns:a16="http://schemas.microsoft.com/office/drawing/2014/main" id="{B2DE4C9C-75AD-4D02-B515-6766EA1A235B}"/>
+              </a:ext>
+            </a:extLst>
+          </p:cNvPr>
+          <p:cNvSpPr>
+            <a:spLocks noGrp="1"/>
+          </p:cNvSpPr>
+          <p:nvPr>
+            <p:ph type="subTitle" idx="1"/>
+          </p:nvPr>
+        </p:nvSpPr>
+        <p:spPr/>
+        <p:txBody>
+          <a:bodyPr/>
+          <a:lstStyle/>
+          <a:p>
+            <a:r>
+              <a:rPr lang="en-US" dirty="0"/>
+              <a:t>Java Structure</a:t>
+            </a:r>
+            <a:endParaRPr lang="en-ID" dirty="0"/>
+          </a:p>
+        </p:txBody>
+      </p:sp>
+      <p:sp>
+        <p:nvSpPr>
+          <p:cNvPr id="4" name="Slide Number Placeholder 3">
+            <a:extLst>
+              <a:ext uri="{FF2B5EF4-FFF2-40B4-BE49-F238E27FC236}">
+                <a16:creationId xmlns:a16="http://schemas.microsoft.com/office/drawing/2014/main" id="{916DB1F4-E56E-40F8-BE83-A77BD1B29ED2}"/>
+              </a:ext>
+            </a:extLst>
+          </p:cNvPr>
+          <p:cNvSpPr>
+            <a:spLocks noGrp="1"/>
+          </p:cNvSpPr>
+          <p:nvPr>
+            <p:ph type="sldNum" idx="12"/>
+          </p:nvPr>
+        </p:nvSpPr>
+        <p:spPr/>
+        <p:txBody>
+          <a:bodyPr/>
+          <a:lstStyle/>
+          <a:p>
+            <a:pPr marL="0" lvl="0" indent="0" algn="r" rtl="0">
+              <a:spcBef>
+                <a:spcPts val="0"/>
+              </a:spcBef>
+              <a:spcAft>
+                <a:spcPts val="0"/>
+              </a:spcAft>
+              <a:buNone/>
+            </a:pPr>
+            <a:fld id="{00000000-1234-1234-1234-123412341234}" type="slidenum">
+              <a:rPr lang="en" smtClean="0"/>
+              <a:t>4</a:t>
+            </a:fld>
+            <a:endParaRPr lang="en"/>
+          </a:p>
+        </p:txBody>
+      </p:sp>
+      <p:sp>
+        <p:nvSpPr>
+          <p:cNvPr id="5" name="Google Shape;224;p14">
+            <a:extLst>
+              <a:ext uri="{FF2B5EF4-FFF2-40B4-BE49-F238E27FC236}">
+                <a16:creationId xmlns:a16="http://schemas.microsoft.com/office/drawing/2014/main" id="{5FDF6675-7522-494F-BFC9-DCE4FBB03259}"/>
+              </a:ext>
+            </a:extLst>
+          </p:cNvPr>
+          <p:cNvSpPr txBox="1"/>
+          <p:nvPr/>
+        </p:nvSpPr>
+        <p:spPr>
+          <a:xfrm>
+            <a:off x="463525" y="0"/>
+            <a:ext cx="2181600" cy="3136200"/>
+          </a:xfrm>
+          <a:prstGeom prst="rect">
+            <a:avLst/>
+          </a:prstGeom>
+          <a:noFill/>
+          <a:ln>
+            <a:noFill/>
+          </a:ln>
+        </p:spPr>
+        <p:txBody>
+          <a:bodyPr spcFirstLastPara="1" wrap="square" lIns="91425" tIns="91425" rIns="91425" bIns="91425" anchor="b" anchorCtr="0">
+            <a:noAutofit/>
+          </a:bodyPr>
+          <a:lstStyle/>
+          <a:p>
+            <a:pPr marL="0" lvl="0" indent="0" algn="l" rtl="0">
+              <a:spcBef>
+                <a:spcPts val="0"/>
+              </a:spcBef>
+              <a:spcAft>
+                <a:spcPts val="0"/>
+              </a:spcAft>
+              <a:buNone/>
+            </a:pPr>
+            <a:r>
+              <a:rPr lang="en" sz="12000" b="1" dirty="0">
+                <a:solidFill>
+                  <a:srgbClr val="3F5378"/>
+                </a:solidFill>
+                <a:latin typeface="Roboto Condensed"/>
+                <a:ea typeface="Roboto Condensed"/>
+                <a:cs typeface="Roboto Condensed"/>
+                <a:sym typeface="Roboto Condensed"/>
+              </a:rPr>
+              <a:t>2</a:t>
+            </a:r>
+            <a:endParaRPr sz="3000" b="1" dirty="0">
+              <a:solidFill>
+                <a:srgbClr val="3F5378"/>
+              </a:solidFill>
+              <a:latin typeface="Roboto Condensed"/>
+              <a:ea typeface="Roboto Condensed"/>
+              <a:cs typeface="Roboto Condensed"/>
+              <a:sym typeface="Roboto Condensed"/>
+            </a:endParaRPr>
+          </a:p>
+        </p:txBody>
+      </p:sp>
+    </p:spTree>
+    <p:extLst>
+      <p:ext uri="{BB962C8B-B14F-4D97-AF65-F5344CB8AC3E}">
+        <p14:creationId xmlns:p14="http://schemas.microsoft.com/office/powerpoint/2010/main" val="497985532"/>
+      </p:ext>
+    </p:extLst>
+  </p:cSld>
+  <p:clrMapOvr>
+    <a:masterClrMapping/>
+  </p:clrMapOvr>
+</p:sld>
+</file>
+
+<file path=ppt/slides/slide40.xml><?xml version="1.0" encoding="utf-8"?>
 <p:sld xmlns:a="http://schemas.openxmlformats.org/drawingml/2006/main" xmlns:r="http://schemas.openxmlformats.org/officeDocument/2006/relationships" xmlns:p="http://schemas.openxmlformats.org/presentationml/2006/main">
   <p:cSld>
     <p:spTree>
@@ -11534,7 +13444,7 @@
             </a:pPr>
             <a:fld id="{00000000-1234-1234-1234-123412341234}" type="slidenum">
               <a:rPr lang="en" smtClean="0"/>
-              <a:t>33</a:t>
+              <a:t>40</a:t>
             </a:fld>
             <a:endParaRPr lang="en"/>
           </a:p>
@@ -11583,7 +13493,7 @@
 </p:sld>
 </file>
 
-<file path=ppt/slides/slide4.xml><?xml version="1.0" encoding="utf-8"?>
+<file path=ppt/slides/slide41.xml><?xml version="1.0" encoding="utf-8"?>
 <p:sld xmlns:a="http://schemas.openxmlformats.org/drawingml/2006/main" xmlns:r="http://schemas.openxmlformats.org/officeDocument/2006/relationships" xmlns:p="http://schemas.openxmlformats.org/presentationml/2006/main">
   <p:cSld>
     <p:spTree>
@@ -11602,125 +13512,10 @@
       </p:grpSpPr>
       <p:sp>
         <p:nvSpPr>
-          <p:cNvPr id="2" name="Title 1">
-            <a:extLst>
-              <a:ext uri="{FF2B5EF4-FFF2-40B4-BE49-F238E27FC236}">
-                <a16:creationId xmlns:a16="http://schemas.microsoft.com/office/drawing/2014/main" id="{0787991E-E8C6-47E2-8E8D-4AF82B24EB99}"/>
-              </a:ext>
-            </a:extLst>
-          </p:cNvPr>
-          <p:cNvSpPr>
-            <a:spLocks noGrp="1"/>
-          </p:cNvSpPr>
-          <p:nvPr>
-            <p:ph type="title"/>
-          </p:nvPr>
-        </p:nvSpPr>
-        <p:spPr/>
-        <p:txBody>
-          <a:bodyPr/>
-          <a:lstStyle/>
-          <a:p>
-            <a:r>
-              <a:rPr lang="en-US" dirty="0"/>
-              <a:t>Java – Basic Syntax</a:t>
-            </a:r>
-            <a:endParaRPr lang="en-ID" dirty="0"/>
-          </a:p>
-        </p:txBody>
-      </p:sp>
-      <p:sp>
-        <p:nvSpPr>
-          <p:cNvPr id="3" name="Text Placeholder 2">
-            <a:extLst>
-              <a:ext uri="{FF2B5EF4-FFF2-40B4-BE49-F238E27FC236}">
-                <a16:creationId xmlns:a16="http://schemas.microsoft.com/office/drawing/2014/main" id="{BDA0354D-F7B6-48C9-B6D5-5269238798D3}"/>
-              </a:ext>
-            </a:extLst>
-          </p:cNvPr>
-          <p:cNvSpPr>
-            <a:spLocks noGrp="1"/>
-          </p:cNvSpPr>
-          <p:nvPr>
-            <p:ph type="body" idx="1"/>
-          </p:nvPr>
-        </p:nvSpPr>
-        <p:spPr>
-          <a:xfrm>
-            <a:off x="814275" y="1327350"/>
-            <a:ext cx="6132600" cy="3309150"/>
-          </a:xfrm>
-        </p:spPr>
-        <p:txBody>
-          <a:bodyPr/>
-          <a:lstStyle/>
-          <a:p>
-            <a:r>
-              <a:rPr lang="en-US" sz="1600" b="1" dirty="0"/>
-              <a:t>Case Sensitivity </a:t>
-            </a:r>
-            <a:r>
-              <a:rPr lang="en-US" sz="1600" dirty="0"/>
-              <a:t>− Java is case sensitive.</a:t>
-            </a:r>
-          </a:p>
-          <a:p>
-            <a:r>
-              <a:rPr lang="en-US" sz="1600" b="1" dirty="0"/>
-              <a:t>Class Names </a:t>
-            </a:r>
-            <a:r>
-              <a:rPr lang="en-US" sz="1600" dirty="0"/>
-              <a:t>− For all class names the first letter should be in Upper Case. If several words are used to form a name of the class, each inner word's first letter should be in Upper Case.</a:t>
-            </a:r>
-          </a:p>
-          <a:p>
-            <a:r>
-              <a:rPr lang="en-US" sz="1600" b="1" dirty="0"/>
-              <a:t>Method Names </a:t>
-            </a:r>
-            <a:r>
-              <a:rPr lang="en-US" sz="1600" dirty="0"/>
-              <a:t>− All method names should start with a Lower Case letter. If several words are used to form the name of the method, then each inner word's first letter should be in Upper Case.</a:t>
-            </a:r>
-          </a:p>
-          <a:p>
-            <a:r>
-              <a:rPr lang="en-US" sz="1600" b="1" dirty="0"/>
-              <a:t>Program File Name </a:t>
-            </a:r>
-            <a:r>
-              <a:rPr lang="en-US" sz="1600" dirty="0"/>
-              <a:t>− Name of the program file should exactly match the class name.</a:t>
-            </a:r>
-          </a:p>
-          <a:p>
-            <a:r>
-              <a:rPr lang="en-US" sz="1600" b="1" dirty="0"/>
-              <a:t>public static void main(String </a:t>
-            </a:r>
-            <a:r>
-              <a:rPr lang="en-US" sz="1600" b="1" dirty="0" err="1"/>
-              <a:t>args</a:t>
-            </a:r>
-            <a:r>
-              <a:rPr lang="en-US" sz="1600" b="1" dirty="0"/>
-              <a:t>[]) </a:t>
-            </a:r>
-            <a:r>
-              <a:rPr lang="en-US" sz="1600" dirty="0"/>
-              <a:t>− Java program processing starts from the main() method which is a mandatory part of every Java program.</a:t>
-            </a:r>
-            <a:endParaRPr lang="en-ID" sz="1600" dirty="0"/>
-          </a:p>
-        </p:txBody>
-      </p:sp>
-      <p:sp>
-        <p:nvSpPr>
           <p:cNvPr id="4" name="Slide Number Placeholder 3">
             <a:extLst>
               <a:ext uri="{FF2B5EF4-FFF2-40B4-BE49-F238E27FC236}">
-                <a16:creationId xmlns:a16="http://schemas.microsoft.com/office/drawing/2014/main" id="{7F014451-6722-41EF-BF4C-E3A5A498AC53}"/>
+                <a16:creationId xmlns:a16="http://schemas.microsoft.com/office/drawing/2014/main" id="{1D917FBD-8F02-4F84-B83E-CB15A021E041}"/>
               </a:ext>
             </a:extLst>
           </p:cNvPr>
@@ -11747,16 +13542,2480 @@
             </a:pPr>
             <a:fld id="{00000000-1234-1234-1234-123412341234}" type="slidenum">
               <a:rPr lang="en" smtClean="0"/>
-              <a:t>4</a:t>
+              <a:t>41</a:t>
             </a:fld>
             <a:endParaRPr lang="en"/>
           </a:p>
         </p:txBody>
       </p:sp>
+      <p:sp>
+        <p:nvSpPr>
+          <p:cNvPr id="5" name="Google Shape;503;p34">
+            <a:extLst>
+              <a:ext uri="{FF2B5EF4-FFF2-40B4-BE49-F238E27FC236}">
+                <a16:creationId xmlns:a16="http://schemas.microsoft.com/office/drawing/2014/main" id="{64C52E7A-18A0-4041-8A0C-52D22B1F9F0B}"/>
+              </a:ext>
+            </a:extLst>
+          </p:cNvPr>
+          <p:cNvSpPr txBox="1">
+            <a:spLocks/>
+          </p:cNvSpPr>
+          <p:nvPr/>
+        </p:nvSpPr>
+        <p:spPr>
+          <a:xfrm>
+            <a:off x="1275150" y="2364400"/>
+            <a:ext cx="6593700" cy="1159800"/>
+          </a:xfrm>
+          <a:prstGeom prst="rect">
+            <a:avLst/>
+          </a:prstGeom>
+          <a:noFill/>
+          <a:ln>
+            <a:noFill/>
+          </a:ln>
+        </p:spPr>
+        <p:txBody>
+          <a:bodyPr spcFirstLastPara="1" wrap="square" lIns="91425" tIns="91425" rIns="91425" bIns="91425" anchor="ctr" anchorCtr="0">
+            <a:noAutofit/>
+          </a:bodyPr>
+          <a:lstStyle>
+            <a:defPPr marR="0" lvl="0" algn="l" rtl="0">
+              <a:lnSpc>
+                <a:spcPct val="100000"/>
+              </a:lnSpc>
+              <a:spcBef>
+                <a:spcPts val="0"/>
+              </a:spcBef>
+              <a:spcAft>
+                <a:spcPts val="0"/>
+              </a:spcAft>
+            </a:defPPr>
+            <a:lvl1pPr marR="0" lvl="0" algn="l" rtl="0">
+              <a:lnSpc>
+                <a:spcPct val="100000"/>
+              </a:lnSpc>
+              <a:spcBef>
+                <a:spcPts val="0"/>
+              </a:spcBef>
+              <a:spcAft>
+                <a:spcPts val="0"/>
+              </a:spcAft>
+              <a:buClr>
+                <a:srgbClr val="FFFFFF"/>
+              </a:buClr>
+              <a:buSzPts val="2000"/>
+              <a:buFont typeface="Roboto Condensed"/>
+              <a:buNone/>
+              <a:defRPr sz="2000" b="1" i="0" u="none" strike="noStrike" cap="none">
+                <a:solidFill>
+                  <a:srgbClr val="FFFFFF"/>
+                </a:solidFill>
+                <a:latin typeface="Roboto Condensed"/>
+                <a:ea typeface="Roboto Condensed"/>
+                <a:cs typeface="Roboto Condensed"/>
+                <a:sym typeface="Roboto Condensed"/>
+              </a:defRPr>
+            </a:lvl1pPr>
+            <a:lvl2pPr marR="0" lvl="1" algn="l" rtl="0">
+              <a:lnSpc>
+                <a:spcPct val="100000"/>
+              </a:lnSpc>
+              <a:spcBef>
+                <a:spcPts val="0"/>
+              </a:spcBef>
+              <a:spcAft>
+                <a:spcPts val="0"/>
+              </a:spcAft>
+              <a:buClr>
+                <a:srgbClr val="FFFFFF"/>
+              </a:buClr>
+              <a:buSzPts val="2000"/>
+              <a:buFont typeface="Roboto Condensed"/>
+              <a:buNone/>
+              <a:defRPr sz="2000" b="1" i="0" u="none" strike="noStrike" cap="none">
+                <a:solidFill>
+                  <a:srgbClr val="FFFFFF"/>
+                </a:solidFill>
+                <a:latin typeface="Roboto Condensed"/>
+                <a:ea typeface="Roboto Condensed"/>
+                <a:cs typeface="Roboto Condensed"/>
+                <a:sym typeface="Roboto Condensed"/>
+              </a:defRPr>
+            </a:lvl2pPr>
+            <a:lvl3pPr marR="0" lvl="2" algn="l" rtl="0">
+              <a:lnSpc>
+                <a:spcPct val="100000"/>
+              </a:lnSpc>
+              <a:spcBef>
+                <a:spcPts val="0"/>
+              </a:spcBef>
+              <a:spcAft>
+                <a:spcPts val="0"/>
+              </a:spcAft>
+              <a:buClr>
+                <a:srgbClr val="FFFFFF"/>
+              </a:buClr>
+              <a:buSzPts val="2000"/>
+              <a:buFont typeface="Roboto Condensed"/>
+              <a:buNone/>
+              <a:defRPr sz="2000" b="1" i="0" u="none" strike="noStrike" cap="none">
+                <a:solidFill>
+                  <a:srgbClr val="FFFFFF"/>
+                </a:solidFill>
+                <a:latin typeface="Roboto Condensed"/>
+                <a:ea typeface="Roboto Condensed"/>
+                <a:cs typeface="Roboto Condensed"/>
+                <a:sym typeface="Roboto Condensed"/>
+              </a:defRPr>
+            </a:lvl3pPr>
+            <a:lvl4pPr marR="0" lvl="3" algn="l" rtl="0">
+              <a:lnSpc>
+                <a:spcPct val="100000"/>
+              </a:lnSpc>
+              <a:spcBef>
+                <a:spcPts val="0"/>
+              </a:spcBef>
+              <a:spcAft>
+                <a:spcPts val="0"/>
+              </a:spcAft>
+              <a:buClr>
+                <a:srgbClr val="FFFFFF"/>
+              </a:buClr>
+              <a:buSzPts val="2000"/>
+              <a:buFont typeface="Roboto Condensed"/>
+              <a:buNone/>
+              <a:defRPr sz="2000" b="1" i="0" u="none" strike="noStrike" cap="none">
+                <a:solidFill>
+                  <a:srgbClr val="FFFFFF"/>
+                </a:solidFill>
+                <a:latin typeface="Roboto Condensed"/>
+                <a:ea typeface="Roboto Condensed"/>
+                <a:cs typeface="Roboto Condensed"/>
+                <a:sym typeface="Roboto Condensed"/>
+              </a:defRPr>
+            </a:lvl4pPr>
+            <a:lvl5pPr marR="0" lvl="4" algn="l" rtl="0">
+              <a:lnSpc>
+                <a:spcPct val="100000"/>
+              </a:lnSpc>
+              <a:spcBef>
+                <a:spcPts val="0"/>
+              </a:spcBef>
+              <a:spcAft>
+                <a:spcPts val="0"/>
+              </a:spcAft>
+              <a:buClr>
+                <a:srgbClr val="FFFFFF"/>
+              </a:buClr>
+              <a:buSzPts val="2000"/>
+              <a:buFont typeface="Roboto Condensed"/>
+              <a:buNone/>
+              <a:defRPr sz="2000" b="1" i="0" u="none" strike="noStrike" cap="none">
+                <a:solidFill>
+                  <a:srgbClr val="FFFFFF"/>
+                </a:solidFill>
+                <a:latin typeface="Roboto Condensed"/>
+                <a:ea typeface="Roboto Condensed"/>
+                <a:cs typeface="Roboto Condensed"/>
+                <a:sym typeface="Roboto Condensed"/>
+              </a:defRPr>
+            </a:lvl5pPr>
+            <a:lvl6pPr marR="0" lvl="5" algn="l" rtl="0">
+              <a:lnSpc>
+                <a:spcPct val="100000"/>
+              </a:lnSpc>
+              <a:spcBef>
+                <a:spcPts val="0"/>
+              </a:spcBef>
+              <a:spcAft>
+                <a:spcPts val="0"/>
+              </a:spcAft>
+              <a:buClr>
+                <a:srgbClr val="FFFFFF"/>
+              </a:buClr>
+              <a:buSzPts val="2000"/>
+              <a:buFont typeface="Roboto Condensed"/>
+              <a:buNone/>
+              <a:defRPr sz="2000" b="1" i="0" u="none" strike="noStrike" cap="none">
+                <a:solidFill>
+                  <a:srgbClr val="FFFFFF"/>
+                </a:solidFill>
+                <a:latin typeface="Roboto Condensed"/>
+                <a:ea typeface="Roboto Condensed"/>
+                <a:cs typeface="Roboto Condensed"/>
+                <a:sym typeface="Roboto Condensed"/>
+              </a:defRPr>
+            </a:lvl6pPr>
+            <a:lvl7pPr marR="0" lvl="6" algn="l" rtl="0">
+              <a:lnSpc>
+                <a:spcPct val="100000"/>
+              </a:lnSpc>
+              <a:spcBef>
+                <a:spcPts val="0"/>
+              </a:spcBef>
+              <a:spcAft>
+                <a:spcPts val="0"/>
+              </a:spcAft>
+              <a:buClr>
+                <a:srgbClr val="FFFFFF"/>
+              </a:buClr>
+              <a:buSzPts val="2000"/>
+              <a:buFont typeface="Roboto Condensed"/>
+              <a:buNone/>
+              <a:defRPr sz="2000" b="1" i="0" u="none" strike="noStrike" cap="none">
+                <a:solidFill>
+                  <a:srgbClr val="FFFFFF"/>
+                </a:solidFill>
+                <a:latin typeface="Roboto Condensed"/>
+                <a:ea typeface="Roboto Condensed"/>
+                <a:cs typeface="Roboto Condensed"/>
+                <a:sym typeface="Roboto Condensed"/>
+              </a:defRPr>
+            </a:lvl7pPr>
+            <a:lvl8pPr marR="0" lvl="7" algn="l" rtl="0">
+              <a:lnSpc>
+                <a:spcPct val="100000"/>
+              </a:lnSpc>
+              <a:spcBef>
+                <a:spcPts val="0"/>
+              </a:spcBef>
+              <a:spcAft>
+                <a:spcPts val="0"/>
+              </a:spcAft>
+              <a:buClr>
+                <a:srgbClr val="FFFFFF"/>
+              </a:buClr>
+              <a:buSzPts val="2000"/>
+              <a:buFont typeface="Roboto Condensed"/>
+              <a:buNone/>
+              <a:defRPr sz="2000" b="1" i="0" u="none" strike="noStrike" cap="none">
+                <a:solidFill>
+                  <a:srgbClr val="FFFFFF"/>
+                </a:solidFill>
+                <a:latin typeface="Roboto Condensed"/>
+                <a:ea typeface="Roboto Condensed"/>
+                <a:cs typeface="Roboto Condensed"/>
+                <a:sym typeface="Roboto Condensed"/>
+              </a:defRPr>
+            </a:lvl8pPr>
+            <a:lvl9pPr marR="0" lvl="8" algn="l" rtl="0">
+              <a:lnSpc>
+                <a:spcPct val="100000"/>
+              </a:lnSpc>
+              <a:spcBef>
+                <a:spcPts val="0"/>
+              </a:spcBef>
+              <a:spcAft>
+                <a:spcPts val="0"/>
+              </a:spcAft>
+              <a:buClr>
+                <a:srgbClr val="FFFFFF"/>
+              </a:buClr>
+              <a:buSzPts val="2000"/>
+              <a:buFont typeface="Roboto Condensed"/>
+              <a:buNone/>
+              <a:defRPr sz="2000" b="1" i="0" u="none" strike="noStrike" cap="none">
+                <a:solidFill>
+                  <a:srgbClr val="FFFFFF"/>
+                </a:solidFill>
+                <a:latin typeface="Roboto Condensed"/>
+                <a:ea typeface="Roboto Condensed"/>
+                <a:cs typeface="Roboto Condensed"/>
+                <a:sym typeface="Roboto Condensed"/>
+              </a:defRPr>
+            </a:lvl9pPr>
+          </a:lstStyle>
+          <a:p>
+            <a:pPr algn="ctr"/>
+            <a:r>
+              <a:rPr lang="en-ID" sz="6000">
+                <a:solidFill>
+                  <a:srgbClr val="FF9800"/>
+                </a:solidFill>
+              </a:rPr>
+              <a:t>GOOD LUCK!</a:t>
+            </a:r>
+            <a:endParaRPr lang="en-ID" sz="6000" dirty="0">
+              <a:solidFill>
+                <a:srgbClr val="FF9800"/>
+              </a:solidFill>
+            </a:endParaRPr>
+          </a:p>
+        </p:txBody>
+      </p:sp>
+      <p:grpSp>
+        <p:nvGrpSpPr>
+          <p:cNvPr id="17" name="Google Shape;744;p37">
+            <a:extLst>
+              <a:ext uri="{FF2B5EF4-FFF2-40B4-BE49-F238E27FC236}">
+                <a16:creationId xmlns:a16="http://schemas.microsoft.com/office/drawing/2014/main" id="{F311232E-C7A2-40E7-A974-950F6866E6ED}"/>
+              </a:ext>
+            </a:extLst>
+          </p:cNvPr>
+          <p:cNvGrpSpPr/>
+          <p:nvPr/>
+        </p:nvGrpSpPr>
+        <p:grpSpPr>
+          <a:xfrm>
+            <a:off x="3786184" y="968113"/>
+            <a:ext cx="1571631" cy="1396287"/>
+            <a:chOff x="5292575" y="3681900"/>
+            <a:chExt cx="420150" cy="373275"/>
+          </a:xfrm>
+        </p:grpSpPr>
+        <p:sp>
+          <p:nvSpPr>
+            <p:cNvPr id="18" name="Google Shape;745;p37">
+              <a:extLst>
+                <a:ext uri="{FF2B5EF4-FFF2-40B4-BE49-F238E27FC236}">
+                  <a16:creationId xmlns:a16="http://schemas.microsoft.com/office/drawing/2014/main" id="{CF47EE93-F5B8-43E1-993A-D7B3D9366EFE}"/>
+                </a:ext>
+              </a:extLst>
+            </p:cNvPr>
+            <p:cNvSpPr/>
+            <p:nvPr/>
+          </p:nvSpPr>
+          <p:spPr>
+            <a:xfrm>
+              <a:off x="5292575" y="3706875"/>
+              <a:ext cx="420150" cy="266700"/>
+            </a:xfrm>
+            <a:custGeom>
+              <a:avLst/>
+              <a:gdLst/>
+              <a:ahLst/>
+              <a:cxnLst/>
+              <a:rect l="l" t="t" r="r" b="b"/>
+              <a:pathLst>
+                <a:path w="16806" h="10668" fill="none" extrusionOk="0">
+                  <a:moveTo>
+                    <a:pt x="16319" y="0"/>
+                  </a:moveTo>
+                  <a:lnTo>
+                    <a:pt x="488" y="0"/>
+                  </a:lnTo>
+                  <a:lnTo>
+                    <a:pt x="488" y="0"/>
+                  </a:lnTo>
+                  <a:lnTo>
+                    <a:pt x="390" y="0"/>
+                  </a:lnTo>
+                  <a:lnTo>
+                    <a:pt x="293" y="25"/>
+                  </a:lnTo>
+                  <a:lnTo>
+                    <a:pt x="196" y="73"/>
+                  </a:lnTo>
+                  <a:lnTo>
+                    <a:pt x="123" y="146"/>
+                  </a:lnTo>
+                  <a:lnTo>
+                    <a:pt x="74" y="219"/>
+                  </a:lnTo>
+                  <a:lnTo>
+                    <a:pt x="25" y="292"/>
+                  </a:lnTo>
+                  <a:lnTo>
+                    <a:pt x="1" y="390"/>
+                  </a:lnTo>
+                  <a:lnTo>
+                    <a:pt x="1" y="487"/>
+                  </a:lnTo>
+                  <a:lnTo>
+                    <a:pt x="1" y="10181"/>
+                  </a:lnTo>
+                  <a:lnTo>
+                    <a:pt x="1" y="10181"/>
+                  </a:lnTo>
+                  <a:lnTo>
+                    <a:pt x="1" y="10278"/>
+                  </a:lnTo>
+                  <a:lnTo>
+                    <a:pt x="25" y="10375"/>
+                  </a:lnTo>
+                  <a:lnTo>
+                    <a:pt x="74" y="10448"/>
+                  </a:lnTo>
+                  <a:lnTo>
+                    <a:pt x="123" y="10522"/>
+                  </a:lnTo>
+                  <a:lnTo>
+                    <a:pt x="196" y="10570"/>
+                  </a:lnTo>
+                  <a:lnTo>
+                    <a:pt x="293" y="10619"/>
+                  </a:lnTo>
+                  <a:lnTo>
+                    <a:pt x="390" y="10643"/>
+                  </a:lnTo>
+                  <a:lnTo>
+                    <a:pt x="488" y="10668"/>
+                  </a:lnTo>
+                  <a:lnTo>
+                    <a:pt x="16319" y="10668"/>
+                  </a:lnTo>
+                  <a:lnTo>
+                    <a:pt x="16319" y="10668"/>
+                  </a:lnTo>
+                  <a:lnTo>
+                    <a:pt x="16416" y="10643"/>
+                  </a:lnTo>
+                  <a:lnTo>
+                    <a:pt x="16513" y="10619"/>
+                  </a:lnTo>
+                  <a:lnTo>
+                    <a:pt x="16611" y="10570"/>
+                  </a:lnTo>
+                  <a:lnTo>
+                    <a:pt x="16684" y="10522"/>
+                  </a:lnTo>
+                  <a:lnTo>
+                    <a:pt x="16733" y="10448"/>
+                  </a:lnTo>
+                  <a:lnTo>
+                    <a:pt x="16781" y="10375"/>
+                  </a:lnTo>
+                  <a:lnTo>
+                    <a:pt x="16806" y="10278"/>
+                  </a:lnTo>
+                  <a:lnTo>
+                    <a:pt x="16806" y="10181"/>
+                  </a:lnTo>
+                  <a:lnTo>
+                    <a:pt x="16806" y="487"/>
+                  </a:lnTo>
+                  <a:lnTo>
+                    <a:pt x="16806" y="487"/>
+                  </a:lnTo>
+                  <a:lnTo>
+                    <a:pt x="16806" y="390"/>
+                  </a:lnTo>
+                  <a:lnTo>
+                    <a:pt x="16781" y="292"/>
+                  </a:lnTo>
+                  <a:lnTo>
+                    <a:pt x="16733" y="219"/>
+                  </a:lnTo>
+                  <a:lnTo>
+                    <a:pt x="16684" y="146"/>
+                  </a:lnTo>
+                  <a:lnTo>
+                    <a:pt x="16611" y="73"/>
+                  </a:lnTo>
+                  <a:lnTo>
+                    <a:pt x="16513" y="25"/>
+                  </a:lnTo>
+                  <a:lnTo>
+                    <a:pt x="16416" y="0"/>
+                  </a:lnTo>
+                  <a:lnTo>
+                    <a:pt x="16319" y="0"/>
+                  </a:lnTo>
+                  <a:lnTo>
+                    <a:pt x="16319" y="0"/>
+                  </a:lnTo>
+                  <a:close/>
+                </a:path>
+              </a:pathLst>
+            </a:custGeom>
+            <a:noFill/>
+            <a:ln w="12175" cap="rnd" cmpd="sng">
+              <a:solidFill>
+                <a:srgbClr val="3F5378"/>
+              </a:solidFill>
+              <a:prstDash val="solid"/>
+              <a:round/>
+              <a:headEnd type="none" w="sm" len="sm"/>
+              <a:tailEnd type="none" w="sm" len="sm"/>
+            </a:ln>
+          </p:spPr>
+          <p:txBody>
+            <a:bodyPr spcFirstLastPara="1" wrap="square" lIns="91425" tIns="91425" rIns="91425" bIns="91425" anchor="ctr" anchorCtr="0">
+              <a:noAutofit/>
+            </a:bodyPr>
+            <a:lstStyle/>
+            <a:p>
+              <a:pPr marL="0" lvl="0" indent="0" algn="l" rtl="0">
+                <a:spcBef>
+                  <a:spcPts val="0"/>
+                </a:spcBef>
+                <a:spcAft>
+                  <a:spcPts val="0"/>
+                </a:spcAft>
+                <a:buNone/>
+              </a:pPr>
+              <a:endParaRPr/>
+            </a:p>
+          </p:txBody>
+        </p:sp>
+        <p:sp>
+          <p:nvSpPr>
+            <p:cNvPr id="19" name="Google Shape;746;p37">
+              <a:extLst>
+                <a:ext uri="{FF2B5EF4-FFF2-40B4-BE49-F238E27FC236}">
+                  <a16:creationId xmlns:a16="http://schemas.microsoft.com/office/drawing/2014/main" id="{58D26A27-E310-452A-8224-A3C27042056D}"/>
+                </a:ext>
+              </a:extLst>
+            </p:cNvPr>
+            <p:cNvSpPr/>
+            <p:nvPr/>
+          </p:nvSpPr>
+          <p:spPr>
+            <a:xfrm>
+              <a:off x="5490475" y="3681900"/>
+              <a:ext cx="24375" cy="25000"/>
+            </a:xfrm>
+            <a:custGeom>
+              <a:avLst/>
+              <a:gdLst/>
+              <a:ahLst/>
+              <a:cxnLst/>
+              <a:rect l="l" t="t" r="r" b="b"/>
+              <a:pathLst>
+                <a:path w="975" h="1000" fill="none" extrusionOk="0">
+                  <a:moveTo>
+                    <a:pt x="974" y="999"/>
+                  </a:moveTo>
+                  <a:lnTo>
+                    <a:pt x="974" y="488"/>
+                  </a:lnTo>
+                  <a:lnTo>
+                    <a:pt x="974" y="488"/>
+                  </a:lnTo>
+                  <a:lnTo>
+                    <a:pt x="974" y="390"/>
+                  </a:lnTo>
+                  <a:lnTo>
+                    <a:pt x="926" y="293"/>
+                  </a:lnTo>
+                  <a:lnTo>
+                    <a:pt x="901" y="220"/>
+                  </a:lnTo>
+                  <a:lnTo>
+                    <a:pt x="828" y="147"/>
+                  </a:lnTo>
+                  <a:lnTo>
+                    <a:pt x="755" y="74"/>
+                  </a:lnTo>
+                  <a:lnTo>
+                    <a:pt x="682" y="49"/>
+                  </a:lnTo>
+                  <a:lnTo>
+                    <a:pt x="585" y="1"/>
+                  </a:lnTo>
+                  <a:lnTo>
+                    <a:pt x="487" y="1"/>
+                  </a:lnTo>
+                  <a:lnTo>
+                    <a:pt x="487" y="1"/>
+                  </a:lnTo>
+                  <a:lnTo>
+                    <a:pt x="390" y="1"/>
+                  </a:lnTo>
+                  <a:lnTo>
+                    <a:pt x="292" y="49"/>
+                  </a:lnTo>
+                  <a:lnTo>
+                    <a:pt x="219" y="74"/>
+                  </a:lnTo>
+                  <a:lnTo>
+                    <a:pt x="146" y="147"/>
+                  </a:lnTo>
+                  <a:lnTo>
+                    <a:pt x="73" y="220"/>
+                  </a:lnTo>
+                  <a:lnTo>
+                    <a:pt x="49" y="293"/>
+                  </a:lnTo>
+                  <a:lnTo>
+                    <a:pt x="0" y="390"/>
+                  </a:lnTo>
+                  <a:lnTo>
+                    <a:pt x="0" y="488"/>
+                  </a:lnTo>
+                  <a:lnTo>
+                    <a:pt x="0" y="999"/>
+                  </a:lnTo>
+                </a:path>
+              </a:pathLst>
+            </a:custGeom>
+            <a:noFill/>
+            <a:ln w="12175" cap="rnd" cmpd="sng">
+              <a:solidFill>
+                <a:srgbClr val="3F5378"/>
+              </a:solidFill>
+              <a:prstDash val="solid"/>
+              <a:round/>
+              <a:headEnd type="none" w="sm" len="sm"/>
+              <a:tailEnd type="none" w="sm" len="sm"/>
+            </a:ln>
+          </p:spPr>
+          <p:txBody>
+            <a:bodyPr spcFirstLastPara="1" wrap="square" lIns="91425" tIns="91425" rIns="91425" bIns="91425" anchor="ctr" anchorCtr="0">
+              <a:noAutofit/>
+            </a:bodyPr>
+            <a:lstStyle/>
+            <a:p>
+              <a:pPr marL="0" lvl="0" indent="0" algn="l" rtl="0">
+                <a:spcBef>
+                  <a:spcPts val="0"/>
+                </a:spcBef>
+                <a:spcAft>
+                  <a:spcPts val="0"/>
+                </a:spcAft>
+                <a:buNone/>
+              </a:pPr>
+              <a:endParaRPr/>
+            </a:p>
+          </p:txBody>
+        </p:sp>
+        <p:sp>
+          <p:nvSpPr>
+            <p:cNvPr id="20" name="Google Shape;747;p37">
+              <a:extLst>
+                <a:ext uri="{FF2B5EF4-FFF2-40B4-BE49-F238E27FC236}">
+                  <a16:creationId xmlns:a16="http://schemas.microsoft.com/office/drawing/2014/main" id="{5D89E452-5BAD-4380-B20F-CD6B4CEB239C}"/>
+                </a:ext>
+              </a:extLst>
+            </p:cNvPr>
+            <p:cNvSpPr/>
+            <p:nvPr/>
+          </p:nvSpPr>
+          <p:spPr>
+            <a:xfrm>
+              <a:off x="5358350" y="3973550"/>
+              <a:ext cx="60900" cy="81625"/>
+            </a:xfrm>
+            <a:custGeom>
+              <a:avLst/>
+              <a:gdLst/>
+              <a:ahLst/>
+              <a:cxnLst/>
+              <a:rect l="l" t="t" r="r" b="b"/>
+              <a:pathLst>
+                <a:path w="2436" h="3265" fill="none" extrusionOk="0">
+                  <a:moveTo>
+                    <a:pt x="1340" y="1"/>
+                  </a:moveTo>
+                  <a:lnTo>
+                    <a:pt x="49" y="2558"/>
+                  </a:lnTo>
+                  <a:lnTo>
+                    <a:pt x="49" y="2558"/>
+                  </a:lnTo>
+                  <a:lnTo>
+                    <a:pt x="24" y="2631"/>
+                  </a:lnTo>
+                  <a:lnTo>
+                    <a:pt x="0" y="2728"/>
+                  </a:lnTo>
+                  <a:lnTo>
+                    <a:pt x="0" y="2826"/>
+                  </a:lnTo>
+                  <a:lnTo>
+                    <a:pt x="24" y="2923"/>
+                  </a:lnTo>
+                  <a:lnTo>
+                    <a:pt x="73" y="2996"/>
+                  </a:lnTo>
+                  <a:lnTo>
+                    <a:pt x="122" y="3094"/>
+                  </a:lnTo>
+                  <a:lnTo>
+                    <a:pt x="195" y="3142"/>
+                  </a:lnTo>
+                  <a:lnTo>
+                    <a:pt x="268" y="3215"/>
+                  </a:lnTo>
+                  <a:lnTo>
+                    <a:pt x="268" y="3215"/>
+                  </a:lnTo>
+                  <a:lnTo>
+                    <a:pt x="390" y="3240"/>
+                  </a:lnTo>
+                  <a:lnTo>
+                    <a:pt x="487" y="3264"/>
+                  </a:lnTo>
+                  <a:lnTo>
+                    <a:pt x="487" y="3264"/>
+                  </a:lnTo>
+                  <a:lnTo>
+                    <a:pt x="633" y="3240"/>
+                  </a:lnTo>
+                  <a:lnTo>
+                    <a:pt x="755" y="3191"/>
+                  </a:lnTo>
+                  <a:lnTo>
+                    <a:pt x="853" y="3094"/>
+                  </a:lnTo>
+                  <a:lnTo>
+                    <a:pt x="926" y="2996"/>
+                  </a:lnTo>
+                  <a:lnTo>
+                    <a:pt x="2436" y="1"/>
+                  </a:lnTo>
+                </a:path>
+              </a:pathLst>
+            </a:custGeom>
+            <a:noFill/>
+            <a:ln w="12175" cap="rnd" cmpd="sng">
+              <a:solidFill>
+                <a:srgbClr val="3F5378"/>
+              </a:solidFill>
+              <a:prstDash val="solid"/>
+              <a:round/>
+              <a:headEnd type="none" w="sm" len="sm"/>
+              <a:tailEnd type="none" w="sm" len="sm"/>
+            </a:ln>
+          </p:spPr>
+          <p:txBody>
+            <a:bodyPr spcFirstLastPara="1" wrap="square" lIns="91425" tIns="91425" rIns="91425" bIns="91425" anchor="ctr" anchorCtr="0">
+              <a:noAutofit/>
+            </a:bodyPr>
+            <a:lstStyle/>
+            <a:p>
+              <a:pPr marL="0" lvl="0" indent="0" algn="l" rtl="0">
+                <a:spcBef>
+                  <a:spcPts val="0"/>
+                </a:spcBef>
+                <a:spcAft>
+                  <a:spcPts val="0"/>
+                </a:spcAft>
+                <a:buNone/>
+              </a:pPr>
+              <a:endParaRPr/>
+            </a:p>
+          </p:txBody>
+        </p:sp>
+        <p:sp>
+          <p:nvSpPr>
+            <p:cNvPr id="21" name="Google Shape;748;p37">
+              <a:extLst>
+                <a:ext uri="{FF2B5EF4-FFF2-40B4-BE49-F238E27FC236}">
+                  <a16:creationId xmlns:a16="http://schemas.microsoft.com/office/drawing/2014/main" id="{29394048-C1A2-489F-B613-00F42A564695}"/>
+                </a:ext>
+              </a:extLst>
+            </p:cNvPr>
+            <p:cNvSpPr/>
+            <p:nvPr/>
+          </p:nvSpPr>
+          <p:spPr>
+            <a:xfrm>
+              <a:off x="5586050" y="3973550"/>
+              <a:ext cx="60925" cy="81625"/>
+            </a:xfrm>
+            <a:custGeom>
+              <a:avLst/>
+              <a:gdLst/>
+              <a:ahLst/>
+              <a:cxnLst/>
+              <a:rect l="l" t="t" r="r" b="b"/>
+              <a:pathLst>
+                <a:path w="2437" h="3265" fill="none" extrusionOk="0">
+                  <a:moveTo>
+                    <a:pt x="1" y="1"/>
+                  </a:moveTo>
+                  <a:lnTo>
+                    <a:pt x="1511" y="2996"/>
+                  </a:lnTo>
+                  <a:lnTo>
+                    <a:pt x="1511" y="2996"/>
+                  </a:lnTo>
+                  <a:lnTo>
+                    <a:pt x="1584" y="3094"/>
+                  </a:lnTo>
+                  <a:lnTo>
+                    <a:pt x="1681" y="3191"/>
+                  </a:lnTo>
+                  <a:lnTo>
+                    <a:pt x="1803" y="3240"/>
+                  </a:lnTo>
+                  <a:lnTo>
+                    <a:pt x="1949" y="3264"/>
+                  </a:lnTo>
+                  <a:lnTo>
+                    <a:pt x="1949" y="3264"/>
+                  </a:lnTo>
+                  <a:lnTo>
+                    <a:pt x="2047" y="3240"/>
+                  </a:lnTo>
+                  <a:lnTo>
+                    <a:pt x="2168" y="3215"/>
+                  </a:lnTo>
+                  <a:lnTo>
+                    <a:pt x="2168" y="3215"/>
+                  </a:lnTo>
+                  <a:lnTo>
+                    <a:pt x="2241" y="3142"/>
+                  </a:lnTo>
+                  <a:lnTo>
+                    <a:pt x="2315" y="3094"/>
+                  </a:lnTo>
+                  <a:lnTo>
+                    <a:pt x="2363" y="2996"/>
+                  </a:lnTo>
+                  <a:lnTo>
+                    <a:pt x="2412" y="2923"/>
+                  </a:lnTo>
+                  <a:lnTo>
+                    <a:pt x="2436" y="2826"/>
+                  </a:lnTo>
+                  <a:lnTo>
+                    <a:pt x="2436" y="2728"/>
+                  </a:lnTo>
+                  <a:lnTo>
+                    <a:pt x="2412" y="2631"/>
+                  </a:lnTo>
+                  <a:lnTo>
+                    <a:pt x="2388" y="2558"/>
+                  </a:lnTo>
+                  <a:lnTo>
+                    <a:pt x="1097" y="1"/>
+                  </a:lnTo>
+                </a:path>
+              </a:pathLst>
+            </a:custGeom>
+            <a:noFill/>
+            <a:ln w="12175" cap="rnd" cmpd="sng">
+              <a:solidFill>
+                <a:srgbClr val="3F5378"/>
+              </a:solidFill>
+              <a:prstDash val="solid"/>
+              <a:round/>
+              <a:headEnd type="none" w="sm" len="sm"/>
+              <a:tailEnd type="none" w="sm" len="sm"/>
+            </a:ln>
+          </p:spPr>
+          <p:txBody>
+            <a:bodyPr spcFirstLastPara="1" wrap="square" lIns="91425" tIns="91425" rIns="91425" bIns="91425" anchor="ctr" anchorCtr="0">
+              <a:noAutofit/>
+            </a:bodyPr>
+            <a:lstStyle/>
+            <a:p>
+              <a:pPr marL="0" lvl="0" indent="0" algn="l" rtl="0">
+                <a:spcBef>
+                  <a:spcPts val="0"/>
+                </a:spcBef>
+                <a:spcAft>
+                  <a:spcPts val="0"/>
+                </a:spcAft>
+                <a:buNone/>
+              </a:pPr>
+              <a:endParaRPr/>
+            </a:p>
+          </p:txBody>
+        </p:sp>
+        <p:sp>
+          <p:nvSpPr>
+            <p:cNvPr id="22" name="Google Shape;749;p37">
+              <a:extLst>
+                <a:ext uri="{FF2B5EF4-FFF2-40B4-BE49-F238E27FC236}">
+                  <a16:creationId xmlns:a16="http://schemas.microsoft.com/office/drawing/2014/main" id="{0EF42091-0996-4D2E-830E-0F193FB954CB}"/>
+                </a:ext>
+              </a:extLst>
+            </p:cNvPr>
+            <p:cNvSpPr/>
+            <p:nvPr/>
+          </p:nvSpPr>
+          <p:spPr>
+            <a:xfrm>
+              <a:off x="5316925" y="3731225"/>
+              <a:ext cx="371450" cy="218000"/>
+            </a:xfrm>
+            <a:custGeom>
+              <a:avLst/>
+              <a:gdLst/>
+              <a:ahLst/>
+              <a:cxnLst/>
+              <a:rect l="l" t="t" r="r" b="b"/>
+              <a:pathLst>
+                <a:path w="14858" h="8720" fill="none" extrusionOk="0">
+                  <a:moveTo>
+                    <a:pt x="1" y="0"/>
+                  </a:moveTo>
+                  <a:lnTo>
+                    <a:pt x="1" y="8719"/>
+                  </a:lnTo>
+                  <a:lnTo>
+                    <a:pt x="14857" y="8719"/>
+                  </a:lnTo>
+                  <a:lnTo>
+                    <a:pt x="14857" y="0"/>
+                  </a:lnTo>
+                  <a:lnTo>
+                    <a:pt x="1" y="0"/>
+                  </a:lnTo>
+                  <a:close/>
+                </a:path>
+              </a:pathLst>
+            </a:custGeom>
+            <a:noFill/>
+            <a:ln w="12175" cap="rnd" cmpd="sng">
+              <a:solidFill>
+                <a:srgbClr val="3F5378"/>
+              </a:solidFill>
+              <a:prstDash val="solid"/>
+              <a:round/>
+              <a:headEnd type="none" w="sm" len="sm"/>
+              <a:tailEnd type="none" w="sm" len="sm"/>
+            </a:ln>
+          </p:spPr>
+          <p:txBody>
+            <a:bodyPr spcFirstLastPara="1" wrap="square" lIns="91425" tIns="91425" rIns="91425" bIns="91425" anchor="ctr" anchorCtr="0">
+              <a:noAutofit/>
+            </a:bodyPr>
+            <a:lstStyle/>
+            <a:p>
+              <a:pPr marL="0" lvl="0" indent="0" algn="l" rtl="0">
+                <a:spcBef>
+                  <a:spcPts val="0"/>
+                </a:spcBef>
+                <a:spcAft>
+                  <a:spcPts val="0"/>
+                </a:spcAft>
+                <a:buNone/>
+              </a:pPr>
+              <a:endParaRPr/>
+            </a:p>
+          </p:txBody>
+        </p:sp>
+        <p:sp>
+          <p:nvSpPr>
+            <p:cNvPr id="23" name="Google Shape;750;p37">
+              <a:extLst>
+                <a:ext uri="{FF2B5EF4-FFF2-40B4-BE49-F238E27FC236}">
+                  <a16:creationId xmlns:a16="http://schemas.microsoft.com/office/drawing/2014/main" id="{8E2220E8-724B-4573-B36F-E9313FFCF667}"/>
+                </a:ext>
+              </a:extLst>
+            </p:cNvPr>
+            <p:cNvSpPr/>
+            <p:nvPr/>
+          </p:nvSpPr>
+          <p:spPr>
+            <a:xfrm>
+              <a:off x="5380250" y="3784800"/>
+              <a:ext cx="230200" cy="115725"/>
+            </a:xfrm>
+            <a:custGeom>
+              <a:avLst/>
+              <a:gdLst/>
+              <a:ahLst/>
+              <a:cxnLst/>
+              <a:rect l="l" t="t" r="r" b="b"/>
+              <a:pathLst>
+                <a:path w="9208" h="4629" fill="none" extrusionOk="0">
+                  <a:moveTo>
+                    <a:pt x="9207" y="1"/>
+                  </a:moveTo>
+                  <a:lnTo>
+                    <a:pt x="5213" y="3995"/>
+                  </a:lnTo>
+                  <a:lnTo>
+                    <a:pt x="5213" y="3995"/>
+                  </a:lnTo>
+                  <a:lnTo>
+                    <a:pt x="5140" y="4044"/>
+                  </a:lnTo>
+                  <a:lnTo>
+                    <a:pt x="5067" y="4092"/>
+                  </a:lnTo>
+                  <a:lnTo>
+                    <a:pt x="4969" y="4117"/>
+                  </a:lnTo>
+                  <a:lnTo>
+                    <a:pt x="4872" y="4141"/>
+                  </a:lnTo>
+                  <a:lnTo>
+                    <a:pt x="4774" y="4117"/>
+                  </a:lnTo>
+                  <a:lnTo>
+                    <a:pt x="4677" y="4092"/>
+                  </a:lnTo>
+                  <a:lnTo>
+                    <a:pt x="4604" y="4044"/>
+                  </a:lnTo>
+                  <a:lnTo>
+                    <a:pt x="4531" y="3995"/>
+                  </a:lnTo>
+                  <a:lnTo>
+                    <a:pt x="2582" y="2046"/>
+                  </a:lnTo>
+                  <a:lnTo>
+                    <a:pt x="1" y="4628"/>
+                  </a:lnTo>
+                </a:path>
+              </a:pathLst>
+            </a:custGeom>
+            <a:noFill/>
+            <a:ln w="12175" cap="rnd" cmpd="sng">
+              <a:solidFill>
+                <a:srgbClr val="3F5378"/>
+              </a:solidFill>
+              <a:prstDash val="solid"/>
+              <a:round/>
+              <a:headEnd type="none" w="sm" len="sm"/>
+              <a:tailEnd type="none" w="sm" len="sm"/>
+            </a:ln>
+          </p:spPr>
+          <p:txBody>
+            <a:bodyPr spcFirstLastPara="1" wrap="square" lIns="91425" tIns="91425" rIns="91425" bIns="91425" anchor="ctr" anchorCtr="0">
+              <a:noAutofit/>
+            </a:bodyPr>
+            <a:lstStyle/>
+            <a:p>
+              <a:pPr marL="0" lvl="0" indent="0" algn="l" rtl="0">
+                <a:spcBef>
+                  <a:spcPts val="0"/>
+                </a:spcBef>
+                <a:spcAft>
+                  <a:spcPts val="0"/>
+                </a:spcAft>
+                <a:buNone/>
+              </a:pPr>
+              <a:endParaRPr/>
+            </a:p>
+          </p:txBody>
+        </p:sp>
+        <p:sp>
+          <p:nvSpPr>
+            <p:cNvPr id="24" name="Google Shape;751;p37">
+              <a:extLst>
+                <a:ext uri="{FF2B5EF4-FFF2-40B4-BE49-F238E27FC236}">
+                  <a16:creationId xmlns:a16="http://schemas.microsoft.com/office/drawing/2014/main" id="{93FB94B5-9B1F-4294-8D4E-26653DDE6C2C}"/>
+                </a:ext>
+              </a:extLst>
+            </p:cNvPr>
+            <p:cNvSpPr/>
+            <p:nvPr/>
+          </p:nvSpPr>
+          <p:spPr>
+            <a:xfrm>
+              <a:off x="5547700" y="3779925"/>
+              <a:ext cx="68825" cy="68825"/>
+            </a:xfrm>
+            <a:custGeom>
+              <a:avLst/>
+              <a:gdLst/>
+              <a:ahLst/>
+              <a:cxnLst/>
+              <a:rect l="l" t="t" r="r" b="b"/>
+              <a:pathLst>
+                <a:path w="2753" h="2753" fill="none" extrusionOk="0">
+                  <a:moveTo>
+                    <a:pt x="0" y="1"/>
+                  </a:moveTo>
+                  <a:lnTo>
+                    <a:pt x="2265" y="1"/>
+                  </a:lnTo>
+                  <a:lnTo>
+                    <a:pt x="2265" y="1"/>
+                  </a:lnTo>
+                  <a:lnTo>
+                    <a:pt x="2363" y="1"/>
+                  </a:lnTo>
+                  <a:lnTo>
+                    <a:pt x="2460" y="25"/>
+                  </a:lnTo>
+                  <a:lnTo>
+                    <a:pt x="2533" y="74"/>
+                  </a:lnTo>
+                  <a:lnTo>
+                    <a:pt x="2606" y="147"/>
+                  </a:lnTo>
+                  <a:lnTo>
+                    <a:pt x="2680" y="220"/>
+                  </a:lnTo>
+                  <a:lnTo>
+                    <a:pt x="2728" y="293"/>
+                  </a:lnTo>
+                  <a:lnTo>
+                    <a:pt x="2753" y="390"/>
+                  </a:lnTo>
+                  <a:lnTo>
+                    <a:pt x="2753" y="488"/>
+                  </a:lnTo>
+                  <a:lnTo>
+                    <a:pt x="2753" y="2753"/>
+                  </a:lnTo>
+                </a:path>
+              </a:pathLst>
+            </a:custGeom>
+            <a:noFill/>
+            <a:ln w="12175" cap="rnd" cmpd="sng">
+              <a:solidFill>
+                <a:srgbClr val="3F5378"/>
+              </a:solidFill>
+              <a:prstDash val="solid"/>
+              <a:round/>
+              <a:headEnd type="none" w="sm" len="sm"/>
+              <a:tailEnd type="none" w="sm" len="sm"/>
+            </a:ln>
+          </p:spPr>
+          <p:txBody>
+            <a:bodyPr spcFirstLastPara="1" wrap="square" lIns="91425" tIns="91425" rIns="91425" bIns="91425" anchor="ctr" anchorCtr="0">
+              <a:noAutofit/>
+            </a:bodyPr>
+            <a:lstStyle/>
+            <a:p>
+              <a:pPr marL="0" lvl="0" indent="0" algn="l" rtl="0">
+                <a:spcBef>
+                  <a:spcPts val="0"/>
+                </a:spcBef>
+                <a:spcAft>
+                  <a:spcPts val="0"/>
+                </a:spcAft>
+                <a:buNone/>
+              </a:pPr>
+              <a:endParaRPr/>
+            </a:p>
+          </p:txBody>
+        </p:sp>
+      </p:grpSp>
     </p:spTree>
     <p:extLst>
       <p:ext uri="{BB962C8B-B14F-4D97-AF65-F5344CB8AC3E}">
-        <p14:creationId xmlns:p14="http://schemas.microsoft.com/office/powerpoint/2010/main" val="2099777870"/>
+        <p14:creationId xmlns:p14="http://schemas.microsoft.com/office/powerpoint/2010/main" val="261209477"/>
+      </p:ext>
+    </p:extLst>
+  </p:cSld>
+  <p:clrMapOvr>
+    <a:masterClrMapping/>
+  </p:clrMapOvr>
+</p:sld>
+</file>
+
+<file path=ppt/slides/slide42.xml><?xml version="1.0" encoding="utf-8"?>
+<p:sld xmlns:a="http://schemas.openxmlformats.org/drawingml/2006/main" xmlns:r="http://schemas.openxmlformats.org/officeDocument/2006/relationships" xmlns:p="http://schemas.openxmlformats.org/presentationml/2006/main">
+  <p:cSld>
+    <p:spTree>
+      <p:nvGrpSpPr>
+        <p:cNvPr id="1" name=""/>
+        <p:cNvGrpSpPr/>
+        <p:nvPr/>
+      </p:nvGrpSpPr>
+      <p:grpSpPr>
+        <a:xfrm>
+          <a:off x="0" y="0"/>
+          <a:ext cx="0" cy="0"/>
+          <a:chOff x="0" y="0"/>
+          <a:chExt cx="0" cy="0"/>
+        </a:xfrm>
+      </p:grpSpPr>
+      <p:sp>
+        <p:nvSpPr>
+          <p:cNvPr id="4" name="Slide Number Placeholder 3">
+            <a:extLst>
+              <a:ext uri="{FF2B5EF4-FFF2-40B4-BE49-F238E27FC236}">
+                <a16:creationId xmlns:a16="http://schemas.microsoft.com/office/drawing/2014/main" id="{EAF8EC6A-0BCE-4823-82CE-E53C9BF558B6}"/>
+              </a:ext>
+            </a:extLst>
+          </p:cNvPr>
+          <p:cNvSpPr>
+            <a:spLocks noGrp="1"/>
+          </p:cNvSpPr>
+          <p:nvPr>
+            <p:ph type="sldNum" idx="12"/>
+          </p:nvPr>
+        </p:nvSpPr>
+        <p:spPr/>
+        <p:txBody>
+          <a:bodyPr/>
+          <a:lstStyle/>
+          <a:p>
+            <a:pPr marL="0" lvl="0" indent="0" algn="r" rtl="0">
+              <a:spcBef>
+                <a:spcPts val="0"/>
+              </a:spcBef>
+              <a:spcAft>
+                <a:spcPts val="0"/>
+              </a:spcAft>
+              <a:buNone/>
+            </a:pPr>
+            <a:fld id="{00000000-1234-1234-1234-123412341234}" type="slidenum">
+              <a:rPr lang="en" smtClean="0"/>
+              <a:t>42</a:t>
+            </a:fld>
+            <a:endParaRPr lang="en"/>
+          </a:p>
+        </p:txBody>
+      </p:sp>
+      <p:sp>
+        <p:nvSpPr>
+          <p:cNvPr id="7" name="Google Shape;503;p34">
+            <a:extLst>
+              <a:ext uri="{FF2B5EF4-FFF2-40B4-BE49-F238E27FC236}">
+                <a16:creationId xmlns:a16="http://schemas.microsoft.com/office/drawing/2014/main" id="{18DFD030-9134-4EFB-BCC3-BD5FEB5FC98E}"/>
+              </a:ext>
+            </a:extLst>
+          </p:cNvPr>
+          <p:cNvSpPr txBox="1">
+            <a:spLocks/>
+          </p:cNvSpPr>
+          <p:nvPr/>
+        </p:nvSpPr>
+        <p:spPr>
+          <a:xfrm>
+            <a:off x="1275150" y="2364400"/>
+            <a:ext cx="6593700" cy="1159800"/>
+          </a:xfrm>
+          <a:prstGeom prst="rect">
+            <a:avLst/>
+          </a:prstGeom>
+          <a:noFill/>
+          <a:ln>
+            <a:noFill/>
+          </a:ln>
+        </p:spPr>
+        <p:txBody>
+          <a:bodyPr spcFirstLastPara="1" wrap="square" lIns="91425" tIns="91425" rIns="91425" bIns="91425" anchor="ctr" anchorCtr="0">
+            <a:noAutofit/>
+          </a:bodyPr>
+          <a:lstStyle>
+            <a:defPPr marR="0" lvl="0" algn="l" rtl="0">
+              <a:lnSpc>
+                <a:spcPct val="100000"/>
+              </a:lnSpc>
+              <a:spcBef>
+                <a:spcPts val="0"/>
+              </a:spcBef>
+              <a:spcAft>
+                <a:spcPts val="0"/>
+              </a:spcAft>
+            </a:defPPr>
+            <a:lvl1pPr marR="0" lvl="0" algn="l" rtl="0">
+              <a:lnSpc>
+                <a:spcPct val="100000"/>
+              </a:lnSpc>
+              <a:spcBef>
+                <a:spcPts val="0"/>
+              </a:spcBef>
+              <a:spcAft>
+                <a:spcPts val="0"/>
+              </a:spcAft>
+              <a:buClr>
+                <a:srgbClr val="FFFFFF"/>
+              </a:buClr>
+              <a:buSzPts val="2000"/>
+              <a:buFont typeface="Roboto Condensed"/>
+              <a:buNone/>
+              <a:defRPr sz="2000" b="1" i="0" u="none" strike="noStrike" cap="none">
+                <a:solidFill>
+                  <a:srgbClr val="FFFFFF"/>
+                </a:solidFill>
+                <a:latin typeface="Roboto Condensed"/>
+                <a:ea typeface="Roboto Condensed"/>
+                <a:cs typeface="Roboto Condensed"/>
+                <a:sym typeface="Roboto Condensed"/>
+              </a:defRPr>
+            </a:lvl1pPr>
+            <a:lvl2pPr marR="0" lvl="1" algn="l" rtl="0">
+              <a:lnSpc>
+                <a:spcPct val="100000"/>
+              </a:lnSpc>
+              <a:spcBef>
+                <a:spcPts val="0"/>
+              </a:spcBef>
+              <a:spcAft>
+                <a:spcPts val="0"/>
+              </a:spcAft>
+              <a:buClr>
+                <a:srgbClr val="FFFFFF"/>
+              </a:buClr>
+              <a:buSzPts val="2000"/>
+              <a:buFont typeface="Roboto Condensed"/>
+              <a:buNone/>
+              <a:defRPr sz="2000" b="1" i="0" u="none" strike="noStrike" cap="none">
+                <a:solidFill>
+                  <a:srgbClr val="FFFFFF"/>
+                </a:solidFill>
+                <a:latin typeface="Roboto Condensed"/>
+                <a:ea typeface="Roboto Condensed"/>
+                <a:cs typeface="Roboto Condensed"/>
+                <a:sym typeface="Roboto Condensed"/>
+              </a:defRPr>
+            </a:lvl2pPr>
+            <a:lvl3pPr marR="0" lvl="2" algn="l" rtl="0">
+              <a:lnSpc>
+                <a:spcPct val="100000"/>
+              </a:lnSpc>
+              <a:spcBef>
+                <a:spcPts val="0"/>
+              </a:spcBef>
+              <a:spcAft>
+                <a:spcPts val="0"/>
+              </a:spcAft>
+              <a:buClr>
+                <a:srgbClr val="FFFFFF"/>
+              </a:buClr>
+              <a:buSzPts val="2000"/>
+              <a:buFont typeface="Roboto Condensed"/>
+              <a:buNone/>
+              <a:defRPr sz="2000" b="1" i="0" u="none" strike="noStrike" cap="none">
+                <a:solidFill>
+                  <a:srgbClr val="FFFFFF"/>
+                </a:solidFill>
+                <a:latin typeface="Roboto Condensed"/>
+                <a:ea typeface="Roboto Condensed"/>
+                <a:cs typeface="Roboto Condensed"/>
+                <a:sym typeface="Roboto Condensed"/>
+              </a:defRPr>
+            </a:lvl3pPr>
+            <a:lvl4pPr marR="0" lvl="3" algn="l" rtl="0">
+              <a:lnSpc>
+                <a:spcPct val="100000"/>
+              </a:lnSpc>
+              <a:spcBef>
+                <a:spcPts val="0"/>
+              </a:spcBef>
+              <a:spcAft>
+                <a:spcPts val="0"/>
+              </a:spcAft>
+              <a:buClr>
+                <a:srgbClr val="FFFFFF"/>
+              </a:buClr>
+              <a:buSzPts val="2000"/>
+              <a:buFont typeface="Roboto Condensed"/>
+              <a:buNone/>
+              <a:defRPr sz="2000" b="1" i="0" u="none" strike="noStrike" cap="none">
+                <a:solidFill>
+                  <a:srgbClr val="FFFFFF"/>
+                </a:solidFill>
+                <a:latin typeface="Roboto Condensed"/>
+                <a:ea typeface="Roboto Condensed"/>
+                <a:cs typeface="Roboto Condensed"/>
+                <a:sym typeface="Roboto Condensed"/>
+              </a:defRPr>
+            </a:lvl4pPr>
+            <a:lvl5pPr marR="0" lvl="4" algn="l" rtl="0">
+              <a:lnSpc>
+                <a:spcPct val="100000"/>
+              </a:lnSpc>
+              <a:spcBef>
+                <a:spcPts val="0"/>
+              </a:spcBef>
+              <a:spcAft>
+                <a:spcPts val="0"/>
+              </a:spcAft>
+              <a:buClr>
+                <a:srgbClr val="FFFFFF"/>
+              </a:buClr>
+              <a:buSzPts val="2000"/>
+              <a:buFont typeface="Roboto Condensed"/>
+              <a:buNone/>
+              <a:defRPr sz="2000" b="1" i="0" u="none" strike="noStrike" cap="none">
+                <a:solidFill>
+                  <a:srgbClr val="FFFFFF"/>
+                </a:solidFill>
+                <a:latin typeface="Roboto Condensed"/>
+                <a:ea typeface="Roboto Condensed"/>
+                <a:cs typeface="Roboto Condensed"/>
+                <a:sym typeface="Roboto Condensed"/>
+              </a:defRPr>
+            </a:lvl5pPr>
+            <a:lvl6pPr marR="0" lvl="5" algn="l" rtl="0">
+              <a:lnSpc>
+                <a:spcPct val="100000"/>
+              </a:lnSpc>
+              <a:spcBef>
+                <a:spcPts val="0"/>
+              </a:spcBef>
+              <a:spcAft>
+                <a:spcPts val="0"/>
+              </a:spcAft>
+              <a:buClr>
+                <a:srgbClr val="FFFFFF"/>
+              </a:buClr>
+              <a:buSzPts val="2000"/>
+              <a:buFont typeface="Roboto Condensed"/>
+              <a:buNone/>
+              <a:defRPr sz="2000" b="1" i="0" u="none" strike="noStrike" cap="none">
+                <a:solidFill>
+                  <a:srgbClr val="FFFFFF"/>
+                </a:solidFill>
+                <a:latin typeface="Roboto Condensed"/>
+                <a:ea typeface="Roboto Condensed"/>
+                <a:cs typeface="Roboto Condensed"/>
+                <a:sym typeface="Roboto Condensed"/>
+              </a:defRPr>
+            </a:lvl6pPr>
+            <a:lvl7pPr marR="0" lvl="6" algn="l" rtl="0">
+              <a:lnSpc>
+                <a:spcPct val="100000"/>
+              </a:lnSpc>
+              <a:spcBef>
+                <a:spcPts val="0"/>
+              </a:spcBef>
+              <a:spcAft>
+                <a:spcPts val="0"/>
+              </a:spcAft>
+              <a:buClr>
+                <a:srgbClr val="FFFFFF"/>
+              </a:buClr>
+              <a:buSzPts val="2000"/>
+              <a:buFont typeface="Roboto Condensed"/>
+              <a:buNone/>
+              <a:defRPr sz="2000" b="1" i="0" u="none" strike="noStrike" cap="none">
+                <a:solidFill>
+                  <a:srgbClr val="FFFFFF"/>
+                </a:solidFill>
+                <a:latin typeface="Roboto Condensed"/>
+                <a:ea typeface="Roboto Condensed"/>
+                <a:cs typeface="Roboto Condensed"/>
+                <a:sym typeface="Roboto Condensed"/>
+              </a:defRPr>
+            </a:lvl7pPr>
+            <a:lvl8pPr marR="0" lvl="7" algn="l" rtl="0">
+              <a:lnSpc>
+                <a:spcPct val="100000"/>
+              </a:lnSpc>
+              <a:spcBef>
+                <a:spcPts val="0"/>
+              </a:spcBef>
+              <a:spcAft>
+                <a:spcPts val="0"/>
+              </a:spcAft>
+              <a:buClr>
+                <a:srgbClr val="FFFFFF"/>
+              </a:buClr>
+              <a:buSzPts val="2000"/>
+              <a:buFont typeface="Roboto Condensed"/>
+              <a:buNone/>
+              <a:defRPr sz="2000" b="1" i="0" u="none" strike="noStrike" cap="none">
+                <a:solidFill>
+                  <a:srgbClr val="FFFFFF"/>
+                </a:solidFill>
+                <a:latin typeface="Roboto Condensed"/>
+                <a:ea typeface="Roboto Condensed"/>
+                <a:cs typeface="Roboto Condensed"/>
+                <a:sym typeface="Roboto Condensed"/>
+              </a:defRPr>
+            </a:lvl8pPr>
+            <a:lvl9pPr marR="0" lvl="8" algn="l" rtl="0">
+              <a:lnSpc>
+                <a:spcPct val="100000"/>
+              </a:lnSpc>
+              <a:spcBef>
+                <a:spcPts val="0"/>
+              </a:spcBef>
+              <a:spcAft>
+                <a:spcPts val="0"/>
+              </a:spcAft>
+              <a:buClr>
+                <a:srgbClr val="FFFFFF"/>
+              </a:buClr>
+              <a:buSzPts val="2000"/>
+              <a:buFont typeface="Roboto Condensed"/>
+              <a:buNone/>
+              <a:defRPr sz="2000" b="1" i="0" u="none" strike="noStrike" cap="none">
+                <a:solidFill>
+                  <a:srgbClr val="FFFFFF"/>
+                </a:solidFill>
+                <a:latin typeface="Roboto Condensed"/>
+                <a:ea typeface="Roboto Condensed"/>
+                <a:cs typeface="Roboto Condensed"/>
+                <a:sym typeface="Roboto Condensed"/>
+              </a:defRPr>
+            </a:lvl9pPr>
+          </a:lstStyle>
+          <a:p>
+            <a:pPr algn="ctr"/>
+            <a:r>
+              <a:rPr lang="en-ID" sz="6000" dirty="0">
+                <a:solidFill>
+                  <a:srgbClr val="FF9800"/>
+                </a:solidFill>
+              </a:rPr>
+              <a:t>THANKS!</a:t>
+            </a:r>
+          </a:p>
+        </p:txBody>
+      </p:sp>
+      <p:sp>
+        <p:nvSpPr>
+          <p:cNvPr id="8" name="Google Shape;504;p34">
+            <a:extLst>
+              <a:ext uri="{FF2B5EF4-FFF2-40B4-BE49-F238E27FC236}">
+                <a16:creationId xmlns:a16="http://schemas.microsoft.com/office/drawing/2014/main" id="{B5214893-A268-44FE-ABC9-3054FAC1545C}"/>
+              </a:ext>
+            </a:extLst>
+          </p:cNvPr>
+          <p:cNvSpPr txBox="1">
+            <a:spLocks/>
+          </p:cNvSpPr>
+          <p:nvPr/>
+        </p:nvSpPr>
+        <p:spPr>
+          <a:xfrm>
+            <a:off x="1275150" y="3230000"/>
+            <a:ext cx="6593700" cy="1342200"/>
+          </a:xfrm>
+          <a:prstGeom prst="rect">
+            <a:avLst/>
+          </a:prstGeom>
+          <a:noFill/>
+          <a:ln>
+            <a:noFill/>
+          </a:ln>
+        </p:spPr>
+        <p:txBody>
+          <a:bodyPr spcFirstLastPara="1" wrap="square" lIns="91425" tIns="91425" rIns="91425" bIns="91425" anchor="ctr" anchorCtr="0">
+            <a:noAutofit/>
+          </a:bodyPr>
+          <a:lstStyle>
+            <a:defPPr marR="0" lvl="0" algn="l" rtl="0">
+              <a:lnSpc>
+                <a:spcPct val="100000"/>
+              </a:lnSpc>
+              <a:spcBef>
+                <a:spcPts val="0"/>
+              </a:spcBef>
+              <a:spcAft>
+                <a:spcPts val="0"/>
+              </a:spcAft>
+            </a:defPPr>
+            <a:lvl1pPr marL="457200" marR="0" lvl="0" indent="-381000" algn="l" rtl="0">
+              <a:lnSpc>
+                <a:spcPct val="100000"/>
+              </a:lnSpc>
+              <a:spcBef>
+                <a:spcPts val="600"/>
+              </a:spcBef>
+              <a:spcAft>
+                <a:spcPts val="0"/>
+              </a:spcAft>
+              <a:buClr>
+                <a:srgbClr val="C7D3E6"/>
+              </a:buClr>
+              <a:buSzPts val="2400"/>
+              <a:buFont typeface="Roboto Condensed Light"/>
+              <a:buChar char="▰"/>
+              <a:defRPr sz="2400" b="0" i="0" u="none" strike="noStrike" cap="none">
+                <a:solidFill>
+                  <a:srgbClr val="263248"/>
+                </a:solidFill>
+                <a:latin typeface="Roboto Condensed Light"/>
+                <a:ea typeface="Roboto Condensed Light"/>
+                <a:cs typeface="Roboto Condensed Light"/>
+                <a:sym typeface="Roboto Condensed Light"/>
+              </a:defRPr>
+            </a:lvl1pPr>
+            <a:lvl2pPr marL="914400" marR="0" lvl="1" indent="-381000" algn="l" rtl="0">
+              <a:lnSpc>
+                <a:spcPct val="100000"/>
+              </a:lnSpc>
+              <a:spcBef>
+                <a:spcPts val="1000"/>
+              </a:spcBef>
+              <a:spcAft>
+                <a:spcPts val="0"/>
+              </a:spcAft>
+              <a:buClr>
+                <a:srgbClr val="C7D3E6"/>
+              </a:buClr>
+              <a:buSzPts val="2400"/>
+              <a:buFont typeface="Roboto Condensed Light"/>
+              <a:buChar char="▻"/>
+              <a:defRPr sz="2400" b="0" i="0" u="none" strike="noStrike" cap="none">
+                <a:solidFill>
+                  <a:srgbClr val="263248"/>
+                </a:solidFill>
+                <a:latin typeface="Roboto Condensed Light"/>
+                <a:ea typeface="Roboto Condensed Light"/>
+                <a:cs typeface="Roboto Condensed Light"/>
+                <a:sym typeface="Roboto Condensed Light"/>
+              </a:defRPr>
+            </a:lvl2pPr>
+            <a:lvl3pPr marL="1371600" marR="0" lvl="2" indent="-381000" algn="l" rtl="0">
+              <a:lnSpc>
+                <a:spcPct val="100000"/>
+              </a:lnSpc>
+              <a:spcBef>
+                <a:spcPts val="1000"/>
+              </a:spcBef>
+              <a:spcAft>
+                <a:spcPts val="0"/>
+              </a:spcAft>
+              <a:buClr>
+                <a:srgbClr val="C7D3E6"/>
+              </a:buClr>
+              <a:buSzPts val="2400"/>
+              <a:buFont typeface="Roboto Condensed Light"/>
+              <a:buChar char="▻"/>
+              <a:defRPr sz="2400" b="0" i="0" u="none" strike="noStrike" cap="none">
+                <a:solidFill>
+                  <a:srgbClr val="263248"/>
+                </a:solidFill>
+                <a:latin typeface="Roboto Condensed Light"/>
+                <a:ea typeface="Roboto Condensed Light"/>
+                <a:cs typeface="Roboto Condensed Light"/>
+                <a:sym typeface="Roboto Condensed Light"/>
+              </a:defRPr>
+            </a:lvl3pPr>
+            <a:lvl4pPr marL="1828800" marR="0" lvl="3" indent="-381000" algn="l" rtl="0">
+              <a:lnSpc>
+                <a:spcPct val="100000"/>
+              </a:lnSpc>
+              <a:spcBef>
+                <a:spcPts val="1000"/>
+              </a:spcBef>
+              <a:spcAft>
+                <a:spcPts val="0"/>
+              </a:spcAft>
+              <a:buClr>
+                <a:srgbClr val="C7D3E6"/>
+              </a:buClr>
+              <a:buSzPts val="2400"/>
+              <a:buFont typeface="Roboto Condensed Light"/>
+              <a:buChar char="▻"/>
+              <a:defRPr sz="2400" b="0" i="0" u="none" strike="noStrike" cap="none">
+                <a:solidFill>
+                  <a:srgbClr val="263248"/>
+                </a:solidFill>
+                <a:latin typeface="Roboto Condensed Light"/>
+                <a:ea typeface="Roboto Condensed Light"/>
+                <a:cs typeface="Roboto Condensed Light"/>
+                <a:sym typeface="Roboto Condensed Light"/>
+              </a:defRPr>
+            </a:lvl4pPr>
+            <a:lvl5pPr marL="2286000" marR="0" lvl="4" indent="-381000" algn="l" rtl="0">
+              <a:lnSpc>
+                <a:spcPct val="100000"/>
+              </a:lnSpc>
+              <a:spcBef>
+                <a:spcPts val="1000"/>
+              </a:spcBef>
+              <a:spcAft>
+                <a:spcPts val="0"/>
+              </a:spcAft>
+              <a:buClr>
+                <a:srgbClr val="C7D3E6"/>
+              </a:buClr>
+              <a:buSzPts val="2400"/>
+              <a:buFont typeface="Roboto Condensed Light"/>
+              <a:buChar char="▻"/>
+              <a:defRPr sz="2400" b="0" i="0" u="none" strike="noStrike" cap="none">
+                <a:solidFill>
+                  <a:srgbClr val="263248"/>
+                </a:solidFill>
+                <a:latin typeface="Roboto Condensed Light"/>
+                <a:ea typeface="Roboto Condensed Light"/>
+                <a:cs typeface="Roboto Condensed Light"/>
+                <a:sym typeface="Roboto Condensed Light"/>
+              </a:defRPr>
+            </a:lvl5pPr>
+            <a:lvl6pPr marL="2743200" marR="0" lvl="5" indent="-381000" algn="l" rtl="0">
+              <a:lnSpc>
+                <a:spcPct val="100000"/>
+              </a:lnSpc>
+              <a:spcBef>
+                <a:spcPts val="1000"/>
+              </a:spcBef>
+              <a:spcAft>
+                <a:spcPts val="0"/>
+              </a:spcAft>
+              <a:buClr>
+                <a:srgbClr val="C7D3E6"/>
+              </a:buClr>
+              <a:buSzPts val="2400"/>
+              <a:buFont typeface="Roboto Condensed Light"/>
+              <a:buChar char="▻"/>
+              <a:defRPr sz="2400" b="0" i="0" u="none" strike="noStrike" cap="none">
+                <a:solidFill>
+                  <a:srgbClr val="263248"/>
+                </a:solidFill>
+                <a:latin typeface="Roboto Condensed Light"/>
+                <a:ea typeface="Roboto Condensed Light"/>
+                <a:cs typeface="Roboto Condensed Light"/>
+                <a:sym typeface="Roboto Condensed Light"/>
+              </a:defRPr>
+            </a:lvl6pPr>
+            <a:lvl7pPr marL="3200400" marR="0" lvl="6" indent="-381000" algn="l" rtl="0">
+              <a:lnSpc>
+                <a:spcPct val="100000"/>
+              </a:lnSpc>
+              <a:spcBef>
+                <a:spcPts val="1000"/>
+              </a:spcBef>
+              <a:spcAft>
+                <a:spcPts val="0"/>
+              </a:spcAft>
+              <a:buClr>
+                <a:srgbClr val="C7D3E6"/>
+              </a:buClr>
+              <a:buSzPts val="2400"/>
+              <a:buFont typeface="Roboto Condensed Light"/>
+              <a:buChar char="▻"/>
+              <a:defRPr sz="2400" b="0" i="0" u="none" strike="noStrike" cap="none">
+                <a:solidFill>
+                  <a:srgbClr val="263248"/>
+                </a:solidFill>
+                <a:latin typeface="Roboto Condensed Light"/>
+                <a:ea typeface="Roboto Condensed Light"/>
+                <a:cs typeface="Roboto Condensed Light"/>
+                <a:sym typeface="Roboto Condensed Light"/>
+              </a:defRPr>
+            </a:lvl7pPr>
+            <a:lvl8pPr marL="3657600" marR="0" lvl="7" indent="-381000" algn="l" rtl="0">
+              <a:lnSpc>
+                <a:spcPct val="100000"/>
+              </a:lnSpc>
+              <a:spcBef>
+                <a:spcPts val="1000"/>
+              </a:spcBef>
+              <a:spcAft>
+                <a:spcPts val="0"/>
+              </a:spcAft>
+              <a:buClr>
+                <a:srgbClr val="C7D3E6"/>
+              </a:buClr>
+              <a:buSzPts val="2400"/>
+              <a:buFont typeface="Roboto Condensed Light"/>
+              <a:buChar char="▻"/>
+              <a:defRPr sz="2400" b="0" i="0" u="none" strike="noStrike" cap="none">
+                <a:solidFill>
+                  <a:srgbClr val="263248"/>
+                </a:solidFill>
+                <a:latin typeface="Roboto Condensed Light"/>
+                <a:ea typeface="Roboto Condensed Light"/>
+                <a:cs typeface="Roboto Condensed Light"/>
+                <a:sym typeface="Roboto Condensed Light"/>
+              </a:defRPr>
+            </a:lvl8pPr>
+            <a:lvl9pPr marL="4114800" marR="0" lvl="8" indent="-381000" algn="l" rtl="0">
+              <a:lnSpc>
+                <a:spcPct val="100000"/>
+              </a:lnSpc>
+              <a:spcBef>
+                <a:spcPts val="1000"/>
+              </a:spcBef>
+              <a:spcAft>
+                <a:spcPts val="1000"/>
+              </a:spcAft>
+              <a:buClr>
+                <a:srgbClr val="C7D3E6"/>
+              </a:buClr>
+              <a:buSzPts val="2400"/>
+              <a:buFont typeface="Roboto Condensed Light"/>
+              <a:buChar char="▻"/>
+              <a:defRPr sz="2400" b="0" i="0" u="none" strike="noStrike" cap="none">
+                <a:solidFill>
+                  <a:srgbClr val="263248"/>
+                </a:solidFill>
+                <a:latin typeface="Roboto Condensed Light"/>
+                <a:ea typeface="Roboto Condensed Light"/>
+                <a:cs typeface="Roboto Condensed Light"/>
+                <a:sym typeface="Roboto Condensed Light"/>
+              </a:defRPr>
+            </a:lvl9pPr>
+          </a:lstStyle>
+          <a:p>
+            <a:pPr marL="0" indent="0" algn="ctr">
+              <a:spcBef>
+                <a:spcPts val="0"/>
+              </a:spcBef>
+              <a:buFont typeface="Roboto Condensed Light"/>
+              <a:buNone/>
+            </a:pPr>
+            <a:r>
+              <a:rPr lang="en-US" sz="2000" b="1"/>
+              <a:t>Any questions?</a:t>
+            </a:r>
+          </a:p>
+          <a:p>
+            <a:pPr marL="0" indent="0" algn="ctr">
+              <a:spcBef>
+                <a:spcPts val="0"/>
+              </a:spcBef>
+              <a:buClr>
+                <a:schemeClr val="dk1"/>
+              </a:buClr>
+              <a:buSzPts val="1100"/>
+              <a:buFont typeface="Arial"/>
+              <a:buNone/>
+            </a:pPr>
+            <a:r>
+              <a:rPr lang="en-US" sz="2000"/>
+              <a:t>Contact Your Trainer</a:t>
+            </a:r>
+            <a:endParaRPr lang="en-US" sz="2000" b="1" dirty="0"/>
+          </a:p>
+        </p:txBody>
+      </p:sp>
+      <p:grpSp>
+        <p:nvGrpSpPr>
+          <p:cNvPr id="9" name="Google Shape;505;p34">
+            <a:extLst>
+              <a:ext uri="{FF2B5EF4-FFF2-40B4-BE49-F238E27FC236}">
+                <a16:creationId xmlns:a16="http://schemas.microsoft.com/office/drawing/2014/main" id="{70D484B9-11F0-47B0-9F46-5DAD94095A3A}"/>
+              </a:ext>
+            </a:extLst>
+          </p:cNvPr>
+          <p:cNvGrpSpPr/>
+          <p:nvPr/>
+        </p:nvGrpSpPr>
+        <p:grpSpPr>
+          <a:xfrm>
+            <a:off x="3996210" y="966817"/>
+            <a:ext cx="1197664" cy="1126777"/>
+            <a:chOff x="5972700" y="2330200"/>
+            <a:chExt cx="411625" cy="387275"/>
+          </a:xfrm>
+        </p:grpSpPr>
+        <p:sp>
+          <p:nvSpPr>
+            <p:cNvPr id="10" name="Google Shape;506;p34">
+              <a:extLst>
+                <a:ext uri="{FF2B5EF4-FFF2-40B4-BE49-F238E27FC236}">
+                  <a16:creationId xmlns:a16="http://schemas.microsoft.com/office/drawing/2014/main" id="{76757007-AD77-4A0A-9665-AC9B00DDAFF7}"/>
+                </a:ext>
+              </a:extLst>
+            </p:cNvPr>
+            <p:cNvSpPr/>
+            <p:nvPr/>
+          </p:nvSpPr>
+          <p:spPr>
+            <a:xfrm>
+              <a:off x="5972700" y="2476950"/>
+              <a:ext cx="98050" cy="219825"/>
+            </a:xfrm>
+            <a:custGeom>
+              <a:avLst/>
+              <a:gdLst/>
+              <a:ahLst/>
+              <a:cxnLst/>
+              <a:rect l="l" t="t" r="r" b="b"/>
+              <a:pathLst>
+                <a:path w="3922" h="8793" fill="none" extrusionOk="0">
+                  <a:moveTo>
+                    <a:pt x="0" y="0"/>
+                  </a:moveTo>
+                  <a:lnTo>
+                    <a:pt x="0" y="8792"/>
+                  </a:lnTo>
+                  <a:lnTo>
+                    <a:pt x="3921" y="8792"/>
+                  </a:lnTo>
+                  <a:lnTo>
+                    <a:pt x="3921" y="0"/>
+                  </a:lnTo>
+                  <a:lnTo>
+                    <a:pt x="0" y="0"/>
+                  </a:lnTo>
+                  <a:close/>
+                  <a:moveTo>
+                    <a:pt x="2411" y="2411"/>
+                  </a:moveTo>
+                  <a:lnTo>
+                    <a:pt x="2411" y="2411"/>
+                  </a:lnTo>
+                  <a:lnTo>
+                    <a:pt x="2265" y="2387"/>
+                  </a:lnTo>
+                  <a:lnTo>
+                    <a:pt x="2143" y="2363"/>
+                  </a:lnTo>
+                  <a:lnTo>
+                    <a:pt x="2022" y="2290"/>
+                  </a:lnTo>
+                  <a:lnTo>
+                    <a:pt x="1924" y="2216"/>
+                  </a:lnTo>
+                  <a:lnTo>
+                    <a:pt x="1827" y="2095"/>
+                  </a:lnTo>
+                  <a:lnTo>
+                    <a:pt x="1754" y="1973"/>
+                  </a:lnTo>
+                  <a:lnTo>
+                    <a:pt x="1729" y="1851"/>
+                  </a:lnTo>
+                  <a:lnTo>
+                    <a:pt x="1705" y="1705"/>
+                  </a:lnTo>
+                  <a:lnTo>
+                    <a:pt x="1705" y="1705"/>
+                  </a:lnTo>
+                  <a:lnTo>
+                    <a:pt x="1729" y="1559"/>
+                  </a:lnTo>
+                  <a:lnTo>
+                    <a:pt x="1754" y="1437"/>
+                  </a:lnTo>
+                  <a:lnTo>
+                    <a:pt x="1827" y="1315"/>
+                  </a:lnTo>
+                  <a:lnTo>
+                    <a:pt x="1924" y="1218"/>
+                  </a:lnTo>
+                  <a:lnTo>
+                    <a:pt x="2022" y="1120"/>
+                  </a:lnTo>
+                  <a:lnTo>
+                    <a:pt x="2143" y="1072"/>
+                  </a:lnTo>
+                  <a:lnTo>
+                    <a:pt x="2265" y="1023"/>
+                  </a:lnTo>
+                  <a:lnTo>
+                    <a:pt x="2411" y="999"/>
+                  </a:lnTo>
+                  <a:lnTo>
+                    <a:pt x="2411" y="999"/>
+                  </a:lnTo>
+                  <a:lnTo>
+                    <a:pt x="2557" y="1023"/>
+                  </a:lnTo>
+                  <a:lnTo>
+                    <a:pt x="2679" y="1072"/>
+                  </a:lnTo>
+                  <a:lnTo>
+                    <a:pt x="2801" y="1120"/>
+                  </a:lnTo>
+                  <a:lnTo>
+                    <a:pt x="2898" y="1218"/>
+                  </a:lnTo>
+                  <a:lnTo>
+                    <a:pt x="2996" y="1315"/>
+                  </a:lnTo>
+                  <a:lnTo>
+                    <a:pt x="3069" y="1437"/>
+                  </a:lnTo>
+                  <a:lnTo>
+                    <a:pt x="3093" y="1559"/>
+                  </a:lnTo>
+                  <a:lnTo>
+                    <a:pt x="3118" y="1705"/>
+                  </a:lnTo>
+                  <a:lnTo>
+                    <a:pt x="3118" y="1705"/>
+                  </a:lnTo>
+                  <a:lnTo>
+                    <a:pt x="3093" y="1851"/>
+                  </a:lnTo>
+                  <a:lnTo>
+                    <a:pt x="3069" y="1973"/>
+                  </a:lnTo>
+                  <a:lnTo>
+                    <a:pt x="2996" y="2095"/>
+                  </a:lnTo>
+                  <a:lnTo>
+                    <a:pt x="2898" y="2216"/>
+                  </a:lnTo>
+                  <a:lnTo>
+                    <a:pt x="2801" y="2290"/>
+                  </a:lnTo>
+                  <a:lnTo>
+                    <a:pt x="2679" y="2363"/>
+                  </a:lnTo>
+                  <a:lnTo>
+                    <a:pt x="2557" y="2387"/>
+                  </a:lnTo>
+                  <a:lnTo>
+                    <a:pt x="2411" y="2411"/>
+                  </a:lnTo>
+                  <a:lnTo>
+                    <a:pt x="2411" y="2411"/>
+                  </a:lnTo>
+                  <a:close/>
+                </a:path>
+              </a:pathLst>
+            </a:custGeom>
+            <a:noFill/>
+            <a:ln w="19050" cap="rnd" cmpd="sng">
+              <a:solidFill>
+                <a:srgbClr val="3F5378"/>
+              </a:solidFill>
+              <a:prstDash val="solid"/>
+              <a:round/>
+              <a:headEnd type="none" w="sm" len="sm"/>
+              <a:tailEnd type="none" w="sm" len="sm"/>
+            </a:ln>
+          </p:spPr>
+          <p:txBody>
+            <a:bodyPr spcFirstLastPara="1" wrap="square" lIns="91425" tIns="91425" rIns="91425" bIns="91425" anchor="ctr" anchorCtr="0">
+              <a:noAutofit/>
+            </a:bodyPr>
+            <a:lstStyle/>
+            <a:p>
+              <a:pPr marL="0" lvl="0" indent="0" algn="l" rtl="0">
+                <a:spcBef>
+                  <a:spcPts val="0"/>
+                </a:spcBef>
+                <a:spcAft>
+                  <a:spcPts val="0"/>
+                </a:spcAft>
+                <a:buNone/>
+              </a:pPr>
+              <a:endParaRPr/>
+            </a:p>
+          </p:txBody>
+        </p:sp>
+        <p:sp>
+          <p:nvSpPr>
+            <p:cNvPr id="11" name="Google Shape;507;p34">
+              <a:extLst>
+                <a:ext uri="{FF2B5EF4-FFF2-40B4-BE49-F238E27FC236}">
+                  <a16:creationId xmlns:a16="http://schemas.microsoft.com/office/drawing/2014/main" id="{CA3A8D0B-EBC0-43D6-BE57-9C14084CF36B}"/>
+                </a:ext>
+              </a:extLst>
+            </p:cNvPr>
+            <p:cNvSpPr/>
+            <p:nvPr/>
+          </p:nvSpPr>
+          <p:spPr>
+            <a:xfrm>
+              <a:off x="6078025" y="2330200"/>
+              <a:ext cx="306300" cy="387275"/>
+            </a:xfrm>
+            <a:custGeom>
+              <a:avLst/>
+              <a:gdLst/>
+              <a:ahLst/>
+              <a:cxnLst/>
+              <a:rect l="l" t="t" r="r" b="b"/>
+              <a:pathLst>
+                <a:path w="12252" h="15491" fill="none" extrusionOk="0">
+                  <a:moveTo>
+                    <a:pt x="1" y="13396"/>
+                  </a:moveTo>
+                  <a:lnTo>
+                    <a:pt x="1511" y="13396"/>
+                  </a:lnTo>
+                  <a:lnTo>
+                    <a:pt x="1511" y="13396"/>
+                  </a:lnTo>
+                  <a:lnTo>
+                    <a:pt x="1998" y="13639"/>
+                  </a:lnTo>
+                  <a:lnTo>
+                    <a:pt x="2680" y="13932"/>
+                  </a:lnTo>
+                  <a:lnTo>
+                    <a:pt x="3556" y="14273"/>
+                  </a:lnTo>
+                  <a:lnTo>
+                    <a:pt x="4531" y="14638"/>
+                  </a:lnTo>
+                  <a:lnTo>
+                    <a:pt x="5578" y="14955"/>
+                  </a:lnTo>
+                  <a:lnTo>
+                    <a:pt x="6114" y="15101"/>
+                  </a:lnTo>
+                  <a:lnTo>
+                    <a:pt x="6650" y="15222"/>
+                  </a:lnTo>
+                  <a:lnTo>
+                    <a:pt x="7161" y="15344"/>
+                  </a:lnTo>
+                  <a:lnTo>
+                    <a:pt x="7672" y="15417"/>
+                  </a:lnTo>
+                  <a:lnTo>
+                    <a:pt x="8135" y="15466"/>
+                  </a:lnTo>
+                  <a:lnTo>
+                    <a:pt x="8598" y="15490"/>
+                  </a:lnTo>
+                  <a:lnTo>
+                    <a:pt x="8598" y="15490"/>
+                  </a:lnTo>
+                  <a:lnTo>
+                    <a:pt x="9377" y="15490"/>
+                  </a:lnTo>
+                  <a:lnTo>
+                    <a:pt x="9791" y="15466"/>
+                  </a:lnTo>
+                  <a:lnTo>
+                    <a:pt x="10181" y="15417"/>
+                  </a:lnTo>
+                  <a:lnTo>
+                    <a:pt x="10522" y="15320"/>
+                  </a:lnTo>
+                  <a:lnTo>
+                    <a:pt x="10692" y="15271"/>
+                  </a:lnTo>
+                  <a:lnTo>
+                    <a:pt x="10814" y="15222"/>
+                  </a:lnTo>
+                  <a:lnTo>
+                    <a:pt x="10936" y="15149"/>
+                  </a:lnTo>
+                  <a:lnTo>
+                    <a:pt x="11033" y="15052"/>
+                  </a:lnTo>
+                  <a:lnTo>
+                    <a:pt x="11082" y="14955"/>
+                  </a:lnTo>
+                  <a:lnTo>
+                    <a:pt x="11131" y="14833"/>
+                  </a:lnTo>
+                  <a:lnTo>
+                    <a:pt x="11204" y="14126"/>
+                  </a:lnTo>
+                  <a:lnTo>
+                    <a:pt x="11204" y="14126"/>
+                  </a:lnTo>
+                  <a:lnTo>
+                    <a:pt x="11180" y="13956"/>
+                  </a:lnTo>
+                  <a:lnTo>
+                    <a:pt x="11131" y="13810"/>
+                  </a:lnTo>
+                  <a:lnTo>
+                    <a:pt x="11033" y="13664"/>
+                  </a:lnTo>
+                  <a:lnTo>
+                    <a:pt x="10887" y="13542"/>
+                  </a:lnTo>
+                  <a:lnTo>
+                    <a:pt x="10887" y="13542"/>
+                  </a:lnTo>
+                  <a:lnTo>
+                    <a:pt x="11009" y="13518"/>
+                  </a:lnTo>
+                  <a:lnTo>
+                    <a:pt x="11131" y="13469"/>
+                  </a:lnTo>
+                  <a:lnTo>
+                    <a:pt x="11253" y="13420"/>
+                  </a:lnTo>
+                  <a:lnTo>
+                    <a:pt x="11350" y="13323"/>
+                  </a:lnTo>
+                  <a:lnTo>
+                    <a:pt x="11423" y="13225"/>
+                  </a:lnTo>
+                  <a:lnTo>
+                    <a:pt x="11496" y="13104"/>
+                  </a:lnTo>
+                  <a:lnTo>
+                    <a:pt x="11545" y="12957"/>
+                  </a:lnTo>
+                  <a:lnTo>
+                    <a:pt x="11569" y="12836"/>
+                  </a:lnTo>
+                  <a:lnTo>
+                    <a:pt x="11642" y="11959"/>
+                  </a:lnTo>
+                  <a:lnTo>
+                    <a:pt x="11642" y="11959"/>
+                  </a:lnTo>
+                  <a:lnTo>
+                    <a:pt x="11642" y="11837"/>
+                  </a:lnTo>
+                  <a:lnTo>
+                    <a:pt x="11642" y="11740"/>
+                  </a:lnTo>
+                  <a:lnTo>
+                    <a:pt x="11618" y="11618"/>
+                  </a:lnTo>
+                  <a:lnTo>
+                    <a:pt x="11569" y="11521"/>
+                  </a:lnTo>
+                  <a:lnTo>
+                    <a:pt x="11447" y="11350"/>
+                  </a:lnTo>
+                  <a:lnTo>
+                    <a:pt x="11374" y="11277"/>
+                  </a:lnTo>
+                  <a:lnTo>
+                    <a:pt x="11301" y="11204"/>
+                  </a:lnTo>
+                  <a:lnTo>
+                    <a:pt x="11301" y="11204"/>
+                  </a:lnTo>
+                  <a:lnTo>
+                    <a:pt x="11423" y="11180"/>
+                  </a:lnTo>
+                  <a:lnTo>
+                    <a:pt x="11521" y="11131"/>
+                  </a:lnTo>
+                  <a:lnTo>
+                    <a:pt x="11618" y="11058"/>
+                  </a:lnTo>
+                  <a:lnTo>
+                    <a:pt x="11715" y="10960"/>
+                  </a:lnTo>
+                  <a:lnTo>
+                    <a:pt x="11788" y="10863"/>
+                  </a:lnTo>
+                  <a:lnTo>
+                    <a:pt x="11837" y="10766"/>
+                  </a:lnTo>
+                  <a:lnTo>
+                    <a:pt x="11886" y="10644"/>
+                  </a:lnTo>
+                  <a:lnTo>
+                    <a:pt x="11910" y="10498"/>
+                  </a:lnTo>
+                  <a:lnTo>
+                    <a:pt x="11983" y="9645"/>
+                  </a:lnTo>
+                  <a:lnTo>
+                    <a:pt x="11983" y="9645"/>
+                  </a:lnTo>
+                  <a:lnTo>
+                    <a:pt x="11983" y="9523"/>
+                  </a:lnTo>
+                  <a:lnTo>
+                    <a:pt x="11983" y="9402"/>
+                  </a:lnTo>
+                  <a:lnTo>
+                    <a:pt x="11959" y="9280"/>
+                  </a:lnTo>
+                  <a:lnTo>
+                    <a:pt x="11910" y="9182"/>
+                  </a:lnTo>
+                  <a:lnTo>
+                    <a:pt x="11861" y="9085"/>
+                  </a:lnTo>
+                  <a:lnTo>
+                    <a:pt x="11788" y="9012"/>
+                  </a:lnTo>
+                  <a:lnTo>
+                    <a:pt x="11715" y="8939"/>
+                  </a:lnTo>
+                  <a:lnTo>
+                    <a:pt x="11618" y="8866"/>
+                  </a:lnTo>
+                  <a:lnTo>
+                    <a:pt x="11618" y="8866"/>
+                  </a:lnTo>
+                  <a:lnTo>
+                    <a:pt x="11715" y="8841"/>
+                  </a:lnTo>
+                  <a:lnTo>
+                    <a:pt x="11813" y="8768"/>
+                  </a:lnTo>
+                  <a:lnTo>
+                    <a:pt x="11910" y="8695"/>
+                  </a:lnTo>
+                  <a:lnTo>
+                    <a:pt x="11983" y="8622"/>
+                  </a:lnTo>
+                  <a:lnTo>
+                    <a:pt x="12056" y="8525"/>
+                  </a:lnTo>
+                  <a:lnTo>
+                    <a:pt x="12105" y="8427"/>
+                  </a:lnTo>
+                  <a:lnTo>
+                    <a:pt x="12129" y="8306"/>
+                  </a:lnTo>
+                  <a:lnTo>
+                    <a:pt x="12154" y="8184"/>
+                  </a:lnTo>
+                  <a:lnTo>
+                    <a:pt x="12251" y="7307"/>
+                  </a:lnTo>
+                  <a:lnTo>
+                    <a:pt x="12251" y="7307"/>
+                  </a:lnTo>
+                  <a:lnTo>
+                    <a:pt x="12227" y="7185"/>
+                  </a:lnTo>
+                  <a:lnTo>
+                    <a:pt x="12202" y="7064"/>
+                  </a:lnTo>
+                  <a:lnTo>
+                    <a:pt x="12154" y="6966"/>
+                  </a:lnTo>
+                  <a:lnTo>
+                    <a:pt x="12105" y="6869"/>
+                  </a:lnTo>
+                  <a:lnTo>
+                    <a:pt x="12032" y="6771"/>
+                  </a:lnTo>
+                  <a:lnTo>
+                    <a:pt x="11935" y="6698"/>
+                  </a:lnTo>
+                  <a:lnTo>
+                    <a:pt x="11715" y="6552"/>
+                  </a:lnTo>
+                  <a:lnTo>
+                    <a:pt x="11472" y="6430"/>
+                  </a:lnTo>
+                  <a:lnTo>
+                    <a:pt x="11180" y="6333"/>
+                  </a:lnTo>
+                  <a:lnTo>
+                    <a:pt x="10863" y="6260"/>
+                  </a:lnTo>
+                  <a:lnTo>
+                    <a:pt x="10546" y="6211"/>
+                  </a:lnTo>
+                  <a:lnTo>
+                    <a:pt x="10546" y="6211"/>
+                  </a:lnTo>
+                  <a:lnTo>
+                    <a:pt x="9864" y="6114"/>
+                  </a:lnTo>
+                  <a:lnTo>
+                    <a:pt x="8817" y="6016"/>
+                  </a:lnTo>
+                  <a:lnTo>
+                    <a:pt x="7575" y="5943"/>
+                  </a:lnTo>
+                  <a:lnTo>
+                    <a:pt x="6309" y="5870"/>
+                  </a:lnTo>
+                  <a:lnTo>
+                    <a:pt x="6309" y="5870"/>
+                  </a:lnTo>
+                  <a:lnTo>
+                    <a:pt x="6479" y="5578"/>
+                  </a:lnTo>
+                  <a:lnTo>
+                    <a:pt x="6625" y="5237"/>
+                  </a:lnTo>
+                  <a:lnTo>
+                    <a:pt x="6771" y="4872"/>
+                  </a:lnTo>
+                  <a:lnTo>
+                    <a:pt x="6869" y="4482"/>
+                  </a:lnTo>
+                  <a:lnTo>
+                    <a:pt x="6966" y="4092"/>
+                  </a:lnTo>
+                  <a:lnTo>
+                    <a:pt x="7064" y="3678"/>
+                  </a:lnTo>
+                  <a:lnTo>
+                    <a:pt x="7161" y="2875"/>
+                  </a:lnTo>
+                  <a:lnTo>
+                    <a:pt x="7234" y="2144"/>
+                  </a:lnTo>
+                  <a:lnTo>
+                    <a:pt x="7283" y="1535"/>
+                  </a:lnTo>
+                  <a:lnTo>
+                    <a:pt x="7283" y="975"/>
+                  </a:lnTo>
+                  <a:lnTo>
+                    <a:pt x="7283" y="975"/>
+                  </a:lnTo>
+                  <a:lnTo>
+                    <a:pt x="7283" y="804"/>
+                  </a:lnTo>
+                  <a:lnTo>
+                    <a:pt x="7210" y="609"/>
+                  </a:lnTo>
+                  <a:lnTo>
+                    <a:pt x="7137" y="463"/>
+                  </a:lnTo>
+                  <a:lnTo>
+                    <a:pt x="7015" y="317"/>
+                  </a:lnTo>
+                  <a:lnTo>
+                    <a:pt x="6869" y="171"/>
+                  </a:lnTo>
+                  <a:lnTo>
+                    <a:pt x="6698" y="98"/>
+                  </a:lnTo>
+                  <a:lnTo>
+                    <a:pt x="6503" y="25"/>
+                  </a:lnTo>
+                  <a:lnTo>
+                    <a:pt x="6309" y="1"/>
+                  </a:lnTo>
+                  <a:lnTo>
+                    <a:pt x="6309" y="1"/>
+                  </a:lnTo>
+                  <a:lnTo>
+                    <a:pt x="5943" y="25"/>
+                  </a:lnTo>
+                  <a:lnTo>
+                    <a:pt x="5700" y="74"/>
+                  </a:lnTo>
+                  <a:lnTo>
+                    <a:pt x="5505" y="147"/>
+                  </a:lnTo>
+                  <a:lnTo>
+                    <a:pt x="5359" y="220"/>
+                  </a:lnTo>
+                  <a:lnTo>
+                    <a:pt x="5359" y="220"/>
+                  </a:lnTo>
+                  <a:lnTo>
+                    <a:pt x="4969" y="1462"/>
+                  </a:lnTo>
+                  <a:lnTo>
+                    <a:pt x="4774" y="2022"/>
+                  </a:lnTo>
+                  <a:lnTo>
+                    <a:pt x="4579" y="2534"/>
+                  </a:lnTo>
+                  <a:lnTo>
+                    <a:pt x="4385" y="2996"/>
+                  </a:lnTo>
+                  <a:lnTo>
+                    <a:pt x="4190" y="3386"/>
+                  </a:lnTo>
+                  <a:lnTo>
+                    <a:pt x="4019" y="3678"/>
+                  </a:lnTo>
+                  <a:lnTo>
+                    <a:pt x="3873" y="3922"/>
+                  </a:lnTo>
+                  <a:lnTo>
+                    <a:pt x="3873" y="3922"/>
+                  </a:lnTo>
+                  <a:lnTo>
+                    <a:pt x="3654" y="4141"/>
+                  </a:lnTo>
+                  <a:lnTo>
+                    <a:pt x="3313" y="4482"/>
+                  </a:lnTo>
+                  <a:lnTo>
+                    <a:pt x="2509" y="5237"/>
+                  </a:lnTo>
+                  <a:lnTo>
+                    <a:pt x="1438" y="6211"/>
+                  </a:lnTo>
+                  <a:lnTo>
+                    <a:pt x="1" y="6211"/>
+                  </a:lnTo>
+                </a:path>
+              </a:pathLst>
+            </a:custGeom>
+            <a:noFill/>
+            <a:ln w="19050" cap="rnd" cmpd="sng">
+              <a:solidFill>
+                <a:srgbClr val="3F5378"/>
+              </a:solidFill>
+              <a:prstDash val="solid"/>
+              <a:round/>
+              <a:headEnd type="none" w="sm" len="sm"/>
+              <a:tailEnd type="none" w="sm" len="sm"/>
+            </a:ln>
+          </p:spPr>
+          <p:txBody>
+            <a:bodyPr spcFirstLastPara="1" wrap="square" lIns="91425" tIns="91425" rIns="91425" bIns="91425" anchor="ctr" anchorCtr="0">
+              <a:noAutofit/>
+            </a:bodyPr>
+            <a:lstStyle/>
+            <a:p>
+              <a:pPr marL="0" lvl="0" indent="0" algn="l" rtl="0">
+                <a:spcBef>
+                  <a:spcPts val="0"/>
+                </a:spcBef>
+                <a:spcAft>
+                  <a:spcPts val="0"/>
+                </a:spcAft>
+                <a:buNone/>
+              </a:pPr>
+              <a:endParaRPr/>
+            </a:p>
+          </p:txBody>
+        </p:sp>
+      </p:grpSp>
+    </p:spTree>
+    <p:extLst>
+      <p:ext uri="{BB962C8B-B14F-4D97-AF65-F5344CB8AC3E}">
+        <p14:creationId xmlns:p14="http://schemas.microsoft.com/office/powerpoint/2010/main" val="3459132200"/>
       </p:ext>
     </p:extLst>
   </p:cSld>
@@ -11788,7 +16047,7 @@
           <p:cNvPr id="5" name="Text Placeholder 4">
             <a:extLst>
               <a:ext uri="{FF2B5EF4-FFF2-40B4-BE49-F238E27FC236}">
-                <a16:creationId xmlns:a16="http://schemas.microsoft.com/office/drawing/2014/main" id="{1433AF15-93AA-405E-8D8A-90F9A13F4A6C}"/>
+                <a16:creationId xmlns:a16="http://schemas.microsoft.com/office/drawing/2014/main" id="{31216BE0-4164-4000-9688-F6315B83803F}"/>
               </a:ext>
             </a:extLst>
           </p:cNvPr>
@@ -11808,18 +16067,13 @@
               <a:buNone/>
             </a:pPr>
             <a:r>
-              <a:rPr lang="en-US" dirty="0"/>
-              <a:t>Names used for classes, variables, and methods are called </a:t>
-            </a:r>
-            <a:r>
-              <a:rPr lang="en-US" b="1" dirty="0"/>
-              <a:t>identifiers</a:t>
-            </a:r>
-            <a:r>
-              <a:rPr lang="en-US" dirty="0"/>
-              <a:t>.</a:t>
-            </a:r>
-            <a:endParaRPr lang="en-ID" dirty="0"/>
+              <a:rPr lang="en-US" sz="3200" b="1" dirty="0"/>
+              <a:t>Object</a:t>
+            </a:r>
+            <a:r>
+              <a:rPr lang="en-US" sz="3200" dirty="0"/>
+              <a:t> − Objects have states and behaviors.</a:t>
+            </a:r>
           </a:p>
         </p:txBody>
       </p:sp>
@@ -11828,7 +16082,7 @@
           <p:cNvPr id="4" name="Slide Number Placeholder 3">
             <a:extLst>
               <a:ext uri="{FF2B5EF4-FFF2-40B4-BE49-F238E27FC236}">
-                <a16:creationId xmlns:a16="http://schemas.microsoft.com/office/drawing/2014/main" id="{B1F1CCD9-901E-4C1B-B7D5-89992F6FA7D2}"/>
+                <a16:creationId xmlns:a16="http://schemas.microsoft.com/office/drawing/2014/main" id="{711938A5-E538-4034-9953-A0AB8FEE0F2D}"/>
               </a:ext>
             </a:extLst>
           </p:cNvPr>
@@ -11864,7 +16118,7 @@
     </p:spTree>
     <p:extLst>
       <p:ext uri="{BB962C8B-B14F-4D97-AF65-F5344CB8AC3E}">
-        <p14:creationId xmlns:p14="http://schemas.microsoft.com/office/powerpoint/2010/main" val="3587394807"/>
+        <p14:creationId xmlns:p14="http://schemas.microsoft.com/office/powerpoint/2010/main" val="1701172856"/>
       </p:ext>
     </p:extLst>
   </p:cSld>
@@ -11893,39 +16147,10 @@
       </p:grpSpPr>
       <p:sp>
         <p:nvSpPr>
-          <p:cNvPr id="4" name="Title 3">
+          <p:cNvPr id="2" name="Text Placeholder 1">
             <a:extLst>
               <a:ext uri="{FF2B5EF4-FFF2-40B4-BE49-F238E27FC236}">
-                <a16:creationId xmlns:a16="http://schemas.microsoft.com/office/drawing/2014/main" id="{824CD085-10BD-4DC5-85E7-BFFC272D4967}"/>
-              </a:ext>
-            </a:extLst>
-          </p:cNvPr>
-          <p:cNvSpPr>
-            <a:spLocks noGrp="1"/>
-          </p:cNvSpPr>
-          <p:nvPr>
-            <p:ph type="title"/>
-          </p:nvPr>
-        </p:nvSpPr>
-        <p:spPr/>
-        <p:txBody>
-          <a:bodyPr/>
-          <a:lstStyle/>
-          <a:p>
-            <a:r>
-              <a:rPr lang="en-US" dirty="0"/>
-              <a:t>Java – Identifier Rule</a:t>
-            </a:r>
-            <a:endParaRPr lang="en-ID" dirty="0"/>
-          </a:p>
-        </p:txBody>
-      </p:sp>
-      <p:sp>
-        <p:nvSpPr>
-          <p:cNvPr id="5" name="Text Placeholder 4">
-            <a:extLst>
-              <a:ext uri="{FF2B5EF4-FFF2-40B4-BE49-F238E27FC236}">
-                <a16:creationId xmlns:a16="http://schemas.microsoft.com/office/drawing/2014/main" id="{C8037C06-4287-43A4-9D77-88315664E0AD}"/>
+                <a16:creationId xmlns:a16="http://schemas.microsoft.com/office/drawing/2014/main" id="{A92D132A-4B17-4E43-B826-CAC972525A97}"/>
               </a:ext>
             </a:extLst>
           </p:cNvPr>
@@ -11941,41 +16166,31 @@
           <a:bodyPr/>
           <a:lstStyle/>
           <a:p>
-            <a:r>
-              <a:rPr lang="en-US" sz="1800" dirty="0"/>
-              <a:t>All identifiers should begin with a letter (A to Z or a to z), currency character ($) or an underscore (_).</a:t>
-            </a:r>
-          </a:p>
-          <a:p>
-            <a:r>
-              <a:rPr lang="en-US" sz="1800" dirty="0"/>
-              <a:t>After the first character, identifiers can have any combination of characters.</a:t>
-            </a:r>
-          </a:p>
-          <a:p>
-            <a:r>
-              <a:rPr lang="en-US" sz="1800" dirty="0"/>
-              <a:t>A key word cannot be used as an identifier.</a:t>
-            </a:r>
-          </a:p>
-          <a:p>
-            <a:r>
-              <a:rPr lang="en-US" sz="1800" dirty="0"/>
-              <a:t>Most importantly, identifiers are case sensitive.</a:t>
-            </a:r>
-          </a:p>
-          <a:p>
-            <a:r>
-              <a:rPr lang="en-US" sz="1800" dirty="0"/>
-              <a:t>Examples of legal identifiers: age, $salary, _value, __1_value.</a:t>
-            </a:r>
-          </a:p>
-          <a:p>
-            <a:r>
-              <a:rPr lang="en-US" sz="1800" dirty="0"/>
-              <a:t>Examples of illegal identifiers: 123abc, -salary.</a:t>
-            </a:r>
-            <a:endParaRPr lang="en-ID" sz="1800" dirty="0"/>
+            <a:pPr marL="38100" indent="0">
+              <a:buNone/>
+            </a:pPr>
+            <a:r>
+              <a:rPr lang="en-US" b="1" dirty="0"/>
+              <a:t>Class</a:t>
+            </a:r>
+            <a:r>
+              <a:rPr lang="en-US" dirty="0"/>
+              <a:t> − A class can be defined as a </a:t>
+            </a:r>
+            <a:r>
+              <a:rPr lang="en-US" b="1" dirty="0"/>
+              <a:t>template/blueprint</a:t>
+            </a:r>
+            <a:r>
+              <a:rPr lang="en-US" dirty="0"/>
+              <a:t> that describes the behavior/state that the object of its type supports.</a:t>
+            </a:r>
+          </a:p>
+          <a:p>
+            <a:pPr marL="38100" indent="0">
+              <a:buNone/>
+            </a:pPr>
+            <a:endParaRPr lang="en-ID" dirty="0"/>
           </a:p>
         </p:txBody>
       </p:sp>
@@ -11984,7 +16199,7 @@
           <p:cNvPr id="3" name="Slide Number Placeholder 2">
             <a:extLst>
               <a:ext uri="{FF2B5EF4-FFF2-40B4-BE49-F238E27FC236}">
-                <a16:creationId xmlns:a16="http://schemas.microsoft.com/office/drawing/2014/main" id="{A50F0322-63A6-4C0A-B9B4-534F33169168}"/>
+                <a16:creationId xmlns:a16="http://schemas.microsoft.com/office/drawing/2014/main" id="{B492DAFE-764F-48A6-813F-B4BC8E136498}"/>
               </a:ext>
             </a:extLst>
           </p:cNvPr>
@@ -12020,7 +16235,7 @@
     </p:spTree>
     <p:extLst>
       <p:ext uri="{BB962C8B-B14F-4D97-AF65-F5344CB8AC3E}">
-        <p14:creationId xmlns:p14="http://schemas.microsoft.com/office/powerpoint/2010/main" val="3048195084"/>
+        <p14:creationId xmlns:p14="http://schemas.microsoft.com/office/powerpoint/2010/main" val="3608965824"/>
       </p:ext>
     </p:extLst>
   </p:cSld>
@@ -12049,39 +16264,10 @@
       </p:grpSpPr>
       <p:sp>
         <p:nvSpPr>
-          <p:cNvPr id="2" name="Title 1">
+          <p:cNvPr id="2" name="Text Placeholder 1">
             <a:extLst>
               <a:ext uri="{FF2B5EF4-FFF2-40B4-BE49-F238E27FC236}">
-                <a16:creationId xmlns:a16="http://schemas.microsoft.com/office/drawing/2014/main" id="{4A692E40-7A2E-497C-A5FF-6F5E25CB94A1}"/>
-              </a:ext>
-            </a:extLst>
-          </p:cNvPr>
-          <p:cNvSpPr>
-            <a:spLocks noGrp="1"/>
-          </p:cNvSpPr>
-          <p:nvPr>
-            <p:ph type="title"/>
-          </p:nvPr>
-        </p:nvSpPr>
-        <p:spPr/>
-        <p:txBody>
-          <a:bodyPr/>
-          <a:lstStyle/>
-          <a:p>
-            <a:r>
-              <a:rPr lang="en-US" dirty="0"/>
-              <a:t>Java – Modifier</a:t>
-            </a:r>
-            <a:endParaRPr lang="en-ID" dirty="0"/>
-          </a:p>
-        </p:txBody>
-      </p:sp>
-      <p:sp>
-        <p:nvSpPr>
-          <p:cNvPr id="3" name="Text Placeholder 2">
-            <a:extLst>
-              <a:ext uri="{FF2B5EF4-FFF2-40B4-BE49-F238E27FC236}">
-                <a16:creationId xmlns:a16="http://schemas.microsoft.com/office/drawing/2014/main" id="{330E34E0-53DC-4D99-A085-355FDAD6EE65}"/>
+                <a16:creationId xmlns:a16="http://schemas.microsoft.com/office/drawing/2014/main" id="{863291DA-9A20-4968-A4D4-F5C2C7DDD7D5}"/>
               </a:ext>
             </a:extLst>
           </p:cNvPr>
@@ -12097,38 +16283,51 @@
           <a:bodyPr/>
           <a:lstStyle/>
           <a:p>
-            <a:r>
-              <a:rPr lang="en-ID" b="1" dirty="0"/>
-              <a:t>Access Modifiers</a:t>
-            </a:r>
-            <a:r>
-              <a:rPr lang="en-ID" dirty="0"/>
-              <a:t> − default, public , protected, private</a:t>
-            </a:r>
-          </a:p>
-          <a:p>
-            <a:r>
-              <a:rPr lang="en-ID" b="1" dirty="0"/>
-              <a:t>Non-access Modifiers</a:t>
-            </a:r>
-            <a:r>
-              <a:rPr lang="en-ID" dirty="0"/>
-              <a:t> − final, abstract, </a:t>
-            </a:r>
-            <a:r>
-              <a:rPr lang="en-ID" dirty="0" err="1"/>
-              <a:t>strictfp</a:t>
-            </a:r>
-            <a:endParaRPr lang="en-ID" dirty="0"/>
+            <a:pPr marL="38100" indent="0">
+              <a:buNone/>
+            </a:pPr>
+            <a:r>
+              <a:rPr lang="en-US" sz="2800" b="1" dirty="0"/>
+              <a:t>Method</a:t>
+            </a:r>
+            <a:r>
+              <a:rPr lang="en-US" sz="2800" dirty="0"/>
+              <a:t> - A method is basically </a:t>
+            </a:r>
+            <a:r>
+              <a:rPr lang="en-US" sz="2800" b="1" dirty="0"/>
+              <a:t>a behavior</a:t>
+            </a:r>
+            <a:r>
+              <a:rPr lang="en-US" sz="2800" dirty="0"/>
+              <a:t>. A class can contain </a:t>
+            </a:r>
+            <a:r>
+              <a:rPr lang="en-US" sz="2800" b="1" dirty="0"/>
+              <a:t>many methods</a:t>
+            </a:r>
+            <a:r>
+              <a:rPr lang="en-US" sz="2800" dirty="0"/>
+              <a:t>. It is in methods </a:t>
+            </a:r>
+            <a:r>
+              <a:rPr lang="en-US" sz="2800" b="1" dirty="0"/>
+              <a:t>where the logics are written</a:t>
+            </a:r>
+            <a:r>
+              <a:rPr lang="en-US" sz="2800" dirty="0"/>
+              <a:t>, data is manipulated and all the actions are executed.</a:t>
+            </a:r>
+            <a:endParaRPr lang="en-ID" sz="2800" dirty="0"/>
           </a:p>
         </p:txBody>
       </p:sp>
       <p:sp>
         <p:nvSpPr>
-          <p:cNvPr id="4" name="Slide Number Placeholder 3">
+          <p:cNvPr id="3" name="Slide Number Placeholder 2">
             <a:extLst>
               <a:ext uri="{FF2B5EF4-FFF2-40B4-BE49-F238E27FC236}">
-                <a16:creationId xmlns:a16="http://schemas.microsoft.com/office/drawing/2014/main" id="{363E12AF-809B-499C-B7C3-30DEA87D371F}"/>
+                <a16:creationId xmlns:a16="http://schemas.microsoft.com/office/drawing/2014/main" id="{49CDBEE5-5722-4CD7-8B43-40A8D62C4AF5}"/>
               </a:ext>
             </a:extLst>
           </p:cNvPr>
@@ -12164,7 +16363,7 @@
     </p:spTree>
     <p:extLst>
       <p:ext uri="{BB962C8B-B14F-4D97-AF65-F5344CB8AC3E}">
-        <p14:creationId xmlns:p14="http://schemas.microsoft.com/office/powerpoint/2010/main" val="2845213367"/>
+        <p14:creationId xmlns:p14="http://schemas.microsoft.com/office/powerpoint/2010/main" val="2418698380"/>
       </p:ext>
     </p:extLst>
   </p:cSld>
@@ -12193,10 +16392,10 @@
       </p:grpSpPr>
       <p:sp>
         <p:nvSpPr>
-          <p:cNvPr id="2" name="Title 1">
+          <p:cNvPr id="5" name="Title 4">
             <a:extLst>
               <a:ext uri="{FF2B5EF4-FFF2-40B4-BE49-F238E27FC236}">
-                <a16:creationId xmlns:a16="http://schemas.microsoft.com/office/drawing/2014/main" id="{CC4CFFBB-3609-4C73-9567-0A72476044BB}"/>
+                <a16:creationId xmlns:a16="http://schemas.microsoft.com/office/drawing/2014/main" id="{8A8C79F1-10AF-4D31-96C8-EA186408F2B6}"/>
               </a:ext>
             </a:extLst>
           </p:cNvPr>
@@ -12214,7 +16413,7 @@
           <a:p>
             <a:r>
               <a:rPr lang="en-US" dirty="0"/>
-              <a:t>Java - Variable</a:t>
+              <a:t>Java Introduction</a:t>
             </a:r>
             <a:endParaRPr lang="en-ID" dirty="0"/>
           </a:p>
@@ -12222,10 +16421,10 @@
       </p:sp>
       <p:sp>
         <p:nvSpPr>
-          <p:cNvPr id="3" name="Text Placeholder 2">
+          <p:cNvPr id="6" name="Text Placeholder 5">
             <a:extLst>
               <a:ext uri="{FF2B5EF4-FFF2-40B4-BE49-F238E27FC236}">
-                <a16:creationId xmlns:a16="http://schemas.microsoft.com/office/drawing/2014/main" id="{FC54FAC9-FA95-4110-84B2-14D9118E34B7}"/>
+                <a16:creationId xmlns:a16="http://schemas.microsoft.com/office/drawing/2014/main" id="{4223038A-8DB8-4C79-A059-21C5697F6F73}"/>
               </a:ext>
             </a:extLst>
           </p:cNvPr>
@@ -12238,25 +16437,48 @@
         </p:nvSpPr>
         <p:spPr/>
         <p:txBody>
-          <a:bodyPr/>
+          <a:bodyPr anchor="t"/>
           <a:lstStyle/>
           <a:p>
             <a:r>
-              <a:rPr lang="en-ID" dirty="0"/>
-              <a:t>Local Variables</a:t>
-            </a:r>
-          </a:p>
-          <a:p>
-            <a:r>
-              <a:rPr lang="en-ID" dirty="0"/>
-              <a:t>Class Variables (Static Variables)</a:t>
-            </a:r>
-          </a:p>
-          <a:p>
-            <a:r>
-              <a:rPr lang="en-ID" dirty="0"/>
-              <a:t>Instance Variables (Non-static Variables)</a:t>
-            </a:r>
+              <a:rPr lang="en-US" sz="2000" b="1" dirty="0"/>
+              <a:t>Object</a:t>
+            </a:r>
+            <a:r>
+              <a:rPr lang="en-US" sz="2000" dirty="0"/>
+              <a:t> − Objects have states and behaviors.</a:t>
+            </a:r>
+          </a:p>
+          <a:p>
+            <a:r>
+              <a:rPr lang="en-US" sz="2000" b="1" dirty="0"/>
+              <a:t>Class</a:t>
+            </a:r>
+            <a:r>
+              <a:rPr lang="en-US" sz="2000" dirty="0"/>
+              <a:t> − A class can be defined as a template/blueprint that describes the behavior/state that the object of its type supports.</a:t>
+            </a:r>
+          </a:p>
+          <a:p>
+            <a:r>
+              <a:rPr lang="en-US" sz="2000" b="1" dirty="0"/>
+              <a:t>Methods</a:t>
+            </a:r>
+            <a:r>
+              <a:rPr lang="en-US" sz="2000" dirty="0"/>
+              <a:t> − A method is basically a behavior.</a:t>
+            </a:r>
+          </a:p>
+          <a:p>
+            <a:r>
+              <a:rPr lang="en-US" sz="2000" b="1" dirty="0"/>
+              <a:t>Instance Variables </a:t>
+            </a:r>
+            <a:r>
+              <a:rPr lang="en-US" sz="2000" dirty="0"/>
+              <a:t>− Each object has its unique set of instance variables.</a:t>
+            </a:r>
+            <a:endParaRPr lang="en-ID" sz="2000" dirty="0"/>
           </a:p>
         </p:txBody>
       </p:sp>
@@ -12265,7 +16487,7 @@
           <p:cNvPr id="4" name="Slide Number Placeholder 3">
             <a:extLst>
               <a:ext uri="{FF2B5EF4-FFF2-40B4-BE49-F238E27FC236}">
-                <a16:creationId xmlns:a16="http://schemas.microsoft.com/office/drawing/2014/main" id="{C13F2676-7939-4391-928E-AE459FAFD478}"/>
+                <a16:creationId xmlns:a16="http://schemas.microsoft.com/office/drawing/2014/main" id="{8736B9C5-4108-4304-9A33-147C403372DB}"/>
               </a:ext>
             </a:extLst>
           </p:cNvPr>
@@ -12301,7 +16523,7 @@
     </p:spTree>
     <p:extLst>
       <p:ext uri="{BB962C8B-B14F-4D97-AF65-F5344CB8AC3E}">
-        <p14:creationId xmlns:p14="http://schemas.microsoft.com/office/powerpoint/2010/main" val="2178656967"/>
+        <p14:creationId xmlns:p14="http://schemas.microsoft.com/office/powerpoint/2010/main" val="121364339"/>
       </p:ext>
     </p:extLst>
   </p:cSld>
@@ -12333,7 +16555,7 @@
           <p:cNvPr id="2" name="Title 1">
             <a:extLst>
               <a:ext uri="{FF2B5EF4-FFF2-40B4-BE49-F238E27FC236}">
-                <a16:creationId xmlns:a16="http://schemas.microsoft.com/office/drawing/2014/main" id="{4E2BCB0C-B069-4EA2-9E49-B37BE2AF3A36}"/>
+                <a16:creationId xmlns:a16="http://schemas.microsoft.com/office/drawing/2014/main" id="{E1C4B97A-B25F-41FC-AB69-42B4BFB8A996}"/>
               </a:ext>
             </a:extLst>
           </p:cNvPr>
@@ -12341,7 +16563,7 @@
             <a:spLocks noGrp="1"/>
           </p:cNvSpPr>
           <p:nvPr>
-            <p:ph type="title"/>
+            <p:ph type="ctrTitle"/>
           </p:nvPr>
         </p:nvSpPr>
         <p:spPr/>
@@ -12351,7 +16573,36 @@
           <a:p>
             <a:r>
               <a:rPr lang="en-US" dirty="0"/>
-              <a:t>Java - Keyword</a:t>
+              <a:t>Day 01</a:t>
+            </a:r>
+            <a:endParaRPr lang="en-ID" dirty="0"/>
+          </a:p>
+        </p:txBody>
+      </p:sp>
+      <p:sp>
+        <p:nvSpPr>
+          <p:cNvPr id="3" name="Subtitle 2">
+            <a:extLst>
+              <a:ext uri="{FF2B5EF4-FFF2-40B4-BE49-F238E27FC236}">
+                <a16:creationId xmlns:a16="http://schemas.microsoft.com/office/drawing/2014/main" id="{B2DE4C9C-75AD-4D02-B515-6766EA1A235B}"/>
+              </a:ext>
+            </a:extLst>
+          </p:cNvPr>
+          <p:cNvSpPr>
+            <a:spLocks noGrp="1"/>
+          </p:cNvSpPr>
+          <p:nvPr>
+            <p:ph type="subTitle" idx="1"/>
+          </p:nvPr>
+        </p:nvSpPr>
+        <p:spPr/>
+        <p:txBody>
+          <a:bodyPr/>
+          <a:lstStyle/>
+          <a:p>
+            <a:r>
+              <a:rPr lang="en-US" dirty="0"/>
+              <a:t>Naming Convention</a:t>
             </a:r>
             <a:endParaRPr lang="en-ID" dirty="0"/>
           </a:p>
@@ -12362,7 +16613,7 @@
           <p:cNvPr id="4" name="Slide Number Placeholder 3">
             <a:extLst>
               <a:ext uri="{FF2B5EF4-FFF2-40B4-BE49-F238E27FC236}">
-                <a16:creationId xmlns:a16="http://schemas.microsoft.com/office/drawing/2014/main" id="{5E8C5ED3-8A34-4584-9E22-8EE8B3F01925}"/>
+                <a16:creationId xmlns:a16="http://schemas.microsoft.com/office/drawing/2014/main" id="{916DB1F4-E56E-40F8-BE83-A77BD1B29ED2}"/>
               </a:ext>
             </a:extLst>
           </p:cNvPr>
@@ -12395,40 +16646,74 @@
           </a:p>
         </p:txBody>
       </p:sp>
-      <p:pic>
-        <p:nvPicPr>
-          <p:cNvPr id="5" name="Picture 4">
+      <p:sp>
+        <p:nvSpPr>
+          <p:cNvPr id="5" name="Google Shape;224;p14">
             <a:extLst>
               <a:ext uri="{FF2B5EF4-FFF2-40B4-BE49-F238E27FC236}">
-                <a16:creationId xmlns:a16="http://schemas.microsoft.com/office/drawing/2014/main" id="{62DDFDEC-2A90-4C39-9BC2-C975D5BE6248}"/>
+                <a16:creationId xmlns:a16="http://schemas.microsoft.com/office/drawing/2014/main" id="{5FDF6675-7522-494F-BFC9-DCE4FBB03259}"/>
               </a:ext>
             </a:extLst>
           </p:cNvPr>
-          <p:cNvPicPr>
-            <a:picLocks noChangeAspect="1"/>
-          </p:cNvPicPr>
+          <p:cNvSpPr txBox="1"/>
           <p:nvPr/>
-        </p:nvPicPr>
-        <p:blipFill>
-          <a:blip r:embed="rId2"/>
-          <a:stretch>
-            <a:fillRect/>
-          </a:stretch>
-        </p:blipFill>
+        </p:nvSpPr>
         <p:spPr>
           <a:xfrm>
-            <a:off x="814275" y="1396381"/>
-            <a:ext cx="4038600" cy="3240119"/>
+            <a:off x="463525" y="0"/>
+            <a:ext cx="2181600" cy="3136200"/>
           </a:xfrm>
           <a:prstGeom prst="rect">
             <a:avLst/>
           </a:prstGeom>
+          <a:noFill/>
+          <a:ln>
+            <a:noFill/>
+          </a:ln>
         </p:spPr>
-      </p:pic>
+        <p:txBody>
+          <a:bodyPr spcFirstLastPara="1" wrap="square" lIns="91425" tIns="91425" rIns="91425" bIns="91425" anchor="b" anchorCtr="0">
+            <a:noAutofit/>
+          </a:bodyPr>
+          <a:lstStyle/>
+          <a:p>
+            <a:pPr marL="0" lvl="0" indent="0" algn="l" rtl="0">
+              <a:spcBef>
+                <a:spcPts val="0"/>
+              </a:spcBef>
+              <a:spcAft>
+                <a:spcPts val="0"/>
+              </a:spcAft>
+              <a:buNone/>
+            </a:pPr>
+            <a:r>
+              <a:rPr lang="en" sz="12000" b="1" dirty="0">
+                <a:solidFill>
+                  <a:srgbClr val="3F5378"/>
+                </a:solidFill>
+                <a:latin typeface="Roboto Condensed"/>
+                <a:ea typeface="Roboto Condensed"/>
+                <a:cs typeface="Roboto Condensed"/>
+                <a:sym typeface="Roboto Condensed"/>
+              </a:rPr>
+              <a:t>3</a:t>
+            </a:r>
+            <a:endParaRPr sz="3000" b="1" dirty="0">
+              <a:solidFill>
+                <a:srgbClr val="3F5378"/>
+              </a:solidFill>
+              <a:latin typeface="Roboto Condensed"/>
+              <a:ea typeface="Roboto Condensed"/>
+              <a:cs typeface="Roboto Condensed"/>
+              <a:sym typeface="Roboto Condensed"/>
+            </a:endParaRPr>
+          </a:p>
+        </p:txBody>
+      </p:sp>
     </p:spTree>
     <p:extLst>
       <p:ext uri="{BB962C8B-B14F-4D97-AF65-F5344CB8AC3E}">
-        <p14:creationId xmlns:p14="http://schemas.microsoft.com/office/powerpoint/2010/main" val="3867245299"/>
+        <p14:creationId xmlns:p14="http://schemas.microsoft.com/office/powerpoint/2010/main" val="4090414935"/>
       </p:ext>
     </p:extLst>
   </p:cSld>
